--- a/Docs/Project/Projeto AI.pptx
+++ b/Docs/Project/Projeto AI.pptx
@@ -5,10 +5,10 @@
     <p:sldMasterId id="2147483673" r:id="rId1"/>
   </p:sldMasterIdLst>
   <p:notesMasterIdLst>
-    <p:notesMasterId r:id="rId19"/>
+    <p:notesMasterId r:id="rId20"/>
   </p:notesMasterIdLst>
   <p:handoutMasterIdLst>
-    <p:handoutMasterId r:id="rId20"/>
+    <p:handoutMasterId r:id="rId21"/>
   </p:handoutMasterIdLst>
   <p:sldIdLst>
     <p:sldId id="257" r:id="rId2"/>
@@ -18,16 +18,17 @@
     <p:sldId id="284" r:id="rId6"/>
     <p:sldId id="278" r:id="rId7"/>
     <p:sldId id="279" r:id="rId8"/>
-    <p:sldId id="285" r:id="rId9"/>
-    <p:sldId id="264" r:id="rId10"/>
-    <p:sldId id="268" r:id="rId11"/>
-    <p:sldId id="266" r:id="rId12"/>
-    <p:sldId id="286" r:id="rId13"/>
-    <p:sldId id="267" r:id="rId14"/>
-    <p:sldId id="289" r:id="rId15"/>
-    <p:sldId id="288" r:id="rId16"/>
-    <p:sldId id="290" r:id="rId17"/>
-    <p:sldId id="287" r:id="rId18"/>
+    <p:sldId id="291" r:id="rId9"/>
+    <p:sldId id="285" r:id="rId10"/>
+    <p:sldId id="264" r:id="rId11"/>
+    <p:sldId id="268" r:id="rId12"/>
+    <p:sldId id="266" r:id="rId13"/>
+    <p:sldId id="286" r:id="rId14"/>
+    <p:sldId id="267" r:id="rId15"/>
+    <p:sldId id="292" r:id="rId16"/>
+    <p:sldId id="288" r:id="rId17"/>
+    <p:sldId id="293" r:id="rId18"/>
+    <p:sldId id="287" r:id="rId19"/>
   </p:sldIdLst>
   <p:sldSz cx="12192000" cy="6858000"/>
   <p:notesSz cx="6858000" cy="9144000"/>
@@ -221,7 +222,7 @@
             <a:pPr rtl="0"/>
             <a:fld id="{4A170B22-A4BB-4708-B0CE-A73E8306129B}" type="datetime1">
               <a:rPr lang="pt-BR" smtClean="0"/>
-              <a:t>08/09/2020</a:t>
+              <a:t>13/09/2020</a:t>
             </a:fld>
             <a:endParaRPr lang="en-US" dirty="0"/>
           </a:p>
@@ -391,7 +392,7 @@
             <a:pPr rtl="0"/>
             <a:fld id="{E6245E56-2EE9-450B-A671-BE5C90BAC91C}" type="datetime1">
               <a:rPr lang="pt-BR" smtClean="0"/>
-              <a:t>08/09/2020</a:t>
+              <a:t>13/09/2020</a:t>
             </a:fld>
             <a:endParaRPr lang="en-US"/>
           </a:p>
@@ -1136,7 +1137,7 @@
             <a:pPr rtl="0"/>
             <a:fld id="{2F3AF6F7-5911-45C3-BE0F-7F38FEFE43FA}" type="datetime1">
               <a:rPr lang="pt-BR" smtClean="0"/>
-              <a:t>08/09/2020</a:t>
+              <a:t>13/09/2020</a:t>
             </a:fld>
             <a:endParaRPr lang="en-US" dirty="0"/>
           </a:p>
@@ -1348,7 +1349,7 @@
             <a:pPr rtl="0"/>
             <a:fld id="{870C3F0E-1EAD-419A-B8F3-CB7CDE6B1E86}" type="datetime1">
               <a:rPr lang="pt-BR" smtClean="0"/>
-              <a:t>08/09/2020</a:t>
+              <a:t>13/09/2020</a:t>
             </a:fld>
             <a:endParaRPr lang="en-US"/>
           </a:p>
@@ -1536,7 +1537,7 @@
             <a:pPr rtl="0"/>
             <a:fld id="{5274CCBA-3812-426F-BA8C-8BC3E97D7FB5}" type="datetime1">
               <a:rPr lang="pt-BR" smtClean="0"/>
-              <a:t>08/09/2020</a:t>
+              <a:t>13/09/2020</a:t>
             </a:fld>
             <a:endParaRPr lang="en-US"/>
           </a:p>
@@ -1716,7 +1717,7 @@
             <a:pPr rtl="0"/>
             <a:fld id="{D48C737E-092E-4203-A347-8410086932C6}" type="datetime1">
               <a:rPr lang="pt-BR" smtClean="0"/>
-              <a:t>08/09/2020</a:t>
+              <a:t>13/09/2020</a:t>
             </a:fld>
             <a:endParaRPr lang="en-US"/>
           </a:p>
@@ -2319,7 +2320,7 @@
             <a:pPr rtl="0"/>
             <a:fld id="{494319B4-ED34-4D08-91C0-F7E8BD9417E6}" type="datetime1">
               <a:rPr lang="pt-BR" smtClean="0"/>
-              <a:t>08/09/2020</a:t>
+              <a:t>13/09/2020</a:t>
             </a:fld>
             <a:endParaRPr lang="en-US" dirty="0"/>
           </a:p>
@@ -2643,7 +2644,7 @@
             <a:pPr rtl="0"/>
             <a:fld id="{EDD1C28D-3F4C-4305-9CD5-9949626E9ED5}" type="datetime1">
               <a:rPr lang="pt-BR" smtClean="0"/>
-              <a:t>08/09/2020</a:t>
+              <a:t>13/09/2020</a:t>
             </a:fld>
             <a:endParaRPr lang="en-US"/>
           </a:p>
@@ -3090,7 +3091,7 @@
             <a:pPr rtl="0"/>
             <a:fld id="{D05F8630-DFFC-437C-A718-61BE3F548C4E}" type="datetime1">
               <a:rPr lang="pt-BR" smtClean="0"/>
-              <a:t>08/09/2020</a:t>
+              <a:t>13/09/2020</a:t>
             </a:fld>
             <a:endParaRPr lang="en-US"/>
           </a:p>
@@ -3218,7 +3219,7 @@
             <a:pPr rtl="0"/>
             <a:fld id="{3812AD8E-909B-47FE-B3D6-961E1D2E7A49}" type="datetime1">
               <a:rPr lang="pt-BR" smtClean="0"/>
-              <a:t>08/09/2020</a:t>
+              <a:t>13/09/2020</a:t>
             </a:fld>
             <a:endParaRPr lang="en-US"/>
           </a:p>
@@ -3316,7 +3317,7 @@
             <a:pPr rtl="0"/>
             <a:fld id="{5D0BF672-AFC3-4C39-AA84-C1113D4307F1}" type="datetime1">
               <a:rPr lang="pt-BR" smtClean="0"/>
-              <a:t>08/09/2020</a:t>
+              <a:t>13/09/2020</a:t>
             </a:fld>
             <a:endParaRPr lang="en-US"/>
           </a:p>
@@ -3737,7 +3738,7 @@
             <a:pPr rtl="0"/>
             <a:fld id="{B01F5550-97CC-4F3B-A34B-FE39BFD06EF0}" type="datetime1">
               <a:rPr lang="pt-BR" smtClean="0"/>
-              <a:t>08/09/2020</a:t>
+              <a:t>13/09/2020</a:t>
             </a:fld>
             <a:endParaRPr lang="en-US"/>
           </a:p>
@@ -4002,7 +4003,7 @@
             <a:pPr rtl="0"/>
             <a:fld id="{7975B8C2-382E-4F5E-B0CE-7E0EEF75E017}" type="datetime1">
               <a:rPr lang="pt-BR" smtClean="0"/>
-              <a:t>08/09/2020</a:t>
+              <a:t>13/09/2020</a:t>
             </a:fld>
             <a:endParaRPr lang="en-US" dirty="0"/>
           </a:p>
@@ -4522,7 +4523,7 @@
             <a:pPr rtl="0"/>
             <a:fld id="{91DF2A3A-30FD-464E-8202-27A276433376}" type="datetime1">
               <a:rPr lang="pt-BR" smtClean="0"/>
-              <a:t>08/09/2020</a:t>
+              <a:t>13/09/2020</a:t>
             </a:fld>
             <a:endParaRPr lang="en-US" dirty="0"/>
           </a:p>
@@ -5281,6 +5282,2321 @@
           <a:chExt cx="0" cy="0"/>
         </a:xfrm>
       </p:grpSpPr>
+      <p:sp>
+        <p:nvSpPr>
+          <p:cNvPr id="20" name="CaixaDeTexto 19">
+            <a:extLst>
+              <a:ext uri="{FF2B5EF4-FFF2-40B4-BE49-F238E27FC236}">
+                <a16:creationId xmlns:a16="http://schemas.microsoft.com/office/drawing/2014/main" id="{B5BD91E4-A18C-40FC-9C73-2BE3B3F9EB77}"/>
+              </a:ext>
+            </a:extLst>
+          </p:cNvPr>
+          <p:cNvSpPr txBox="1"/>
+          <p:nvPr/>
+        </p:nvSpPr>
+        <p:spPr>
+          <a:xfrm>
+            <a:off x="411480" y="381195"/>
+            <a:ext cx="11384280" cy="523220"/>
+          </a:xfrm>
+          <a:prstGeom prst="rect">
+            <a:avLst/>
+          </a:prstGeom>
+          <a:solidFill>
+            <a:schemeClr val="tx2">
+              <a:lumMod val="60000"/>
+              <a:lumOff val="40000"/>
+            </a:schemeClr>
+          </a:solidFill>
+          <a:ln w="19050">
+            <a:solidFill>
+              <a:schemeClr val="accent1">
+                <a:lumMod val="75000"/>
+              </a:schemeClr>
+            </a:solidFill>
+          </a:ln>
+        </p:spPr>
+        <p:txBody>
+          <a:bodyPr wrap="square" rtlCol="0">
+            <a:spAutoFit/>
+          </a:bodyPr>
+          <a:lstStyle>
+            <a:defPPr rtl="0">
+              <a:defRPr lang="pt-br"/>
+            </a:defPPr>
+            <a:lvl1pPr>
+              <a:defRPr sz="2800" b="1">
+                <a:solidFill>
+                  <a:schemeClr val="accent2">
+                    <a:lumMod val="50000"/>
+                  </a:schemeClr>
+                </a:solidFill>
+              </a:defRPr>
+            </a:lvl1pPr>
+          </a:lstStyle>
+          <a:p>
+            <a:r>
+              <a:rPr lang="pt-BR" dirty="0">
+                <a:solidFill>
+                  <a:srgbClr val="002060"/>
+                </a:solidFill>
+              </a:rPr>
+              <a:t>Módulo 2 – Operação do Modelo</a:t>
+            </a:r>
+          </a:p>
+        </p:txBody>
+      </p:sp>
+      <p:graphicFrame>
+        <p:nvGraphicFramePr>
+          <p:cNvPr id="3" name="Tabela 12">
+            <a:extLst>
+              <a:ext uri="{FF2B5EF4-FFF2-40B4-BE49-F238E27FC236}">
+                <a16:creationId xmlns:a16="http://schemas.microsoft.com/office/drawing/2014/main" id="{2A75F3A7-F58F-4BEE-9872-5D48EB582BD6}"/>
+              </a:ext>
+            </a:extLst>
+          </p:cNvPr>
+          <p:cNvGraphicFramePr>
+            <a:graphicFrameLocks noGrp="1"/>
+          </p:cNvGraphicFramePr>
+          <p:nvPr>
+            <p:extLst>
+              <p:ext uri="{D42A27DB-BD31-4B8C-83A1-F6EECF244321}">
+                <p14:modId xmlns:p14="http://schemas.microsoft.com/office/powerpoint/2010/main" val="3117318073"/>
+              </p:ext>
+            </p:extLst>
+          </p:nvPr>
+        </p:nvGraphicFramePr>
+        <p:xfrm>
+          <a:off x="650702" y="1033566"/>
+          <a:ext cx="10735548" cy="2844800"/>
+        </p:xfrm>
+        <a:graphic>
+          <a:graphicData uri="http://schemas.openxmlformats.org/drawingml/2006/table">
+            <a:tbl>
+              <a:tblPr firstRow="1" bandRow="1">
+                <a:tableStyleId>{3B4B98B0-60AC-42C2-AFA5-B58CD77FA1E5}</a:tableStyleId>
+              </a:tblPr>
+              <a:tblGrid>
+                <a:gridCol w="1789258">
+                  <a:extLst>
+                    <a:ext uri="{9D8B030D-6E8A-4147-A177-3AD203B41FA5}">
+                      <a16:colId xmlns:a16="http://schemas.microsoft.com/office/drawing/2014/main" val="3362292012"/>
+                    </a:ext>
+                  </a:extLst>
+                </a:gridCol>
+                <a:gridCol w="1789258">
+                  <a:extLst>
+                    <a:ext uri="{9D8B030D-6E8A-4147-A177-3AD203B41FA5}">
+                      <a16:colId xmlns:a16="http://schemas.microsoft.com/office/drawing/2014/main" val="426781171"/>
+                    </a:ext>
+                  </a:extLst>
+                </a:gridCol>
+                <a:gridCol w="1789258">
+                  <a:extLst>
+                    <a:ext uri="{9D8B030D-6E8A-4147-A177-3AD203B41FA5}">
+                      <a16:colId xmlns:a16="http://schemas.microsoft.com/office/drawing/2014/main" val="3215207731"/>
+                    </a:ext>
+                  </a:extLst>
+                </a:gridCol>
+                <a:gridCol w="1641348">
+                  <a:extLst>
+                    <a:ext uri="{9D8B030D-6E8A-4147-A177-3AD203B41FA5}">
+                      <a16:colId xmlns:a16="http://schemas.microsoft.com/office/drawing/2014/main" val="1646898754"/>
+                    </a:ext>
+                  </a:extLst>
+                </a:gridCol>
+                <a:gridCol w="1783080">
+                  <a:extLst>
+                    <a:ext uri="{9D8B030D-6E8A-4147-A177-3AD203B41FA5}">
+                      <a16:colId xmlns:a16="http://schemas.microsoft.com/office/drawing/2014/main" val="274680685"/>
+                    </a:ext>
+                  </a:extLst>
+                </a:gridCol>
+                <a:gridCol w="1943346">
+                  <a:extLst>
+                    <a:ext uri="{9D8B030D-6E8A-4147-A177-3AD203B41FA5}">
+                      <a16:colId xmlns:a16="http://schemas.microsoft.com/office/drawing/2014/main" val="1801465488"/>
+                    </a:ext>
+                  </a:extLst>
+                </a:gridCol>
+              </a:tblGrid>
+              <a:tr h="370840">
+                <a:tc gridSpan="6">
+                  <a:txBody>
+                    <a:bodyPr/>
+                    <a:lstStyle/>
+                    <a:p>
+                      <a:pPr algn="ctr"/>
+                      <a:r>
+                        <a:rPr lang="pt-BR" sz="1600" dirty="0">
+                          <a:solidFill>
+                            <a:schemeClr val="accent1">
+                              <a:lumMod val="50000"/>
+                            </a:schemeClr>
+                          </a:solidFill>
+                        </a:rPr>
+                        <a:t>M A C R O S   T A R E F A S </a:t>
+                      </a:r>
+                    </a:p>
+                  </a:txBody>
+                  <a:tcPr>
+                    <a:lnB w="12700" cap="flat" cmpd="sng" algn="ctr">
+                      <a:solidFill>
+                        <a:schemeClr val="tx1"/>
+                      </a:solidFill>
+                      <a:prstDash val="solid"/>
+                      <a:round/>
+                      <a:headEnd type="none" w="med" len="med"/>
+                      <a:tailEnd type="none" w="med" len="med"/>
+                    </a:lnB>
+                  </a:tcPr>
+                </a:tc>
+                <a:tc hMerge="1">
+                  <a:txBody>
+                    <a:bodyPr/>
+                    <a:lstStyle/>
+                    <a:p>
+                      <a:endParaRPr lang="pt-BR" sz="1400" dirty="0"/>
+                    </a:p>
+                  </a:txBody>
+                  <a:tcPr/>
+                </a:tc>
+                <a:tc hMerge="1">
+                  <a:txBody>
+                    <a:bodyPr/>
+                    <a:lstStyle/>
+                    <a:p>
+                      <a:endParaRPr lang="pt-BR"/>
+                    </a:p>
+                  </a:txBody>
+                  <a:tcPr/>
+                </a:tc>
+                <a:tc hMerge="1">
+                  <a:txBody>
+                    <a:bodyPr/>
+                    <a:lstStyle/>
+                    <a:p>
+                      <a:endParaRPr lang="pt-BR"/>
+                    </a:p>
+                  </a:txBody>
+                  <a:tcPr/>
+                </a:tc>
+                <a:tc hMerge="1">
+                  <a:txBody>
+                    <a:bodyPr/>
+                    <a:lstStyle/>
+                    <a:p>
+                      <a:endParaRPr lang="pt-BR" sz="1400" dirty="0"/>
+                    </a:p>
+                  </a:txBody>
+                  <a:tcPr/>
+                </a:tc>
+                <a:tc hMerge="1">
+                  <a:txBody>
+                    <a:bodyPr/>
+                    <a:lstStyle/>
+                    <a:p>
+                      <a:endParaRPr lang="pt-BR" sz="1400" dirty="0"/>
+                    </a:p>
+                  </a:txBody>
+                  <a:tcPr/>
+                </a:tc>
+                <a:extLst>
+                  <a:ext uri="{0D108BD9-81ED-4DB2-BD59-A6C34878D82A}">
+                    <a16:rowId xmlns:a16="http://schemas.microsoft.com/office/drawing/2014/main" val="1849980723"/>
+                  </a:ext>
+                </a:extLst>
+              </a:tr>
+              <a:tr h="370840">
+                <a:tc>
+                  <a:txBody>
+                    <a:bodyPr/>
+                    <a:lstStyle/>
+                    <a:p>
+                      <a:r>
+                        <a:rPr lang="pt-BR" sz="1400" b="1" dirty="0">
+                          <a:solidFill>
+                            <a:schemeClr val="accent1">
+                              <a:lumMod val="50000"/>
+                            </a:schemeClr>
+                          </a:solidFill>
+                        </a:rPr>
+                        <a:t>Etapa 1</a:t>
+                      </a:r>
+                    </a:p>
+                  </a:txBody>
+                  <a:tcPr>
+                    <a:lnL w="12700" cap="flat" cmpd="sng" algn="ctr">
+                      <a:solidFill>
+                        <a:schemeClr val="tx1"/>
+                      </a:solidFill>
+                      <a:prstDash val="solid"/>
+                      <a:round/>
+                      <a:headEnd type="none" w="med" len="med"/>
+                      <a:tailEnd type="none" w="med" len="med"/>
+                    </a:lnL>
+                    <a:lnR w="12700" cap="flat" cmpd="sng" algn="ctr">
+                      <a:solidFill>
+                        <a:schemeClr val="tx1"/>
+                      </a:solidFill>
+                      <a:prstDash val="solid"/>
+                      <a:round/>
+                      <a:headEnd type="none" w="med" len="med"/>
+                      <a:tailEnd type="none" w="med" len="med"/>
+                    </a:lnR>
+                    <a:lnT w="12700" cap="flat" cmpd="sng" algn="ctr">
+                      <a:solidFill>
+                        <a:schemeClr val="tx1"/>
+                      </a:solidFill>
+                      <a:prstDash val="solid"/>
+                      <a:round/>
+                      <a:headEnd type="none" w="med" len="med"/>
+                      <a:tailEnd type="none" w="med" len="med"/>
+                    </a:lnT>
+                    <a:lnB w="12700" cap="flat" cmpd="sng" algn="ctr">
+                      <a:solidFill>
+                        <a:schemeClr val="tx1"/>
+                      </a:solidFill>
+                      <a:prstDash val="solid"/>
+                      <a:round/>
+                      <a:headEnd type="none" w="med" len="med"/>
+                      <a:tailEnd type="none" w="med" len="med"/>
+                    </a:lnB>
+                    <a:solidFill>
+                      <a:schemeClr val="accent1">
+                        <a:lumMod val="75000"/>
+                        <a:alpha val="20000"/>
+                      </a:schemeClr>
+                    </a:solidFill>
+                  </a:tcPr>
+                </a:tc>
+                <a:tc gridSpan="3">
+                  <a:txBody>
+                    <a:bodyPr/>
+                    <a:lstStyle/>
+                    <a:p>
+                      <a:r>
+                        <a:rPr lang="pt-BR" sz="1400" b="1" dirty="0">
+                          <a:solidFill>
+                            <a:schemeClr val="accent1">
+                              <a:lumMod val="50000"/>
+                            </a:schemeClr>
+                          </a:solidFill>
+                        </a:rPr>
+                        <a:t>Etapa 2 – Processamento</a:t>
+                      </a:r>
+                    </a:p>
+                  </a:txBody>
+                  <a:tcPr>
+                    <a:lnL w="12700" cap="flat" cmpd="sng" algn="ctr">
+                      <a:solidFill>
+                        <a:schemeClr val="tx1"/>
+                      </a:solidFill>
+                      <a:prstDash val="solid"/>
+                      <a:round/>
+                      <a:headEnd type="none" w="med" len="med"/>
+                      <a:tailEnd type="none" w="med" len="med"/>
+                    </a:lnL>
+                    <a:lnR w="12700" cap="flat" cmpd="sng" algn="ctr">
+                      <a:solidFill>
+                        <a:schemeClr val="tx1"/>
+                      </a:solidFill>
+                      <a:prstDash val="solid"/>
+                      <a:round/>
+                      <a:headEnd type="none" w="med" len="med"/>
+                      <a:tailEnd type="none" w="med" len="med"/>
+                    </a:lnR>
+                    <a:lnT w="12700" cap="flat" cmpd="sng" algn="ctr">
+                      <a:solidFill>
+                        <a:schemeClr val="tx1"/>
+                      </a:solidFill>
+                      <a:prstDash val="solid"/>
+                      <a:round/>
+                      <a:headEnd type="none" w="med" len="med"/>
+                      <a:tailEnd type="none" w="med" len="med"/>
+                    </a:lnT>
+                    <a:lnB w="12700" cap="flat" cmpd="sng" algn="ctr">
+                      <a:solidFill>
+                        <a:schemeClr val="tx1"/>
+                      </a:solidFill>
+                      <a:prstDash val="solid"/>
+                      <a:round/>
+                      <a:headEnd type="none" w="med" len="med"/>
+                      <a:tailEnd type="none" w="med" len="med"/>
+                    </a:lnB>
+                    <a:solidFill>
+                      <a:schemeClr val="accent1">
+                        <a:lumMod val="75000"/>
+                        <a:alpha val="20000"/>
+                      </a:schemeClr>
+                    </a:solidFill>
+                  </a:tcPr>
+                </a:tc>
+                <a:tc hMerge="1">
+                  <a:txBody>
+                    <a:bodyPr/>
+                    <a:lstStyle/>
+                    <a:p>
+                      <a:endParaRPr lang="pt-BR" dirty="0"/>
+                    </a:p>
+                  </a:txBody>
+                  <a:tcPr/>
+                </a:tc>
+                <a:tc hMerge="1">
+                  <a:txBody>
+                    <a:bodyPr/>
+                    <a:lstStyle/>
+                    <a:p>
+                      <a:endParaRPr lang="pt-BR" dirty="0"/>
+                    </a:p>
+                  </a:txBody>
+                  <a:tcPr/>
+                </a:tc>
+                <a:tc>
+                  <a:txBody>
+                    <a:bodyPr/>
+                    <a:lstStyle/>
+                    <a:p>
+                      <a:r>
+                        <a:rPr lang="pt-BR" sz="1400" b="1" dirty="0">
+                          <a:solidFill>
+                            <a:schemeClr val="accent1">
+                              <a:lumMod val="50000"/>
+                            </a:schemeClr>
+                          </a:solidFill>
+                        </a:rPr>
+                        <a:t>Etapa 3 - Visualização dos Resultados</a:t>
+                      </a:r>
+                    </a:p>
+                  </a:txBody>
+                  <a:tcPr>
+                    <a:lnL w="12700" cap="flat" cmpd="sng" algn="ctr">
+                      <a:solidFill>
+                        <a:schemeClr val="tx1"/>
+                      </a:solidFill>
+                      <a:prstDash val="solid"/>
+                      <a:round/>
+                      <a:headEnd type="none" w="med" len="med"/>
+                      <a:tailEnd type="none" w="med" len="med"/>
+                    </a:lnL>
+                    <a:lnR w="12700" cap="flat" cmpd="sng" algn="ctr">
+                      <a:solidFill>
+                        <a:schemeClr val="tx1"/>
+                      </a:solidFill>
+                      <a:prstDash val="solid"/>
+                      <a:round/>
+                      <a:headEnd type="none" w="med" len="med"/>
+                      <a:tailEnd type="none" w="med" len="med"/>
+                    </a:lnR>
+                    <a:lnT w="12700" cap="flat" cmpd="sng" algn="ctr">
+                      <a:solidFill>
+                        <a:schemeClr val="tx1"/>
+                      </a:solidFill>
+                      <a:prstDash val="solid"/>
+                      <a:round/>
+                      <a:headEnd type="none" w="med" len="med"/>
+                      <a:tailEnd type="none" w="med" len="med"/>
+                    </a:lnT>
+                    <a:lnB w="12700" cap="flat" cmpd="sng" algn="ctr">
+                      <a:solidFill>
+                        <a:schemeClr val="tx1"/>
+                      </a:solidFill>
+                      <a:prstDash val="solid"/>
+                      <a:round/>
+                      <a:headEnd type="none" w="med" len="med"/>
+                      <a:tailEnd type="none" w="med" len="med"/>
+                    </a:lnB>
+                    <a:solidFill>
+                      <a:schemeClr val="accent1">
+                        <a:lumMod val="75000"/>
+                        <a:alpha val="20000"/>
+                      </a:schemeClr>
+                    </a:solidFill>
+                  </a:tcPr>
+                </a:tc>
+                <a:tc>
+                  <a:txBody>
+                    <a:bodyPr/>
+                    <a:lstStyle/>
+                    <a:p>
+                      <a:r>
+                        <a:rPr lang="pt-BR" sz="1400" b="1" dirty="0">
+                          <a:solidFill>
+                            <a:schemeClr val="accent1">
+                              <a:lumMod val="50000"/>
+                            </a:schemeClr>
+                          </a:solidFill>
+                        </a:rPr>
+                        <a:t>Etapa 4. Calibração do modelo</a:t>
+                      </a:r>
+                    </a:p>
+                  </a:txBody>
+                  <a:tcPr>
+                    <a:lnL w="12700" cap="flat" cmpd="sng" algn="ctr">
+                      <a:solidFill>
+                        <a:schemeClr val="tx1"/>
+                      </a:solidFill>
+                      <a:prstDash val="solid"/>
+                      <a:round/>
+                      <a:headEnd type="none" w="med" len="med"/>
+                      <a:tailEnd type="none" w="med" len="med"/>
+                    </a:lnL>
+                    <a:lnR w="12700" cap="flat" cmpd="sng" algn="ctr">
+                      <a:solidFill>
+                        <a:schemeClr val="tx1"/>
+                      </a:solidFill>
+                      <a:prstDash val="solid"/>
+                      <a:round/>
+                      <a:headEnd type="none" w="med" len="med"/>
+                      <a:tailEnd type="none" w="med" len="med"/>
+                    </a:lnR>
+                    <a:lnT w="12700" cap="flat" cmpd="sng" algn="ctr">
+                      <a:solidFill>
+                        <a:schemeClr val="tx1"/>
+                      </a:solidFill>
+                      <a:prstDash val="solid"/>
+                      <a:round/>
+                      <a:headEnd type="none" w="med" len="med"/>
+                      <a:tailEnd type="none" w="med" len="med"/>
+                    </a:lnT>
+                    <a:lnB w="12700" cap="flat" cmpd="sng" algn="ctr">
+                      <a:solidFill>
+                        <a:schemeClr val="tx1"/>
+                      </a:solidFill>
+                      <a:prstDash val="solid"/>
+                      <a:round/>
+                      <a:headEnd type="none" w="med" len="med"/>
+                      <a:tailEnd type="none" w="med" len="med"/>
+                    </a:lnB>
+                    <a:solidFill>
+                      <a:schemeClr val="accent1">
+                        <a:lumMod val="75000"/>
+                        <a:alpha val="20000"/>
+                      </a:schemeClr>
+                    </a:solidFill>
+                  </a:tcPr>
+                </a:tc>
+                <a:extLst>
+                  <a:ext uri="{0D108BD9-81ED-4DB2-BD59-A6C34878D82A}">
+                    <a16:rowId xmlns:a16="http://schemas.microsoft.com/office/drawing/2014/main" val="1188176675"/>
+                  </a:ext>
+                </a:extLst>
+              </a:tr>
+              <a:tr h="370840">
+                <a:tc>
+                  <a:txBody>
+                    <a:bodyPr/>
+                    <a:lstStyle/>
+                    <a:p>
+                      <a:r>
+                        <a:rPr lang="pt-BR" sz="1400" b="1" dirty="0"/>
+                        <a:t>Leitura dos Insumos a partir de </a:t>
+                      </a:r>
+                      <a:r>
+                        <a:rPr lang="pt-BR" sz="1400" b="1" dirty="0" err="1"/>
+                        <a:t>API.Rest</a:t>
+                      </a:r>
+                      <a:endParaRPr lang="pt-BR" sz="1400" b="1" i="1" dirty="0"/>
+                    </a:p>
+                  </a:txBody>
+                  <a:tcPr>
+                    <a:lnL w="12700" cap="flat" cmpd="sng" algn="ctr">
+                      <a:solidFill>
+                        <a:schemeClr val="tx1"/>
+                      </a:solidFill>
+                      <a:prstDash val="solid"/>
+                      <a:round/>
+                      <a:headEnd type="none" w="med" len="med"/>
+                      <a:tailEnd type="none" w="med" len="med"/>
+                    </a:lnL>
+                    <a:lnR w="12700" cap="flat" cmpd="sng" algn="ctr">
+                      <a:solidFill>
+                        <a:schemeClr val="tx1"/>
+                      </a:solidFill>
+                      <a:prstDash val="solid"/>
+                      <a:round/>
+                      <a:headEnd type="none" w="med" len="med"/>
+                      <a:tailEnd type="none" w="med" len="med"/>
+                    </a:lnR>
+                    <a:lnT w="12700" cap="flat" cmpd="sng" algn="ctr">
+                      <a:solidFill>
+                        <a:schemeClr val="tx1"/>
+                      </a:solidFill>
+                      <a:prstDash val="solid"/>
+                      <a:round/>
+                      <a:headEnd type="none" w="med" len="med"/>
+                      <a:tailEnd type="none" w="med" len="med"/>
+                    </a:lnT>
+                    <a:lnB w="12700" cap="flat" cmpd="sng" algn="ctr">
+                      <a:solidFill>
+                        <a:schemeClr val="tx1"/>
+                      </a:solidFill>
+                      <a:prstDash val="solid"/>
+                      <a:round/>
+                      <a:headEnd type="none" w="med" len="med"/>
+                      <a:tailEnd type="none" w="med" len="med"/>
+                    </a:lnB>
+                  </a:tcPr>
+                </a:tc>
+                <a:tc>
+                  <a:txBody>
+                    <a:bodyPr/>
+                    <a:lstStyle/>
+                    <a:p>
+                      <a:pPr marL="0" marR="0" lvl="0" indent="0" algn="l" defTabSz="914400" rtl="0" eaLnBrk="1" fontAlgn="auto" latinLnBrk="0" hangingPunct="1">
+                        <a:lnSpc>
+                          <a:spcPct val="100000"/>
+                        </a:lnSpc>
+                        <a:spcBef>
+                          <a:spcPts val="0"/>
+                        </a:spcBef>
+                        <a:spcAft>
+                          <a:spcPts val="0"/>
+                        </a:spcAft>
+                        <a:buClrTx/>
+                        <a:buSzTx/>
+                        <a:buFontTx/>
+                        <a:buNone/>
+                        <a:tabLst/>
+                        <a:defRPr/>
+                      </a:pPr>
+                      <a:r>
+                        <a:rPr lang="pt-BR" sz="1400" b="1" dirty="0"/>
+                        <a:t>1. Preparar Dados para remoção de inconsistências</a:t>
+                      </a:r>
+                    </a:p>
+                    <a:p>
+                      <a:endParaRPr lang="pt-BR" sz="1400" b="1" i="1" dirty="0"/>
+                    </a:p>
+                  </a:txBody>
+                  <a:tcPr>
+                    <a:lnL w="12700" cap="flat" cmpd="sng" algn="ctr">
+                      <a:solidFill>
+                        <a:schemeClr val="tx1"/>
+                      </a:solidFill>
+                      <a:prstDash val="solid"/>
+                      <a:round/>
+                      <a:headEnd type="none" w="med" len="med"/>
+                      <a:tailEnd type="none" w="med" len="med"/>
+                    </a:lnL>
+                    <a:lnR w="12700" cap="flat" cmpd="sng" algn="ctr">
+                      <a:solidFill>
+                        <a:schemeClr val="tx1"/>
+                      </a:solidFill>
+                      <a:prstDash val="solid"/>
+                      <a:round/>
+                      <a:headEnd type="none" w="med" len="med"/>
+                      <a:tailEnd type="none" w="med" len="med"/>
+                    </a:lnR>
+                    <a:lnT w="12700" cap="flat" cmpd="sng" algn="ctr">
+                      <a:solidFill>
+                        <a:schemeClr val="tx1"/>
+                      </a:solidFill>
+                      <a:prstDash val="solid"/>
+                      <a:round/>
+                      <a:headEnd type="none" w="med" len="med"/>
+                      <a:tailEnd type="none" w="med" len="med"/>
+                    </a:lnT>
+                    <a:lnB w="12700" cap="flat" cmpd="sng" algn="ctr">
+                      <a:solidFill>
+                        <a:schemeClr val="tx1"/>
+                      </a:solidFill>
+                      <a:prstDash val="solid"/>
+                      <a:round/>
+                      <a:headEnd type="none" w="med" len="med"/>
+                      <a:tailEnd type="none" w="med" len="med"/>
+                    </a:lnB>
+                  </a:tcPr>
+                </a:tc>
+                <a:tc>
+                  <a:txBody>
+                    <a:bodyPr/>
+                    <a:lstStyle/>
+                    <a:p>
+                      <a:pPr marL="0" marR="0" lvl="0" indent="0" algn="l" defTabSz="914400" rtl="0" eaLnBrk="1" fontAlgn="auto" latinLnBrk="0" hangingPunct="1">
+                        <a:lnSpc>
+                          <a:spcPct val="100000"/>
+                        </a:lnSpc>
+                        <a:spcBef>
+                          <a:spcPts val="0"/>
+                        </a:spcBef>
+                        <a:spcAft>
+                          <a:spcPts val="0"/>
+                        </a:spcAft>
+                        <a:buClrTx/>
+                        <a:buSzTx/>
+                        <a:buFontTx/>
+                        <a:buNone/>
+                        <a:tabLst/>
+                        <a:defRPr/>
+                      </a:pPr>
+                      <a:r>
+                        <a:rPr lang="pt-BR" sz="1400" b="1" dirty="0"/>
+                        <a:t>2. Aplicação de Score.</a:t>
+                      </a:r>
+                    </a:p>
+                    <a:p>
+                      <a:pPr marL="0" marR="0" lvl="0" indent="0" algn="l" defTabSz="914400" rtl="0" eaLnBrk="1" fontAlgn="auto" latinLnBrk="0" hangingPunct="1">
+                        <a:lnSpc>
+                          <a:spcPct val="100000"/>
+                        </a:lnSpc>
+                        <a:spcBef>
+                          <a:spcPts val="0"/>
+                        </a:spcBef>
+                        <a:spcAft>
+                          <a:spcPts val="0"/>
+                        </a:spcAft>
+                        <a:buClrTx/>
+                        <a:buSzTx/>
+                        <a:buFontTx/>
+                        <a:buNone/>
+                        <a:tabLst/>
+                        <a:defRPr/>
+                      </a:pPr>
+                      <a:endParaRPr lang="pt-BR" sz="1400" b="1" dirty="0"/>
+                    </a:p>
+                    <a:p>
+                      <a:pPr marL="0" marR="0" lvl="0" indent="0" algn="l" defTabSz="914400" rtl="0" eaLnBrk="1" fontAlgn="auto" latinLnBrk="0" hangingPunct="1">
+                        <a:lnSpc>
+                          <a:spcPct val="100000"/>
+                        </a:lnSpc>
+                        <a:spcBef>
+                          <a:spcPts val="0"/>
+                        </a:spcBef>
+                        <a:spcAft>
+                          <a:spcPts val="0"/>
+                        </a:spcAft>
+                        <a:buClrTx/>
+                        <a:buSzTx/>
+                        <a:buFontTx/>
+                        <a:buNone/>
+                        <a:tabLst/>
+                        <a:defRPr/>
+                      </a:pPr>
+                      <a:r>
+                        <a:rPr lang="pt-BR" sz="1400" b="1" dirty="0"/>
+                        <a:t>“Predição sobre os dados novos”</a:t>
+                      </a:r>
+                    </a:p>
+                    <a:p>
+                      <a:endParaRPr lang="pt-BR" sz="1400" b="1" i="1" dirty="0"/>
+                    </a:p>
+                  </a:txBody>
+                  <a:tcPr>
+                    <a:lnL w="12700" cap="flat" cmpd="sng" algn="ctr">
+                      <a:solidFill>
+                        <a:schemeClr val="tx1"/>
+                      </a:solidFill>
+                      <a:prstDash val="solid"/>
+                      <a:round/>
+                      <a:headEnd type="none" w="med" len="med"/>
+                      <a:tailEnd type="none" w="med" len="med"/>
+                    </a:lnL>
+                    <a:lnR w="12700" cap="flat" cmpd="sng" algn="ctr">
+                      <a:solidFill>
+                        <a:schemeClr val="tx1"/>
+                      </a:solidFill>
+                      <a:prstDash val="solid"/>
+                      <a:round/>
+                      <a:headEnd type="none" w="med" len="med"/>
+                      <a:tailEnd type="none" w="med" len="med"/>
+                    </a:lnR>
+                    <a:lnT w="12700" cap="flat" cmpd="sng" algn="ctr">
+                      <a:solidFill>
+                        <a:schemeClr val="tx1"/>
+                      </a:solidFill>
+                      <a:prstDash val="solid"/>
+                      <a:round/>
+                      <a:headEnd type="none" w="med" len="med"/>
+                      <a:tailEnd type="none" w="med" len="med"/>
+                    </a:lnT>
+                    <a:lnB w="12700" cap="flat" cmpd="sng" algn="ctr">
+                      <a:solidFill>
+                        <a:schemeClr val="tx1"/>
+                      </a:solidFill>
+                      <a:prstDash val="solid"/>
+                      <a:round/>
+                      <a:headEnd type="none" w="med" len="med"/>
+                      <a:tailEnd type="none" w="med" len="med"/>
+                    </a:lnB>
+                  </a:tcPr>
+                </a:tc>
+                <a:tc>
+                  <a:txBody>
+                    <a:bodyPr/>
+                    <a:lstStyle/>
+                    <a:p>
+                      <a:pPr marL="0" marR="0" lvl="0" indent="0" algn="l" defTabSz="914400" rtl="0" eaLnBrk="1" fontAlgn="auto" latinLnBrk="0" hangingPunct="1">
+                        <a:lnSpc>
+                          <a:spcPct val="100000"/>
+                        </a:lnSpc>
+                        <a:spcBef>
+                          <a:spcPts val="0"/>
+                        </a:spcBef>
+                        <a:spcAft>
+                          <a:spcPts val="0"/>
+                        </a:spcAft>
+                        <a:buClrTx/>
+                        <a:buSzTx/>
+                        <a:buFontTx/>
+                        <a:buNone/>
+                        <a:tabLst/>
+                        <a:defRPr/>
+                      </a:pPr>
+                      <a:r>
+                        <a:rPr lang="pt-BR" sz="1400" b="1" dirty="0"/>
+                        <a:t>3. Salvar dados para análises quantitativas</a:t>
+                      </a:r>
+                      <a:endParaRPr lang="pt-BR" sz="1400" b="1" i="1" dirty="0"/>
+                    </a:p>
+                  </a:txBody>
+                  <a:tcPr>
+                    <a:lnL w="12700" cap="flat" cmpd="sng" algn="ctr">
+                      <a:solidFill>
+                        <a:schemeClr val="tx1"/>
+                      </a:solidFill>
+                      <a:prstDash val="solid"/>
+                      <a:round/>
+                      <a:headEnd type="none" w="med" len="med"/>
+                      <a:tailEnd type="none" w="med" len="med"/>
+                    </a:lnL>
+                    <a:lnR w="12700" cap="flat" cmpd="sng" algn="ctr">
+                      <a:solidFill>
+                        <a:schemeClr val="tx1"/>
+                      </a:solidFill>
+                      <a:prstDash val="solid"/>
+                      <a:round/>
+                      <a:headEnd type="none" w="med" len="med"/>
+                      <a:tailEnd type="none" w="med" len="med"/>
+                    </a:lnR>
+                    <a:lnT w="12700" cap="flat" cmpd="sng" algn="ctr">
+                      <a:solidFill>
+                        <a:schemeClr val="tx1"/>
+                      </a:solidFill>
+                      <a:prstDash val="solid"/>
+                      <a:round/>
+                      <a:headEnd type="none" w="med" len="med"/>
+                      <a:tailEnd type="none" w="med" len="med"/>
+                    </a:lnT>
+                    <a:lnB w="12700" cap="flat" cmpd="sng" algn="ctr">
+                      <a:solidFill>
+                        <a:schemeClr val="tx1"/>
+                      </a:solidFill>
+                      <a:prstDash val="solid"/>
+                      <a:round/>
+                      <a:headEnd type="none" w="med" len="med"/>
+                      <a:tailEnd type="none" w="med" len="med"/>
+                    </a:lnB>
+                  </a:tcPr>
+                </a:tc>
+                <a:tc>
+                  <a:txBody>
+                    <a:bodyPr/>
+                    <a:lstStyle/>
+                    <a:p>
+                      <a:pPr marL="0" marR="0" lvl="0" indent="0" algn="l" defTabSz="914400" rtl="0" eaLnBrk="1" fontAlgn="auto" latinLnBrk="0" hangingPunct="1">
+                        <a:lnSpc>
+                          <a:spcPct val="100000"/>
+                        </a:lnSpc>
+                        <a:spcBef>
+                          <a:spcPts val="0"/>
+                        </a:spcBef>
+                        <a:spcAft>
+                          <a:spcPts val="0"/>
+                        </a:spcAft>
+                        <a:buClrTx/>
+                        <a:buSzTx/>
+                        <a:buFontTx/>
+                        <a:buNone/>
+                        <a:tabLst/>
+                        <a:defRPr/>
+                      </a:pPr>
+                      <a:r>
+                        <a:rPr lang="pt-BR" sz="1400" b="1" dirty="0"/>
+                        <a:t>Acompanhar resultados de forma periódica.</a:t>
+                      </a:r>
+                      <a:endParaRPr lang="pt-BR" sz="1400" b="1" i="1" dirty="0"/>
+                    </a:p>
+                  </a:txBody>
+                  <a:tcPr>
+                    <a:lnL w="12700" cap="flat" cmpd="sng" algn="ctr">
+                      <a:solidFill>
+                        <a:schemeClr val="tx1"/>
+                      </a:solidFill>
+                      <a:prstDash val="solid"/>
+                      <a:round/>
+                      <a:headEnd type="none" w="med" len="med"/>
+                      <a:tailEnd type="none" w="med" len="med"/>
+                    </a:lnL>
+                    <a:lnR w="12700" cap="flat" cmpd="sng" algn="ctr">
+                      <a:solidFill>
+                        <a:schemeClr val="tx1"/>
+                      </a:solidFill>
+                      <a:prstDash val="solid"/>
+                      <a:round/>
+                      <a:headEnd type="none" w="med" len="med"/>
+                      <a:tailEnd type="none" w="med" len="med"/>
+                    </a:lnR>
+                    <a:lnT w="12700" cap="flat" cmpd="sng" algn="ctr">
+                      <a:solidFill>
+                        <a:schemeClr val="tx1"/>
+                      </a:solidFill>
+                      <a:prstDash val="solid"/>
+                      <a:round/>
+                      <a:headEnd type="none" w="med" len="med"/>
+                      <a:tailEnd type="none" w="med" len="med"/>
+                    </a:lnT>
+                    <a:lnB w="12700" cap="flat" cmpd="sng" algn="ctr">
+                      <a:solidFill>
+                        <a:schemeClr val="tx1"/>
+                      </a:solidFill>
+                      <a:prstDash val="solid"/>
+                      <a:round/>
+                      <a:headEnd type="none" w="med" len="med"/>
+                      <a:tailEnd type="none" w="med" len="med"/>
+                    </a:lnB>
+                  </a:tcPr>
+                </a:tc>
+                <a:tc>
+                  <a:txBody>
+                    <a:bodyPr/>
+                    <a:lstStyle/>
+                    <a:p>
+                      <a:pPr marL="0" marR="0" lvl="0" indent="0" algn="l" defTabSz="914400" rtl="0" eaLnBrk="1" fontAlgn="auto" latinLnBrk="0" hangingPunct="1">
+                        <a:lnSpc>
+                          <a:spcPct val="100000"/>
+                        </a:lnSpc>
+                        <a:spcBef>
+                          <a:spcPts val="0"/>
+                        </a:spcBef>
+                        <a:spcAft>
+                          <a:spcPts val="0"/>
+                        </a:spcAft>
+                        <a:buClrTx/>
+                        <a:buSzTx/>
+                        <a:buFontTx/>
+                        <a:buNone/>
+                        <a:tabLst/>
+                        <a:defRPr/>
+                      </a:pPr>
+                      <a:r>
+                        <a:rPr lang="pt-BR" sz="1400" b="1" dirty="0"/>
+                        <a:t>Definir período para avaliação da necessidade ou não de calibração do modelo</a:t>
+                      </a:r>
+                    </a:p>
+                    <a:p>
+                      <a:pPr marL="0" marR="0" lvl="0" indent="0" algn="l" defTabSz="914400" rtl="0" eaLnBrk="1" fontAlgn="auto" latinLnBrk="0" hangingPunct="1">
+                        <a:lnSpc>
+                          <a:spcPct val="100000"/>
+                        </a:lnSpc>
+                        <a:spcBef>
+                          <a:spcPts val="0"/>
+                        </a:spcBef>
+                        <a:spcAft>
+                          <a:spcPts val="0"/>
+                        </a:spcAft>
+                        <a:buClrTx/>
+                        <a:buSzTx/>
+                        <a:buFontTx/>
+                        <a:buNone/>
+                        <a:tabLst/>
+                        <a:defRPr/>
+                      </a:pPr>
+                      <a:endParaRPr lang="pt-BR" sz="1400" b="1" i="1" dirty="0"/>
+                    </a:p>
+                  </a:txBody>
+                  <a:tcPr>
+                    <a:lnL w="12700" cap="flat" cmpd="sng" algn="ctr">
+                      <a:solidFill>
+                        <a:schemeClr val="tx1"/>
+                      </a:solidFill>
+                      <a:prstDash val="solid"/>
+                      <a:round/>
+                      <a:headEnd type="none" w="med" len="med"/>
+                      <a:tailEnd type="none" w="med" len="med"/>
+                    </a:lnL>
+                    <a:lnR w="12700" cap="flat" cmpd="sng" algn="ctr">
+                      <a:solidFill>
+                        <a:schemeClr val="tx1"/>
+                      </a:solidFill>
+                      <a:prstDash val="solid"/>
+                      <a:round/>
+                      <a:headEnd type="none" w="med" len="med"/>
+                      <a:tailEnd type="none" w="med" len="med"/>
+                    </a:lnR>
+                    <a:lnT w="12700" cap="flat" cmpd="sng" algn="ctr">
+                      <a:solidFill>
+                        <a:schemeClr val="tx1"/>
+                      </a:solidFill>
+                      <a:prstDash val="solid"/>
+                      <a:round/>
+                      <a:headEnd type="none" w="med" len="med"/>
+                      <a:tailEnd type="none" w="med" len="med"/>
+                    </a:lnT>
+                    <a:lnB w="12700" cap="flat" cmpd="sng" algn="ctr">
+                      <a:solidFill>
+                        <a:schemeClr val="tx1"/>
+                      </a:solidFill>
+                      <a:prstDash val="solid"/>
+                      <a:round/>
+                      <a:headEnd type="none" w="med" len="med"/>
+                      <a:tailEnd type="none" w="med" len="med"/>
+                    </a:lnB>
+                  </a:tcPr>
+                </a:tc>
+                <a:extLst>
+                  <a:ext uri="{0D108BD9-81ED-4DB2-BD59-A6C34878D82A}">
+                    <a16:rowId xmlns:a16="http://schemas.microsoft.com/office/drawing/2014/main" val="2075626043"/>
+                  </a:ext>
+                </a:extLst>
+              </a:tr>
+              <a:tr h="370840">
+                <a:tc gridSpan="6">
+                  <a:txBody>
+                    <a:bodyPr/>
+                    <a:lstStyle/>
+                    <a:p>
+                      <a:pPr marL="0" marR="0" lvl="0" indent="0" algn="ctr" defTabSz="914400" rtl="0" eaLnBrk="1" fontAlgn="auto" latinLnBrk="0" hangingPunct="1">
+                        <a:lnSpc>
+                          <a:spcPct val="100000"/>
+                        </a:lnSpc>
+                        <a:spcBef>
+                          <a:spcPts val="0"/>
+                        </a:spcBef>
+                        <a:spcAft>
+                          <a:spcPts val="0"/>
+                        </a:spcAft>
+                        <a:buClrTx/>
+                        <a:buSzTx/>
+                        <a:buFontTx/>
+                        <a:buNone/>
+                        <a:tabLst/>
+                        <a:defRPr/>
+                      </a:pPr>
+                      <a:endParaRPr lang="pt-BR" sz="1400" b="1" dirty="0">
+                        <a:solidFill>
+                          <a:srgbClr val="0D029A"/>
+                        </a:solidFill>
+                      </a:endParaRPr>
+                    </a:p>
+                  </a:txBody>
+                  <a:tcPr>
+                    <a:lnT w="12700" cap="flat" cmpd="sng" algn="ctr">
+                      <a:solidFill>
+                        <a:schemeClr val="tx1"/>
+                      </a:solidFill>
+                      <a:prstDash val="solid"/>
+                      <a:round/>
+                      <a:headEnd type="none" w="med" len="med"/>
+                      <a:tailEnd type="none" w="med" len="med"/>
+                    </a:lnT>
+                  </a:tcPr>
+                </a:tc>
+                <a:tc hMerge="1">
+                  <a:txBody>
+                    <a:bodyPr/>
+                    <a:lstStyle/>
+                    <a:p>
+                      <a:endParaRPr lang="pt-BR" sz="1400" b="1" i="1" dirty="0"/>
+                    </a:p>
+                  </a:txBody>
+                  <a:tcPr/>
+                </a:tc>
+                <a:tc hMerge="1">
+                  <a:txBody>
+                    <a:bodyPr/>
+                    <a:lstStyle/>
+                    <a:p>
+                      <a:endParaRPr lang="pt-BR" sz="1400" b="1" i="1" dirty="0"/>
+                    </a:p>
+                  </a:txBody>
+                  <a:tcPr/>
+                </a:tc>
+                <a:tc hMerge="1">
+                  <a:txBody>
+                    <a:bodyPr/>
+                    <a:lstStyle/>
+                    <a:p>
+                      <a:pPr marL="0" marR="0" lvl="0" indent="0" algn="l" defTabSz="914400" rtl="0" eaLnBrk="1" fontAlgn="auto" latinLnBrk="0" hangingPunct="1">
+                        <a:lnSpc>
+                          <a:spcPct val="100000"/>
+                        </a:lnSpc>
+                        <a:spcBef>
+                          <a:spcPts val="0"/>
+                        </a:spcBef>
+                        <a:spcAft>
+                          <a:spcPts val="0"/>
+                        </a:spcAft>
+                        <a:buClrTx/>
+                        <a:buSzTx/>
+                        <a:buFontTx/>
+                        <a:buNone/>
+                        <a:tabLst/>
+                        <a:defRPr/>
+                      </a:pPr>
+                      <a:endParaRPr lang="pt-BR" sz="1400" b="1" i="1" dirty="0"/>
+                    </a:p>
+                  </a:txBody>
+                  <a:tcPr/>
+                </a:tc>
+                <a:tc hMerge="1">
+                  <a:txBody>
+                    <a:bodyPr/>
+                    <a:lstStyle/>
+                    <a:p>
+                      <a:pPr marL="0" marR="0" lvl="0" indent="0" algn="l" defTabSz="914400" rtl="0" eaLnBrk="1" fontAlgn="auto" latinLnBrk="0" hangingPunct="1">
+                        <a:lnSpc>
+                          <a:spcPct val="100000"/>
+                        </a:lnSpc>
+                        <a:spcBef>
+                          <a:spcPts val="0"/>
+                        </a:spcBef>
+                        <a:spcAft>
+                          <a:spcPts val="0"/>
+                        </a:spcAft>
+                        <a:buClrTx/>
+                        <a:buSzTx/>
+                        <a:buFontTx/>
+                        <a:buNone/>
+                        <a:tabLst/>
+                        <a:defRPr/>
+                      </a:pPr>
+                      <a:endParaRPr lang="pt-BR" sz="1400" b="1" i="1" dirty="0"/>
+                    </a:p>
+                  </a:txBody>
+                  <a:tcPr/>
+                </a:tc>
+                <a:tc hMerge="1">
+                  <a:txBody>
+                    <a:bodyPr/>
+                    <a:lstStyle/>
+                    <a:p>
+                      <a:pPr algn="ctr"/>
+                      <a:endParaRPr lang="pt-BR" sz="1400" b="1" i="1" dirty="0">
+                        <a:solidFill>
+                          <a:srgbClr val="0D029A"/>
+                        </a:solidFill>
+                      </a:endParaRPr>
+                    </a:p>
+                  </a:txBody>
+                  <a:tcPr/>
+                </a:tc>
+                <a:extLst>
+                  <a:ext uri="{0D108BD9-81ED-4DB2-BD59-A6C34878D82A}">
+                    <a16:rowId xmlns:a16="http://schemas.microsoft.com/office/drawing/2014/main" val="1081246432"/>
+                  </a:ext>
+                </a:extLst>
+              </a:tr>
+            </a:tbl>
+          </a:graphicData>
+        </a:graphic>
+      </p:graphicFrame>
+      <p:grpSp>
+        <p:nvGrpSpPr>
+          <p:cNvPr id="13" name="Agrupar 12">
+            <a:extLst>
+              <a:ext uri="{FF2B5EF4-FFF2-40B4-BE49-F238E27FC236}">
+                <a16:creationId xmlns:a16="http://schemas.microsoft.com/office/drawing/2014/main" id="{22562F98-BABF-433B-B7DB-EA29CD6BA0F2}"/>
+              </a:ext>
+            </a:extLst>
+          </p:cNvPr>
+          <p:cNvGrpSpPr/>
+          <p:nvPr/>
+        </p:nvGrpSpPr>
+        <p:grpSpPr>
+          <a:xfrm>
+            <a:off x="4231378" y="3648456"/>
+            <a:ext cx="6860293" cy="2711684"/>
+            <a:chOff x="637126" y="1538589"/>
+            <a:chExt cx="9969913" cy="4337558"/>
+          </a:xfrm>
+        </p:grpSpPr>
+        <p:pic>
+          <p:nvPicPr>
+            <p:cNvPr id="14" name="Imagem 13">
+              <a:extLst>
+                <a:ext uri="{FF2B5EF4-FFF2-40B4-BE49-F238E27FC236}">
+                  <a16:creationId xmlns:a16="http://schemas.microsoft.com/office/drawing/2014/main" id="{DD7C13BB-0DE5-493A-829F-A16F804D51B4}"/>
+                </a:ext>
+              </a:extLst>
+            </p:cNvPr>
+            <p:cNvPicPr>
+              <a:picLocks noChangeAspect="1"/>
+            </p:cNvPicPr>
+            <p:nvPr/>
+          </p:nvPicPr>
+          <p:blipFill>
+            <a:blip r:embed="rId2"/>
+            <a:stretch>
+              <a:fillRect/>
+            </a:stretch>
+          </p:blipFill>
+          <p:spPr>
+            <a:xfrm>
+              <a:off x="873398" y="2167477"/>
+              <a:ext cx="1459169" cy="1389383"/>
+            </a:xfrm>
+            <a:prstGeom prst="rect">
+              <a:avLst/>
+            </a:prstGeom>
+            <a:ln w="12700">
+              <a:solidFill>
+                <a:schemeClr val="tx1"/>
+              </a:solidFill>
+            </a:ln>
+          </p:spPr>
+        </p:pic>
+        <p:pic>
+          <p:nvPicPr>
+            <p:cNvPr id="15" name="Imagem 14">
+              <a:extLst>
+                <a:ext uri="{FF2B5EF4-FFF2-40B4-BE49-F238E27FC236}">
+                  <a16:creationId xmlns:a16="http://schemas.microsoft.com/office/drawing/2014/main" id="{AF177E5C-E3EC-4463-879A-288685A4C000}"/>
+                </a:ext>
+              </a:extLst>
+            </p:cNvPr>
+            <p:cNvPicPr>
+              <a:picLocks noChangeAspect="1"/>
+            </p:cNvPicPr>
+            <p:nvPr/>
+          </p:nvPicPr>
+          <p:blipFill>
+            <a:blip r:embed="rId3"/>
+            <a:stretch>
+              <a:fillRect/>
+            </a:stretch>
+          </p:blipFill>
+          <p:spPr>
+            <a:xfrm>
+              <a:off x="4142231" y="2245580"/>
+              <a:ext cx="1097661" cy="1233175"/>
+            </a:xfrm>
+            <a:prstGeom prst="rect">
+              <a:avLst/>
+            </a:prstGeom>
+          </p:spPr>
+        </p:pic>
+        <p:pic>
+          <p:nvPicPr>
+            <p:cNvPr id="16" name="Imagem 15">
+              <a:extLst>
+                <a:ext uri="{FF2B5EF4-FFF2-40B4-BE49-F238E27FC236}">
+                  <a16:creationId xmlns:a16="http://schemas.microsoft.com/office/drawing/2014/main" id="{41E2E481-55B7-464B-87FE-4CB06D99BE66}"/>
+                </a:ext>
+              </a:extLst>
+            </p:cNvPr>
+            <p:cNvPicPr>
+              <a:picLocks noChangeAspect="1"/>
+            </p:cNvPicPr>
+            <p:nvPr/>
+          </p:nvPicPr>
+          <p:blipFill>
+            <a:blip r:embed="rId4"/>
+            <a:stretch>
+              <a:fillRect/>
+            </a:stretch>
+          </p:blipFill>
+          <p:spPr>
+            <a:xfrm>
+              <a:off x="6387083" y="2227553"/>
+              <a:ext cx="1179847" cy="1304427"/>
+            </a:xfrm>
+            <a:prstGeom prst="rect">
+              <a:avLst/>
+            </a:prstGeom>
+          </p:spPr>
+        </p:pic>
+        <p:sp>
+          <p:nvSpPr>
+            <p:cNvPr id="17" name="Seta: para Baixo 16">
+              <a:extLst>
+                <a:ext uri="{FF2B5EF4-FFF2-40B4-BE49-F238E27FC236}">
+                  <a16:creationId xmlns:a16="http://schemas.microsoft.com/office/drawing/2014/main" id="{450288BF-8695-440B-91D0-207D8AAFB31B}"/>
+                </a:ext>
+              </a:extLst>
+            </p:cNvPr>
+            <p:cNvSpPr/>
+            <p:nvPr/>
+          </p:nvSpPr>
+          <p:spPr>
+            <a:xfrm rot="16200000">
+              <a:off x="5720408" y="2327680"/>
+              <a:ext cx="186160" cy="1097662"/>
+            </a:xfrm>
+            <a:prstGeom prst="downArrow">
+              <a:avLst/>
+            </a:prstGeom>
+            <a:solidFill>
+              <a:schemeClr val="accent4">
+                <a:lumMod val="75000"/>
+              </a:schemeClr>
+            </a:solidFill>
+            <a:ln>
+              <a:solidFill>
+                <a:schemeClr val="tx1"/>
+              </a:solidFill>
+            </a:ln>
+          </p:spPr>
+          <p:style>
+            <a:lnRef idx="2">
+              <a:schemeClr val="accent1">
+                <a:shade val="50000"/>
+              </a:schemeClr>
+            </a:lnRef>
+            <a:fillRef idx="1">
+              <a:schemeClr val="accent1"/>
+            </a:fillRef>
+            <a:effectRef idx="0">
+              <a:schemeClr val="accent1"/>
+            </a:effectRef>
+            <a:fontRef idx="minor">
+              <a:schemeClr val="lt1"/>
+            </a:fontRef>
+          </p:style>
+          <p:txBody>
+            <a:bodyPr rtlCol="0" anchor="ctr"/>
+            <a:lstStyle/>
+            <a:p>
+              <a:pPr algn="ctr"/>
+              <a:endParaRPr lang="pt-BR"/>
+            </a:p>
+          </p:txBody>
+        </p:sp>
+        <p:sp>
+          <p:nvSpPr>
+            <p:cNvPr id="18" name="CaixaDeTexto 17">
+              <a:extLst>
+                <a:ext uri="{FF2B5EF4-FFF2-40B4-BE49-F238E27FC236}">
+                  <a16:creationId xmlns:a16="http://schemas.microsoft.com/office/drawing/2014/main" id="{D3CAE882-F15F-4B3A-95C2-935531F29422}"/>
+                </a:ext>
+              </a:extLst>
+            </p:cNvPr>
+            <p:cNvSpPr txBox="1"/>
+            <p:nvPr/>
+          </p:nvSpPr>
+          <p:spPr>
+            <a:xfrm>
+              <a:off x="637126" y="3556861"/>
+              <a:ext cx="1931712" cy="443082"/>
+            </a:xfrm>
+            <a:prstGeom prst="rect">
+              <a:avLst/>
+            </a:prstGeom>
+            <a:noFill/>
+          </p:spPr>
+          <p:txBody>
+            <a:bodyPr wrap="none" rtlCol="0">
+              <a:spAutoFit/>
+            </a:bodyPr>
+            <a:lstStyle/>
+            <a:p>
+              <a:pPr algn="ctr"/>
+              <a:r>
+                <a:rPr lang="pt-BR" sz="1200" b="1" dirty="0">
+                  <a:solidFill>
+                    <a:schemeClr val="accent2"/>
+                  </a:solidFill>
+                </a:rPr>
+                <a:t>(</a:t>
+              </a:r>
+              <a:r>
+                <a:rPr lang="pt-BR" sz="1200" b="1" dirty="0" err="1">
+                  <a:solidFill>
+                    <a:schemeClr val="accent2"/>
+                  </a:solidFill>
+                </a:rPr>
+                <a:t>pipeline.pynb</a:t>
+              </a:r>
+              <a:r>
+                <a:rPr lang="pt-BR" sz="1200" b="1" dirty="0">
+                  <a:solidFill>
+                    <a:schemeClr val="accent2"/>
+                  </a:solidFill>
+                </a:rPr>
+                <a:t>)</a:t>
+              </a:r>
+            </a:p>
+          </p:txBody>
+        </p:sp>
+        <p:sp>
+          <p:nvSpPr>
+            <p:cNvPr id="19" name="Seta: para Baixo 18">
+              <a:extLst>
+                <a:ext uri="{FF2B5EF4-FFF2-40B4-BE49-F238E27FC236}">
+                  <a16:creationId xmlns:a16="http://schemas.microsoft.com/office/drawing/2014/main" id="{96307013-993E-4CA5-B522-C02FCF2AD77B}"/>
+                </a:ext>
+              </a:extLst>
+            </p:cNvPr>
+            <p:cNvSpPr/>
+            <p:nvPr/>
+          </p:nvSpPr>
+          <p:spPr>
+            <a:xfrm>
+              <a:off x="1612126" y="1757855"/>
+              <a:ext cx="180000" cy="368462"/>
+            </a:xfrm>
+            <a:prstGeom prst="downArrow">
+              <a:avLst/>
+            </a:prstGeom>
+            <a:solidFill>
+              <a:srgbClr val="0070C0"/>
+            </a:solidFill>
+            <a:ln>
+              <a:noFill/>
+            </a:ln>
+          </p:spPr>
+          <p:style>
+            <a:lnRef idx="2">
+              <a:schemeClr val="accent1">
+                <a:shade val="50000"/>
+              </a:schemeClr>
+            </a:lnRef>
+            <a:fillRef idx="1">
+              <a:schemeClr val="accent1"/>
+            </a:fillRef>
+            <a:effectRef idx="0">
+              <a:schemeClr val="accent1"/>
+            </a:effectRef>
+            <a:fontRef idx="minor">
+              <a:schemeClr val="lt1"/>
+            </a:fontRef>
+          </p:style>
+          <p:txBody>
+            <a:bodyPr rtlCol="0" anchor="ctr"/>
+            <a:lstStyle/>
+            <a:p>
+              <a:pPr algn="ctr"/>
+              <a:endParaRPr lang="pt-BR"/>
+            </a:p>
+          </p:txBody>
+        </p:sp>
+        <p:sp>
+          <p:nvSpPr>
+            <p:cNvPr id="21" name="Retângulo 20">
+              <a:extLst>
+                <a:ext uri="{FF2B5EF4-FFF2-40B4-BE49-F238E27FC236}">
+                  <a16:creationId xmlns:a16="http://schemas.microsoft.com/office/drawing/2014/main" id="{99910651-8976-442A-BAFB-37D03608C0FF}"/>
+                </a:ext>
+              </a:extLst>
+            </p:cNvPr>
+            <p:cNvSpPr/>
+            <p:nvPr/>
+          </p:nvSpPr>
+          <p:spPr>
+            <a:xfrm>
+              <a:off x="1656476" y="1694037"/>
+              <a:ext cx="5238100" cy="72962"/>
+            </a:xfrm>
+            <a:prstGeom prst="rect">
+              <a:avLst/>
+            </a:prstGeom>
+            <a:solidFill>
+              <a:srgbClr val="0070C0"/>
+            </a:solidFill>
+            <a:ln>
+              <a:noFill/>
+            </a:ln>
+          </p:spPr>
+          <p:style>
+            <a:lnRef idx="2">
+              <a:schemeClr val="accent1">
+                <a:shade val="50000"/>
+              </a:schemeClr>
+            </a:lnRef>
+            <a:fillRef idx="1">
+              <a:schemeClr val="accent1"/>
+            </a:fillRef>
+            <a:effectRef idx="0">
+              <a:schemeClr val="accent1"/>
+            </a:effectRef>
+            <a:fontRef idx="minor">
+              <a:schemeClr val="lt1"/>
+            </a:fontRef>
+          </p:style>
+          <p:txBody>
+            <a:bodyPr rtlCol="0" anchor="ctr"/>
+            <a:lstStyle/>
+            <a:p>
+              <a:pPr algn="ctr"/>
+              <a:endParaRPr lang="pt-BR"/>
+            </a:p>
+          </p:txBody>
+        </p:sp>
+        <p:sp>
+          <p:nvSpPr>
+            <p:cNvPr id="22" name="Retângulo 21">
+              <a:extLst>
+                <a:ext uri="{FF2B5EF4-FFF2-40B4-BE49-F238E27FC236}">
+                  <a16:creationId xmlns:a16="http://schemas.microsoft.com/office/drawing/2014/main" id="{13534184-5B53-4C3D-BB45-E13A8D0A0AAB}"/>
+                </a:ext>
+              </a:extLst>
+            </p:cNvPr>
+            <p:cNvSpPr/>
+            <p:nvPr/>
+          </p:nvSpPr>
+          <p:spPr>
+            <a:xfrm>
+              <a:off x="6894575" y="1693846"/>
+              <a:ext cx="72000" cy="540000"/>
+            </a:xfrm>
+            <a:prstGeom prst="rect">
+              <a:avLst/>
+            </a:prstGeom>
+            <a:solidFill>
+              <a:srgbClr val="0070C0"/>
+            </a:solidFill>
+            <a:ln>
+              <a:noFill/>
+            </a:ln>
+          </p:spPr>
+          <p:style>
+            <a:lnRef idx="2">
+              <a:schemeClr val="accent1">
+                <a:shade val="50000"/>
+              </a:schemeClr>
+            </a:lnRef>
+            <a:fillRef idx="1">
+              <a:schemeClr val="accent1"/>
+            </a:fillRef>
+            <a:effectRef idx="0">
+              <a:schemeClr val="accent1"/>
+            </a:effectRef>
+            <a:fontRef idx="minor">
+              <a:schemeClr val="lt1"/>
+            </a:fontRef>
+          </p:style>
+          <p:txBody>
+            <a:bodyPr rtlCol="0" anchor="ctr"/>
+            <a:lstStyle/>
+            <a:p>
+              <a:pPr algn="ctr"/>
+              <a:endParaRPr lang="pt-BR"/>
+            </a:p>
+          </p:txBody>
+        </p:sp>
+        <p:sp>
+          <p:nvSpPr>
+            <p:cNvPr id="23" name="CaixaDeTexto 22">
+              <a:extLst>
+                <a:ext uri="{FF2B5EF4-FFF2-40B4-BE49-F238E27FC236}">
+                  <a16:creationId xmlns:a16="http://schemas.microsoft.com/office/drawing/2014/main" id="{01B3B5F8-CE7C-4D8D-9BCB-3600BC66B098}"/>
+                </a:ext>
+              </a:extLst>
+            </p:cNvPr>
+            <p:cNvSpPr txBox="1"/>
+            <p:nvPr/>
+          </p:nvSpPr>
+          <p:spPr>
+            <a:xfrm>
+              <a:off x="3486573" y="1786582"/>
+              <a:ext cx="1766310" cy="443082"/>
+            </a:xfrm>
+            <a:prstGeom prst="rect">
+              <a:avLst/>
+            </a:prstGeom>
+            <a:noFill/>
+          </p:spPr>
+          <p:txBody>
+            <a:bodyPr wrap="none" rtlCol="0">
+              <a:spAutoFit/>
+            </a:bodyPr>
+            <a:lstStyle/>
+            <a:p>
+              <a:r>
+                <a:rPr lang="pt-BR" sz="1200" b="1" dirty="0">
+                  <a:solidFill>
+                    <a:srgbClr val="0070C0"/>
+                  </a:solidFill>
+                </a:rPr>
+                <a:t>Resposta HTTP</a:t>
+              </a:r>
+            </a:p>
+          </p:txBody>
+        </p:sp>
+        <p:sp>
+          <p:nvSpPr>
+            <p:cNvPr id="24" name="Retângulo: Cantos Arredondados 23">
+              <a:extLst>
+                <a:ext uri="{FF2B5EF4-FFF2-40B4-BE49-F238E27FC236}">
+                  <a16:creationId xmlns:a16="http://schemas.microsoft.com/office/drawing/2014/main" id="{0ADCC5AE-6D31-44FC-9652-4C0720564010}"/>
+                </a:ext>
+              </a:extLst>
+            </p:cNvPr>
+            <p:cNvSpPr/>
+            <p:nvPr/>
+          </p:nvSpPr>
+          <p:spPr>
+            <a:xfrm>
+              <a:off x="3491496" y="1538589"/>
+              <a:ext cx="7115543" cy="3995928"/>
+            </a:xfrm>
+            <a:prstGeom prst="roundRect">
+              <a:avLst/>
+            </a:prstGeom>
+            <a:noFill/>
+            <a:ln w="28575">
+              <a:prstDash val="dashDot"/>
+            </a:ln>
+          </p:spPr>
+          <p:style>
+            <a:lnRef idx="2">
+              <a:schemeClr val="accent1">
+                <a:shade val="50000"/>
+              </a:schemeClr>
+            </a:lnRef>
+            <a:fillRef idx="1">
+              <a:schemeClr val="accent1"/>
+            </a:fillRef>
+            <a:effectRef idx="0">
+              <a:schemeClr val="accent1"/>
+            </a:effectRef>
+            <a:fontRef idx="minor">
+              <a:schemeClr val="lt1"/>
+            </a:fontRef>
+          </p:style>
+          <p:txBody>
+            <a:bodyPr rtlCol="0" anchor="ctr"/>
+            <a:lstStyle/>
+            <a:p>
+              <a:pPr algn="ctr"/>
+              <a:endParaRPr lang="pt-BR"/>
+            </a:p>
+          </p:txBody>
+        </p:sp>
+        <p:sp>
+          <p:nvSpPr>
+            <p:cNvPr id="25" name="CaixaDeTexto 24">
+              <a:extLst>
+                <a:ext uri="{FF2B5EF4-FFF2-40B4-BE49-F238E27FC236}">
+                  <a16:creationId xmlns:a16="http://schemas.microsoft.com/office/drawing/2014/main" id="{09FC64F4-B27F-4591-9BA4-39EF46636503}"/>
+                </a:ext>
+              </a:extLst>
+            </p:cNvPr>
+            <p:cNvSpPr txBox="1"/>
+            <p:nvPr/>
+          </p:nvSpPr>
+          <p:spPr>
+            <a:xfrm>
+              <a:off x="4102985" y="5383833"/>
+              <a:ext cx="1861824" cy="492314"/>
+            </a:xfrm>
+            <a:prstGeom prst="rect">
+              <a:avLst/>
+            </a:prstGeom>
+            <a:solidFill>
+              <a:schemeClr val="accent1">
+                <a:lumMod val="60000"/>
+                <a:lumOff val="40000"/>
+              </a:schemeClr>
+            </a:solidFill>
+          </p:spPr>
+          <p:txBody>
+            <a:bodyPr wrap="none" rtlCol="0">
+              <a:spAutoFit/>
+            </a:bodyPr>
+            <a:lstStyle/>
+            <a:p>
+              <a:r>
+                <a:rPr lang="pt-BR" sz="1400" dirty="0"/>
+                <a:t>D J A N G O </a:t>
+              </a:r>
+            </a:p>
+          </p:txBody>
+        </p:sp>
+        <p:pic>
+          <p:nvPicPr>
+            <p:cNvPr id="26" name="Imagem 25">
+              <a:extLst>
+                <a:ext uri="{FF2B5EF4-FFF2-40B4-BE49-F238E27FC236}">
+                  <a16:creationId xmlns:a16="http://schemas.microsoft.com/office/drawing/2014/main" id="{36D476F5-8581-4972-86BF-71C9364B1269}"/>
+                </a:ext>
+              </a:extLst>
+            </p:cNvPr>
+            <p:cNvPicPr>
+              <a:picLocks noChangeAspect="1"/>
+            </p:cNvPicPr>
+            <p:nvPr/>
+          </p:nvPicPr>
+          <p:blipFill>
+            <a:blip r:embed="rId5"/>
+            <a:stretch>
+              <a:fillRect/>
+            </a:stretch>
+          </p:blipFill>
+          <p:spPr>
+            <a:xfrm>
+              <a:off x="8530841" y="2191226"/>
+              <a:ext cx="1212191" cy="1370568"/>
+            </a:xfrm>
+            <a:prstGeom prst="rect">
+              <a:avLst/>
+            </a:prstGeom>
+            <a:ln w="19050">
+              <a:solidFill>
+                <a:schemeClr val="tx1">
+                  <a:lumMod val="85000"/>
+                  <a:lumOff val="15000"/>
+                </a:schemeClr>
+              </a:solidFill>
+            </a:ln>
+          </p:spPr>
+        </p:pic>
+        <p:sp>
+          <p:nvSpPr>
+            <p:cNvPr id="27" name="Seta: para Baixo 26">
+              <a:extLst>
+                <a:ext uri="{FF2B5EF4-FFF2-40B4-BE49-F238E27FC236}">
+                  <a16:creationId xmlns:a16="http://schemas.microsoft.com/office/drawing/2014/main" id="{0A159FEF-E645-4774-A465-624D7F2BA8C9}"/>
+                </a:ext>
+              </a:extLst>
+            </p:cNvPr>
+            <p:cNvSpPr/>
+            <p:nvPr/>
+          </p:nvSpPr>
+          <p:spPr>
+            <a:xfrm rot="16200000">
+              <a:off x="7979189" y="2383258"/>
+              <a:ext cx="180000" cy="576000"/>
+            </a:xfrm>
+            <a:prstGeom prst="downArrow">
+              <a:avLst/>
+            </a:prstGeom>
+            <a:solidFill>
+              <a:srgbClr val="0070C0"/>
+            </a:solidFill>
+          </p:spPr>
+          <p:style>
+            <a:lnRef idx="2">
+              <a:schemeClr val="accent1">
+                <a:shade val="50000"/>
+              </a:schemeClr>
+            </a:lnRef>
+            <a:fillRef idx="1">
+              <a:schemeClr val="accent1"/>
+            </a:fillRef>
+            <a:effectRef idx="0">
+              <a:schemeClr val="accent1"/>
+            </a:effectRef>
+            <a:fontRef idx="minor">
+              <a:schemeClr val="lt1"/>
+            </a:fontRef>
+          </p:style>
+          <p:txBody>
+            <a:bodyPr rtlCol="0" anchor="ctr"/>
+            <a:lstStyle/>
+            <a:p>
+              <a:pPr algn="ctr"/>
+              <a:endParaRPr lang="pt-BR"/>
+            </a:p>
+          </p:txBody>
+        </p:sp>
+        <p:sp>
+          <p:nvSpPr>
+            <p:cNvPr id="28" name="Seta: para Baixo 27">
+              <a:extLst>
+                <a:ext uri="{FF2B5EF4-FFF2-40B4-BE49-F238E27FC236}">
+                  <a16:creationId xmlns:a16="http://schemas.microsoft.com/office/drawing/2014/main" id="{687D92C8-E179-4CAC-9BC1-7CABDA90B3FC}"/>
+                </a:ext>
+              </a:extLst>
+            </p:cNvPr>
+            <p:cNvSpPr/>
+            <p:nvPr/>
+          </p:nvSpPr>
+          <p:spPr>
+            <a:xfrm rot="5400000">
+              <a:off x="7962965" y="2645386"/>
+              <a:ext cx="180000" cy="576000"/>
+            </a:xfrm>
+            <a:prstGeom prst="downArrow">
+              <a:avLst/>
+            </a:prstGeom>
+            <a:solidFill>
+              <a:srgbClr val="0070C0"/>
+            </a:solidFill>
+          </p:spPr>
+          <p:style>
+            <a:lnRef idx="2">
+              <a:schemeClr val="accent1">
+                <a:shade val="50000"/>
+              </a:schemeClr>
+            </a:lnRef>
+            <a:fillRef idx="1">
+              <a:schemeClr val="accent1"/>
+            </a:fillRef>
+            <a:effectRef idx="0">
+              <a:schemeClr val="accent1"/>
+            </a:effectRef>
+            <a:fontRef idx="minor">
+              <a:schemeClr val="lt1"/>
+            </a:fontRef>
+          </p:style>
+          <p:txBody>
+            <a:bodyPr rtlCol="0" anchor="ctr"/>
+            <a:lstStyle/>
+            <a:p>
+              <a:pPr algn="ctr"/>
+              <a:endParaRPr lang="pt-BR"/>
+            </a:p>
+          </p:txBody>
+        </p:sp>
+        <p:pic>
+          <p:nvPicPr>
+            <p:cNvPr id="29" name="Imagem 28">
+              <a:extLst>
+                <a:ext uri="{FF2B5EF4-FFF2-40B4-BE49-F238E27FC236}">
+                  <a16:creationId xmlns:a16="http://schemas.microsoft.com/office/drawing/2014/main" id="{089D66A2-BDB4-46D7-B6B2-7D5ECEE70056}"/>
+                </a:ext>
+              </a:extLst>
+            </p:cNvPr>
+            <p:cNvPicPr>
+              <a:picLocks noChangeAspect="1"/>
+            </p:cNvPicPr>
+            <p:nvPr/>
+          </p:nvPicPr>
+          <p:blipFill>
+            <a:blip r:embed="rId6"/>
+            <a:stretch>
+              <a:fillRect/>
+            </a:stretch>
+          </p:blipFill>
+          <p:spPr>
+            <a:xfrm>
+              <a:off x="6346797" y="4065687"/>
+              <a:ext cx="1248464" cy="1172338"/>
+            </a:xfrm>
+            <a:prstGeom prst="rect">
+              <a:avLst/>
+            </a:prstGeom>
+            <a:ln w="28575">
+              <a:solidFill>
+                <a:schemeClr val="tx1">
+                  <a:lumMod val="75000"/>
+                  <a:lumOff val="25000"/>
+                </a:schemeClr>
+              </a:solidFill>
+            </a:ln>
+          </p:spPr>
+        </p:pic>
+        <p:sp>
+          <p:nvSpPr>
+            <p:cNvPr id="30" name="Seta: para Baixo 29">
+              <a:extLst>
+                <a:ext uri="{FF2B5EF4-FFF2-40B4-BE49-F238E27FC236}">
+                  <a16:creationId xmlns:a16="http://schemas.microsoft.com/office/drawing/2014/main" id="{68E22555-37DB-4B62-A8F1-CB4D171F50E0}"/>
+                </a:ext>
+              </a:extLst>
+            </p:cNvPr>
+            <p:cNvSpPr/>
+            <p:nvPr/>
+          </p:nvSpPr>
+          <p:spPr>
+            <a:xfrm>
+              <a:off x="6704920" y="3577700"/>
+              <a:ext cx="180000" cy="432000"/>
+            </a:xfrm>
+            <a:prstGeom prst="downArrow">
+              <a:avLst/>
+            </a:prstGeom>
+            <a:solidFill>
+              <a:srgbClr val="FFC000"/>
+            </a:solidFill>
+            <a:ln>
+              <a:solidFill>
+                <a:schemeClr val="tx1"/>
+              </a:solidFill>
+            </a:ln>
+          </p:spPr>
+          <p:style>
+            <a:lnRef idx="2">
+              <a:schemeClr val="accent1">
+                <a:shade val="50000"/>
+              </a:schemeClr>
+            </a:lnRef>
+            <a:fillRef idx="1">
+              <a:schemeClr val="accent1"/>
+            </a:fillRef>
+            <a:effectRef idx="0">
+              <a:schemeClr val="accent1"/>
+            </a:effectRef>
+            <a:fontRef idx="minor">
+              <a:schemeClr val="lt1"/>
+            </a:fontRef>
+          </p:style>
+          <p:txBody>
+            <a:bodyPr rtlCol="0" anchor="ctr"/>
+            <a:lstStyle/>
+            <a:p>
+              <a:pPr algn="ctr"/>
+              <a:endParaRPr lang="pt-BR"/>
+            </a:p>
+          </p:txBody>
+        </p:sp>
+        <p:sp>
+          <p:nvSpPr>
+            <p:cNvPr id="31" name="Seta: para Baixo 30">
+              <a:extLst>
+                <a:ext uri="{FF2B5EF4-FFF2-40B4-BE49-F238E27FC236}">
+                  <a16:creationId xmlns:a16="http://schemas.microsoft.com/office/drawing/2014/main" id="{72997093-2EA7-4AB2-A986-8A8776CEA3BC}"/>
+                </a:ext>
+              </a:extLst>
+            </p:cNvPr>
+            <p:cNvSpPr/>
+            <p:nvPr/>
+          </p:nvSpPr>
+          <p:spPr>
+            <a:xfrm rot="10800000">
+              <a:off x="7102786" y="3556668"/>
+              <a:ext cx="180000" cy="432000"/>
+            </a:xfrm>
+            <a:prstGeom prst="downArrow">
+              <a:avLst/>
+            </a:prstGeom>
+            <a:solidFill>
+              <a:srgbClr val="0070C0"/>
+            </a:solidFill>
+          </p:spPr>
+          <p:style>
+            <a:lnRef idx="2">
+              <a:schemeClr val="accent1">
+                <a:shade val="50000"/>
+              </a:schemeClr>
+            </a:lnRef>
+            <a:fillRef idx="1">
+              <a:schemeClr val="accent1"/>
+            </a:fillRef>
+            <a:effectRef idx="0">
+              <a:schemeClr val="accent1"/>
+            </a:effectRef>
+            <a:fontRef idx="minor">
+              <a:schemeClr val="lt1"/>
+            </a:fontRef>
+          </p:style>
+          <p:txBody>
+            <a:bodyPr rtlCol="0" anchor="ctr"/>
+            <a:lstStyle/>
+            <a:p>
+              <a:pPr algn="ctr"/>
+              <a:endParaRPr lang="pt-BR"/>
+            </a:p>
+          </p:txBody>
+        </p:sp>
+        <p:sp>
+          <p:nvSpPr>
+            <p:cNvPr id="32" name="CaixaDeTexto 31">
+              <a:extLst>
+                <a:ext uri="{FF2B5EF4-FFF2-40B4-BE49-F238E27FC236}">
+                  <a16:creationId xmlns:a16="http://schemas.microsoft.com/office/drawing/2014/main" id="{D8C7B195-2E13-4A55-8EDF-D4EBE0DFE441}"/>
+                </a:ext>
+              </a:extLst>
+            </p:cNvPr>
+            <p:cNvSpPr txBox="1"/>
+            <p:nvPr/>
+          </p:nvSpPr>
+          <p:spPr>
+            <a:xfrm>
+              <a:off x="2398927" y="2455130"/>
+              <a:ext cx="1845516" cy="418466"/>
+            </a:xfrm>
+            <a:prstGeom prst="rect">
+              <a:avLst/>
+            </a:prstGeom>
+            <a:noFill/>
+          </p:spPr>
+          <p:txBody>
+            <a:bodyPr wrap="none" rtlCol="0">
+              <a:spAutoFit/>
+            </a:bodyPr>
+            <a:lstStyle/>
+            <a:p>
+              <a:r>
+                <a:rPr lang="pt-BR" sz="1100" b="1" dirty="0">
+                  <a:solidFill>
+                    <a:schemeClr val="accent4">
+                      <a:lumMod val="50000"/>
+                    </a:schemeClr>
+                  </a:solidFill>
+                </a:rPr>
+                <a:t>Requisição HTTP</a:t>
+              </a:r>
+            </a:p>
+          </p:txBody>
+        </p:sp>
+        <p:sp>
+          <p:nvSpPr>
+            <p:cNvPr id="33" name="Seta: para Baixo 32">
+              <a:extLst>
+                <a:ext uri="{FF2B5EF4-FFF2-40B4-BE49-F238E27FC236}">
+                  <a16:creationId xmlns:a16="http://schemas.microsoft.com/office/drawing/2014/main" id="{48AE0325-6D65-43A5-B254-A1C3DC301D29}"/>
+                </a:ext>
+              </a:extLst>
+            </p:cNvPr>
+            <p:cNvSpPr/>
+            <p:nvPr/>
+          </p:nvSpPr>
+          <p:spPr>
+            <a:xfrm rot="16200000">
+              <a:off x="3138141" y="2132581"/>
+              <a:ext cx="198517" cy="1459170"/>
+            </a:xfrm>
+            <a:prstGeom prst="downArrow">
+              <a:avLst/>
+            </a:prstGeom>
+            <a:solidFill>
+              <a:schemeClr val="accent4">
+                <a:lumMod val="75000"/>
+              </a:schemeClr>
+            </a:solidFill>
+            <a:ln>
+              <a:solidFill>
+                <a:schemeClr val="tx1"/>
+              </a:solidFill>
+            </a:ln>
+          </p:spPr>
+          <p:style>
+            <a:lnRef idx="2">
+              <a:schemeClr val="accent1">
+                <a:shade val="50000"/>
+              </a:schemeClr>
+            </a:lnRef>
+            <a:fillRef idx="1">
+              <a:schemeClr val="accent1"/>
+            </a:fillRef>
+            <a:effectRef idx="0">
+              <a:schemeClr val="accent1"/>
+            </a:effectRef>
+            <a:fontRef idx="minor">
+              <a:schemeClr val="lt1"/>
+            </a:fontRef>
+          </p:style>
+          <p:txBody>
+            <a:bodyPr rtlCol="0" anchor="ctr"/>
+            <a:lstStyle/>
+            <a:p>
+              <a:pPr algn="ctr"/>
+              <a:endParaRPr lang="pt-BR"/>
+            </a:p>
+          </p:txBody>
+        </p:sp>
+        <p:pic>
+          <p:nvPicPr>
+            <p:cNvPr id="34" name="Imagem 33">
+              <a:extLst>
+                <a:ext uri="{FF2B5EF4-FFF2-40B4-BE49-F238E27FC236}">
+                  <a16:creationId xmlns:a16="http://schemas.microsoft.com/office/drawing/2014/main" id="{39A08058-2870-4EA7-A34C-6CA8B0D84B56}"/>
+                </a:ext>
+              </a:extLst>
+            </p:cNvPr>
+            <p:cNvPicPr>
+              <a:picLocks noChangeAspect="1"/>
+            </p:cNvPicPr>
+            <p:nvPr/>
+          </p:nvPicPr>
+          <p:blipFill>
+            <a:blip r:embed="rId7"/>
+            <a:stretch>
+              <a:fillRect/>
+            </a:stretch>
+          </p:blipFill>
+          <p:spPr>
+            <a:xfrm>
+              <a:off x="8405726" y="4009700"/>
+              <a:ext cx="1607806" cy="1113700"/>
+            </a:xfrm>
+            <a:prstGeom prst="rect">
+              <a:avLst/>
+            </a:prstGeom>
+            <a:ln w="19050">
+              <a:solidFill>
+                <a:schemeClr val="tx1">
+                  <a:lumMod val="75000"/>
+                  <a:lumOff val="25000"/>
+                </a:schemeClr>
+              </a:solidFill>
+            </a:ln>
+          </p:spPr>
+        </p:pic>
+        <p:sp>
+          <p:nvSpPr>
+            <p:cNvPr id="35" name="Seta: para Baixo 34">
+              <a:extLst>
+                <a:ext uri="{FF2B5EF4-FFF2-40B4-BE49-F238E27FC236}">
+                  <a16:creationId xmlns:a16="http://schemas.microsoft.com/office/drawing/2014/main" id="{220A3CFF-595C-496C-8024-93E28B596AB4}"/>
+                </a:ext>
+              </a:extLst>
+            </p:cNvPr>
+            <p:cNvSpPr/>
+            <p:nvPr/>
+          </p:nvSpPr>
+          <p:spPr>
+            <a:xfrm rot="16200000">
+              <a:off x="7938219" y="4525856"/>
+              <a:ext cx="180000" cy="432000"/>
+            </a:xfrm>
+            <a:prstGeom prst="downArrow">
+              <a:avLst/>
+            </a:prstGeom>
+            <a:solidFill>
+              <a:srgbClr val="FFC000"/>
+            </a:solidFill>
+            <a:ln>
+              <a:solidFill>
+                <a:schemeClr val="tx1"/>
+              </a:solidFill>
+            </a:ln>
+          </p:spPr>
+          <p:style>
+            <a:lnRef idx="2">
+              <a:schemeClr val="accent1">
+                <a:shade val="50000"/>
+              </a:schemeClr>
+            </a:lnRef>
+            <a:fillRef idx="1">
+              <a:schemeClr val="accent1"/>
+            </a:fillRef>
+            <a:effectRef idx="0">
+              <a:schemeClr val="accent1"/>
+            </a:effectRef>
+            <a:fontRef idx="minor">
+              <a:schemeClr val="lt1"/>
+            </a:fontRef>
+          </p:style>
+          <p:txBody>
+            <a:bodyPr rtlCol="0" anchor="ctr"/>
+            <a:lstStyle/>
+            <a:p>
+              <a:pPr algn="ctr"/>
+              <a:endParaRPr lang="pt-BR"/>
+            </a:p>
+          </p:txBody>
+        </p:sp>
+        <p:sp>
+          <p:nvSpPr>
+            <p:cNvPr id="36" name="Seta: para Baixo 35">
+              <a:extLst>
+                <a:ext uri="{FF2B5EF4-FFF2-40B4-BE49-F238E27FC236}">
+                  <a16:creationId xmlns:a16="http://schemas.microsoft.com/office/drawing/2014/main" id="{399E169B-89CD-46B4-84B2-75FAA1877CEF}"/>
+                </a:ext>
+              </a:extLst>
+            </p:cNvPr>
+            <p:cNvSpPr/>
+            <p:nvPr/>
+          </p:nvSpPr>
+          <p:spPr>
+            <a:xfrm rot="5400000">
+              <a:off x="7893427" y="4206580"/>
+              <a:ext cx="180000" cy="432000"/>
+            </a:xfrm>
+            <a:prstGeom prst="downArrow">
+              <a:avLst/>
+            </a:prstGeom>
+            <a:solidFill>
+              <a:srgbClr val="0070C0"/>
+            </a:solidFill>
+          </p:spPr>
+          <p:style>
+            <a:lnRef idx="2">
+              <a:schemeClr val="accent1">
+                <a:shade val="50000"/>
+              </a:schemeClr>
+            </a:lnRef>
+            <a:fillRef idx="1">
+              <a:schemeClr val="accent1"/>
+            </a:fillRef>
+            <a:effectRef idx="0">
+              <a:schemeClr val="accent1"/>
+            </a:effectRef>
+            <a:fontRef idx="minor">
+              <a:schemeClr val="lt1"/>
+            </a:fontRef>
+          </p:style>
+          <p:txBody>
+            <a:bodyPr rtlCol="0" anchor="ctr"/>
+            <a:lstStyle/>
+            <a:p>
+              <a:pPr algn="ctr"/>
+              <a:endParaRPr lang="pt-BR"/>
+            </a:p>
+          </p:txBody>
+        </p:sp>
+      </p:grpSp>
+      <p:sp>
+        <p:nvSpPr>
+          <p:cNvPr id="12" name="Seta: Dobrada para Cima 11">
+            <a:extLst>
+              <a:ext uri="{FF2B5EF4-FFF2-40B4-BE49-F238E27FC236}">
+                <a16:creationId xmlns:a16="http://schemas.microsoft.com/office/drawing/2014/main" id="{562936E7-1A16-45BF-8B56-38557889B3A8}"/>
+              </a:ext>
+            </a:extLst>
+          </p:cNvPr>
+          <p:cNvSpPr/>
+          <p:nvPr/>
+        </p:nvSpPr>
+        <p:spPr>
+          <a:xfrm rot="5400000">
+            <a:off x="1351003" y="2620124"/>
+            <a:ext cx="2045056" cy="3464249"/>
+          </a:xfrm>
+          <a:prstGeom prst="bentUpArrow">
+            <a:avLst>
+              <a:gd name="adj1" fmla="val 12075"/>
+              <a:gd name="adj2" fmla="val 16814"/>
+              <a:gd name="adj3" fmla="val 37493"/>
+            </a:avLst>
+          </a:prstGeom>
+          <a:solidFill>
+            <a:schemeClr val="accent5">
+              <a:lumMod val="50000"/>
+            </a:schemeClr>
+          </a:solidFill>
+          <a:ln>
+            <a:solidFill>
+              <a:schemeClr val="accent6">
+                <a:lumMod val="75000"/>
+              </a:schemeClr>
+            </a:solidFill>
+          </a:ln>
+        </p:spPr>
+        <p:style>
+          <a:lnRef idx="2">
+            <a:schemeClr val="accent1">
+              <a:shade val="50000"/>
+            </a:schemeClr>
+          </a:lnRef>
+          <a:fillRef idx="1">
+            <a:schemeClr val="accent1"/>
+          </a:fillRef>
+          <a:effectRef idx="0">
+            <a:schemeClr val="accent1"/>
+          </a:effectRef>
+          <a:fontRef idx="minor">
+            <a:schemeClr val="lt1"/>
+          </a:fontRef>
+        </p:style>
+        <p:txBody>
+          <a:bodyPr rtlCol="0" anchor="ctr"/>
+          <a:lstStyle/>
+          <a:p>
+            <a:pPr algn="ctr"/>
+            <a:endParaRPr lang="pt-BR">
+              <a:solidFill>
+                <a:schemeClr val="bg1"/>
+              </a:solidFill>
+            </a:endParaRPr>
+          </a:p>
+        </p:txBody>
+      </p:sp>
+      <p:sp>
+        <p:nvSpPr>
+          <p:cNvPr id="37" name="CaixaDeTexto 36">
+            <a:extLst>
+              <a:ext uri="{FF2B5EF4-FFF2-40B4-BE49-F238E27FC236}">
+                <a16:creationId xmlns:a16="http://schemas.microsoft.com/office/drawing/2014/main" id="{4F4E0B0A-6980-4DDD-929B-7BD85996E93D}"/>
+              </a:ext>
+            </a:extLst>
+          </p:cNvPr>
+          <p:cNvSpPr txBox="1"/>
+          <p:nvPr/>
+        </p:nvSpPr>
+        <p:spPr>
+          <a:xfrm>
+            <a:off x="842720" y="4861377"/>
+            <a:ext cx="2427268" cy="307777"/>
+          </a:xfrm>
+          <a:prstGeom prst="rect">
+            <a:avLst/>
+          </a:prstGeom>
+          <a:noFill/>
+        </p:spPr>
+        <p:txBody>
+          <a:bodyPr wrap="none" rtlCol="0">
+            <a:spAutoFit/>
+          </a:bodyPr>
+          <a:lstStyle/>
+          <a:p>
+            <a:r>
+              <a:rPr lang="pt-BR" sz="1400" b="1" dirty="0">
+                <a:solidFill>
+                  <a:schemeClr val="bg1"/>
+                </a:solidFill>
+              </a:rPr>
+              <a:t>Arquitetura - Visão Macro</a:t>
+            </a:r>
+          </a:p>
+        </p:txBody>
+      </p:sp>
+      <p:sp>
+        <p:nvSpPr>
+          <p:cNvPr id="2" name="CaixaDeTexto 1">
+            <a:extLst>
+              <a:ext uri="{FF2B5EF4-FFF2-40B4-BE49-F238E27FC236}">
+                <a16:creationId xmlns:a16="http://schemas.microsoft.com/office/drawing/2014/main" id="{C55161F8-305F-4411-87F8-2315346A9BAC}"/>
+              </a:ext>
+            </a:extLst>
+          </p:cNvPr>
+          <p:cNvSpPr txBox="1"/>
+          <p:nvPr/>
+        </p:nvSpPr>
+        <p:spPr>
+          <a:xfrm>
+            <a:off x="8187921" y="6149581"/>
+            <a:ext cx="2473754" cy="276999"/>
+          </a:xfrm>
+          <a:prstGeom prst="rect">
+            <a:avLst/>
+          </a:prstGeom>
+          <a:noFill/>
+        </p:spPr>
+        <p:txBody>
+          <a:bodyPr wrap="none" rtlCol="0">
+            <a:spAutoFit/>
+          </a:bodyPr>
+          <a:lstStyle/>
+          <a:p>
+            <a:r>
+              <a:rPr lang="pt-BR" sz="1200" b="1" dirty="0"/>
+              <a:t>http://127.0.0.1:8000/</a:t>
+            </a:r>
+            <a:r>
+              <a:rPr lang="pt-BR" sz="1200" b="1" dirty="0" err="1"/>
+              <a:t>services</a:t>
+            </a:r>
+            <a:r>
+              <a:rPr lang="pt-BR" sz="1200" b="1" dirty="0"/>
+              <a:t>/</a:t>
+            </a:r>
+          </a:p>
+        </p:txBody>
+      </p:sp>
+    </p:spTree>
+    <p:extLst>
+      <p:ext uri="{BB962C8B-B14F-4D97-AF65-F5344CB8AC3E}">
+        <p14:creationId xmlns:p14="http://schemas.microsoft.com/office/powerpoint/2010/main" val="51654040"/>
+      </p:ext>
+    </p:extLst>
+  </p:cSld>
+  <p:clrMapOvr>
+    <a:masterClrMapping/>
+  </p:clrMapOvr>
+</p:sld>
+</file>
+
+<file path=ppt/slides/slide11.xml><?xml version="1.0" encoding="utf-8"?>
+<p:sld xmlns:a="http://schemas.openxmlformats.org/drawingml/2006/main" xmlns:r="http://schemas.openxmlformats.org/officeDocument/2006/relationships" xmlns:p="http://schemas.openxmlformats.org/presentationml/2006/main">
+  <p:cSld>
+    <p:spTree>
+      <p:nvGrpSpPr>
+        <p:cNvPr id="1" name=""/>
+        <p:cNvGrpSpPr/>
+        <p:nvPr/>
+      </p:nvGrpSpPr>
+      <p:grpSpPr>
+        <a:xfrm>
+          <a:off x="0" y="0"/>
+          <a:ext cx="0" cy="0"/>
+          <a:chOff x="0" y="0"/>
+          <a:chExt cx="0" cy="0"/>
+        </a:xfrm>
+      </p:grpSpPr>
       <p:pic>
         <p:nvPicPr>
           <p:cNvPr id="6" name="Imagem 5">
@@ -5456,9 +7772,11 @@
               <a:lumOff val="60000"/>
             </a:schemeClr>
           </a:solidFill>
-          <a:ln>
+          <a:ln w="28575">
             <a:solidFill>
-              <a:schemeClr val="tx1"/>
+              <a:schemeClr val="accent6">
+                <a:lumMod val="50000"/>
+              </a:schemeClr>
             </a:solidFill>
           </a:ln>
         </p:spPr>
@@ -5486,8 +7804,8 @@
             <a:r>
               <a:rPr lang="pt-BR" sz="1600" b="1" dirty="0">
                 <a:solidFill>
-                  <a:schemeClr val="accent2">
-                    <a:lumMod val="75000"/>
+                  <a:schemeClr val="accent1">
+                    <a:lumMod val="50000"/>
                   </a:schemeClr>
                 </a:solidFill>
               </a:rPr>
@@ -5510,7 +7828,7 @@
         </p:nvSpPr>
         <p:spPr>
           <a:xfrm>
-            <a:off x="708383" y="5380212"/>
+            <a:off x="699239" y="4949464"/>
             <a:ext cx="1911096" cy="1015663"/>
           </a:xfrm>
           <a:prstGeom prst="rect">
@@ -5525,7 +7843,7 @@
           <a:lstStyle/>
           <a:p>
             <a:r>
-              <a:rPr lang="pt-BR" sz="1200" dirty="0">
+              <a:rPr lang="pt-BR" sz="1200" b="1" dirty="0">
                 <a:solidFill>
                   <a:schemeClr val="accent2">
                     <a:lumMod val="50000"/>
@@ -5537,7 +7855,7 @@
           </a:p>
           <a:p>
             <a:r>
-              <a:rPr lang="pt-BR" sz="1200" dirty="0">
+              <a:rPr lang="pt-BR" sz="1200" b="1" dirty="0">
                 <a:solidFill>
                   <a:schemeClr val="accent2">
                     <a:lumMod val="50000"/>
@@ -5563,7 +7881,7 @@
         </p:nvSpPr>
         <p:spPr>
           <a:xfrm>
-            <a:off x="3306974" y="4523578"/>
+            <a:off x="3354203" y="4285975"/>
             <a:ext cx="1911096" cy="461665"/>
           </a:xfrm>
           <a:prstGeom prst="rect">
@@ -5578,7 +7896,7 @@
           <a:lstStyle/>
           <a:p>
             <a:r>
-              <a:rPr lang="pt-BR" sz="1200" dirty="0">
+              <a:rPr lang="pt-BR" sz="1200" b="1" dirty="0">
                 <a:solidFill>
                   <a:schemeClr val="accent2">
                     <a:lumMod val="50000"/>
@@ -5588,7 +7906,7 @@
               <a:t>Armazena os dados coletados via API </a:t>
             </a:r>
             <a:r>
-              <a:rPr lang="pt-BR" sz="1200" dirty="0" err="1">
+              <a:rPr lang="pt-BR" sz="1200" b="1" dirty="0" err="1">
                 <a:solidFill>
                   <a:schemeClr val="accent2">
                     <a:lumMod val="50000"/>
@@ -5597,7 +7915,7 @@
               </a:rPr>
               <a:t>REST</a:t>
             </a:r>
-            <a:endParaRPr lang="pt-BR" sz="1200" dirty="0">
+            <a:endParaRPr lang="pt-BR" sz="1200" b="1" dirty="0">
               <a:solidFill>
                 <a:schemeClr val="accent2">
                   <a:lumMod val="50000"/>
@@ -5621,7 +7939,7 @@
         </p:nvSpPr>
         <p:spPr>
           <a:xfrm>
-            <a:off x="6351964" y="5161206"/>
+            <a:off x="6416747" y="5166741"/>
             <a:ext cx="1911096" cy="646331"/>
           </a:xfrm>
           <a:prstGeom prst="rect">
@@ -5636,7 +7954,7 @@
           <a:lstStyle/>
           <a:p>
             <a:r>
-              <a:rPr lang="pt-BR" sz="1200" dirty="0">
+              <a:rPr lang="pt-BR" sz="1200" b="1" dirty="0">
                 <a:solidFill>
                   <a:schemeClr val="accent2">
                     <a:lumMod val="50000"/>
@@ -5646,7 +7964,7 @@
               <a:t>Armazena os dados coletados via API </a:t>
             </a:r>
             <a:r>
-              <a:rPr lang="pt-BR" sz="1200" dirty="0" err="1">
+              <a:rPr lang="pt-BR" sz="1200" b="1" dirty="0" err="1">
                 <a:solidFill>
                   <a:schemeClr val="accent2">
                     <a:lumMod val="50000"/>
@@ -5655,7 +7973,7 @@
               </a:rPr>
               <a:t>REST</a:t>
             </a:r>
-            <a:endParaRPr lang="pt-BR" sz="1200" dirty="0">
+            <a:endParaRPr lang="pt-BR" sz="1200" b="1" dirty="0">
               <a:solidFill>
                 <a:schemeClr val="accent2">
                   <a:lumMod val="50000"/>
@@ -5665,7 +7983,7 @@
           </a:p>
           <a:p>
             <a:r>
-              <a:rPr lang="pt-BR" sz="1200" dirty="0">
+              <a:rPr lang="pt-BR" sz="1200" b="1" dirty="0">
                 <a:solidFill>
                   <a:schemeClr val="accent2">
                     <a:lumMod val="50000"/>
@@ -5675,7 +7993,7 @@
               <a:t>(Mês de </a:t>
             </a:r>
             <a:r>
-              <a:rPr lang="pt-BR" sz="1200" dirty="0" err="1">
+              <a:rPr lang="pt-BR" sz="1200" b="1" dirty="0" err="1">
                 <a:solidFill>
                   <a:schemeClr val="accent2">
                     <a:lumMod val="50000"/>
@@ -5685,7 +8003,7 @@
               <a:t>Ago</a:t>
             </a:r>
             <a:r>
-              <a:rPr lang="pt-BR" sz="1200" dirty="0">
+              <a:rPr lang="pt-BR" sz="1200" b="1" dirty="0">
                 <a:solidFill>
                   <a:schemeClr val="accent2">
                     <a:lumMod val="50000"/>
@@ -5711,7 +8029,7 @@
         </p:nvSpPr>
         <p:spPr>
           <a:xfrm>
-            <a:off x="9442676" y="4519040"/>
+            <a:off x="9369524" y="4756784"/>
             <a:ext cx="1911096" cy="830997"/>
           </a:xfrm>
           <a:prstGeom prst="rect">
@@ -5726,7 +8044,7 @@
           <a:lstStyle/>
           <a:p>
             <a:r>
-              <a:rPr lang="pt-BR" sz="1200" dirty="0">
+              <a:rPr lang="pt-BR" sz="1200" b="1" dirty="0">
                 <a:solidFill>
                   <a:schemeClr val="accent2">
                     <a:lumMod val="50000"/>
@@ -5736,7 +8054,7 @@
               <a:t>Armazena os dados </a:t>
             </a:r>
             <a:r>
-              <a:rPr lang="pt-BR" sz="1200" dirty="0" err="1">
+              <a:rPr lang="pt-BR" sz="1200" b="1" dirty="0" err="1">
                 <a:solidFill>
                   <a:schemeClr val="accent2">
                     <a:lumMod val="50000"/>
@@ -5746,7 +8064,7 @@
               <a:t>Estatisticos</a:t>
             </a:r>
             <a:r>
-              <a:rPr lang="pt-BR" sz="1200" dirty="0">
+              <a:rPr lang="pt-BR" sz="1200" b="1" dirty="0">
                 <a:solidFill>
                   <a:schemeClr val="accent2">
                     <a:lumMod val="50000"/>
@@ -5760,10 +8078,10 @@
       </p:sp>
       <p:pic>
         <p:nvPicPr>
-          <p:cNvPr id="2" name="Imagem 1">
+          <p:cNvPr id="3" name="Imagem 2">
             <a:extLst>
               <a:ext uri="{FF2B5EF4-FFF2-40B4-BE49-F238E27FC236}">
-                <a16:creationId xmlns:a16="http://schemas.microsoft.com/office/drawing/2014/main" id="{991C2AFA-AF46-4633-ADC7-D42862C8E378}"/>
+                <a16:creationId xmlns:a16="http://schemas.microsoft.com/office/drawing/2014/main" id="{558C4EF6-9B82-48BB-AF34-9B6737154A39}"/>
               </a:ext>
             </a:extLst>
           </p:cNvPr>
@@ -5780,25 +8098,27 @@
         </p:blipFill>
         <p:spPr>
           <a:xfrm>
-            <a:off x="692108" y="3284466"/>
-            <a:ext cx="2200275" cy="2114550"/>
+            <a:off x="682856" y="3291840"/>
+            <a:ext cx="1962150" cy="1600200"/>
           </a:xfrm>
           <a:prstGeom prst="rect">
             <a:avLst/>
           </a:prstGeom>
-          <a:ln w="28575">
+          <a:ln w="38100">
             <a:solidFill>
-              <a:schemeClr val="tx1"/>
+              <a:schemeClr val="accent6">
+                <a:lumMod val="50000"/>
+              </a:schemeClr>
             </a:solidFill>
           </a:ln>
         </p:spPr>
       </p:pic>
       <p:pic>
         <p:nvPicPr>
-          <p:cNvPr id="4" name="Imagem 3">
+          <p:cNvPr id="5" name="Imagem 4">
             <a:extLst>
               <a:ext uri="{FF2B5EF4-FFF2-40B4-BE49-F238E27FC236}">
-                <a16:creationId xmlns:a16="http://schemas.microsoft.com/office/drawing/2014/main" id="{C79B262A-ED16-48B3-A3A1-9DB3A1071CF4}"/>
+                <a16:creationId xmlns:a16="http://schemas.microsoft.com/office/drawing/2014/main" id="{278A8D02-DF81-43C9-B08D-5D7BF8F3A48B}"/>
               </a:ext>
             </a:extLst>
           </p:cNvPr>
@@ -5815,25 +8135,27 @@
         </p:blipFill>
         <p:spPr>
           <a:xfrm>
-            <a:off x="3285415" y="3291840"/>
-            <a:ext cx="2247900" cy="1190625"/>
+            <a:off x="9277322" y="3291840"/>
+            <a:ext cx="2076450" cy="1371600"/>
           </a:xfrm>
           <a:prstGeom prst="rect">
             <a:avLst/>
           </a:prstGeom>
-          <a:ln w="28575">
+          <a:ln w="38100">
             <a:solidFill>
-              <a:schemeClr val="tx1"/>
+              <a:schemeClr val="accent6">
+                <a:lumMod val="50000"/>
+              </a:schemeClr>
             </a:solidFill>
           </a:ln>
         </p:spPr>
       </p:pic>
       <p:pic>
         <p:nvPicPr>
-          <p:cNvPr id="14" name="Imagem 13">
+          <p:cNvPr id="9" name="Imagem 8">
             <a:extLst>
               <a:ext uri="{FF2B5EF4-FFF2-40B4-BE49-F238E27FC236}">
-                <a16:creationId xmlns:a16="http://schemas.microsoft.com/office/drawing/2014/main" id="{DDA5D947-27FD-4498-A0DF-7F9CA168A844}"/>
+                <a16:creationId xmlns:a16="http://schemas.microsoft.com/office/drawing/2014/main" id="{821B5E97-04E0-4C56-A091-14D04E62939C}"/>
               </a:ext>
             </a:extLst>
           </p:cNvPr>
@@ -5850,25 +8172,27 @@
         </p:blipFill>
         <p:spPr>
           <a:xfrm>
-            <a:off x="6207375" y="3284466"/>
-            <a:ext cx="2200275" cy="1857375"/>
+            <a:off x="3295568" y="3291840"/>
+            <a:ext cx="2171700" cy="923925"/>
           </a:xfrm>
           <a:prstGeom prst="rect">
             <a:avLst/>
           </a:prstGeom>
-          <a:ln w="28575">
+          <a:ln w="38100">
             <a:solidFill>
-              <a:schemeClr val="tx1"/>
+              <a:schemeClr val="accent6">
+                <a:lumMod val="50000"/>
+              </a:schemeClr>
             </a:solidFill>
           </a:ln>
         </p:spPr>
       </p:pic>
       <p:pic>
         <p:nvPicPr>
-          <p:cNvPr id="16" name="Imagem 15">
+          <p:cNvPr id="12" name="Imagem 11">
             <a:extLst>
               <a:ext uri="{FF2B5EF4-FFF2-40B4-BE49-F238E27FC236}">
-                <a16:creationId xmlns:a16="http://schemas.microsoft.com/office/drawing/2014/main" id="{E35552F4-CCD8-434F-86BE-FA468518A4AA}"/>
+                <a16:creationId xmlns:a16="http://schemas.microsoft.com/office/drawing/2014/main" id="{B9D57E48-1384-4968-8850-5B21E0521A3B}"/>
               </a:ext>
             </a:extLst>
           </p:cNvPr>
@@ -5885,15 +8209,17 @@
         </p:blipFill>
         <p:spPr>
           <a:xfrm>
-            <a:off x="9118854" y="3287839"/>
-            <a:ext cx="2228850" cy="1162050"/>
+            <a:off x="6353120" y="3291840"/>
+            <a:ext cx="2038350" cy="1838325"/>
           </a:xfrm>
           <a:prstGeom prst="rect">
             <a:avLst/>
           </a:prstGeom>
-          <a:ln w="28575">
+          <a:ln w="38100">
             <a:solidFill>
-              <a:schemeClr val="tx1"/>
+              <a:schemeClr val="accent6">
+                <a:lumMod val="50000"/>
+              </a:schemeClr>
             </a:solidFill>
           </a:ln>
         </p:spPr>
@@ -5911,7 +8237,7 @@
 </p:sld>
 </file>
 
-<file path=ppt/slides/slide11.xml><?xml version="1.0" encoding="utf-8"?>
+<file path=ppt/slides/slide12.xml><?xml version="1.0" encoding="utf-8"?>
 <p:sld xmlns:a="http://schemas.openxmlformats.org/drawingml/2006/main" xmlns:r="http://schemas.openxmlformats.org/officeDocument/2006/relationships" xmlns:p="http://schemas.openxmlformats.org/presentationml/2006/main">
   <p:cSld>
     <p:spTree>
@@ -5957,7 +8283,7 @@
             <a:pPr rtl="0"/>
             <a:fld id="{D48C737E-092E-4203-A347-8410086932C6}" type="datetime1">
               <a:rPr lang="pt-BR" smtClean="0"/>
-              <a:t>08/09/2020</a:t>
+              <a:t>13/09/2020</a:t>
             </a:fld>
             <a:endParaRPr lang="en-US"/>
           </a:p>
@@ -6900,7 +9226,7 @@
 </p:sld>
 </file>
 
-<file path=ppt/slides/slide12.xml><?xml version="1.0" encoding="utf-8"?>
+<file path=ppt/slides/slide13.xml><?xml version="1.0" encoding="utf-8"?>
 <p:sld xmlns:a="http://schemas.openxmlformats.org/drawingml/2006/main" xmlns:r="http://schemas.openxmlformats.org/officeDocument/2006/relationships" xmlns:p="http://schemas.openxmlformats.org/presentationml/2006/main">
   <p:cSld>
     <p:spTree>
@@ -7044,7 +9370,7 @@
 </p:sld>
 </file>
 
-<file path=ppt/slides/slide13.xml><?xml version="1.0" encoding="utf-8"?>
+<file path=ppt/slides/slide14.xml><?xml version="1.0" encoding="utf-8"?>
 <p:sld xmlns:a="http://schemas.openxmlformats.org/drawingml/2006/main" xmlns:r="http://schemas.openxmlformats.org/officeDocument/2006/relationships" xmlns:p="http://schemas.openxmlformats.org/presentationml/2006/main">
   <p:cSld>
     <p:spTree>
@@ -7090,7 +9416,7 @@
             <a:pPr rtl="0"/>
             <a:fld id="{D48C737E-092E-4203-A347-8410086932C6}" type="datetime1">
               <a:rPr lang="pt-BR" smtClean="0"/>
-              <a:t>08/09/2020</a:t>
+              <a:t>13/09/2020</a:t>
             </a:fld>
             <a:endParaRPr lang="en-US"/>
           </a:p>
@@ -7156,7 +9482,7 @@
                   </a:schemeClr>
                 </a:solidFill>
               </a:rPr>
-              <a:t>Etapa 4 - Visualização </a:t>
+              <a:t>Etapa 4 – Visualização - Serviços </a:t>
             </a:r>
           </a:p>
         </p:txBody>
@@ -7175,7 +9501,7 @@
         </p:nvSpPr>
         <p:spPr>
           <a:xfrm>
-            <a:off x="545980" y="4933693"/>
+            <a:off x="631412" y="4272905"/>
             <a:ext cx="1939955" cy="338554"/>
           </a:xfrm>
           <a:prstGeom prst="rect">
@@ -7192,9 +9518,7 @@
             <a:r>
               <a:rPr lang="pt-BR" sz="1600" b="1" dirty="0">
                 <a:solidFill>
-                  <a:schemeClr val="accent4">
-                    <a:lumMod val="50000"/>
-                  </a:schemeClr>
+                  <a:srgbClr val="FF0000"/>
                 </a:solidFill>
               </a:rPr>
               <a:t>(</a:t>
@@ -7202,9 +9526,7 @@
             <a:r>
               <a:rPr lang="pt-BR" sz="1600" b="1" dirty="0" err="1">
                 <a:solidFill>
-                  <a:schemeClr val="accent4">
-                    <a:lumMod val="50000"/>
-                  </a:schemeClr>
+                  <a:srgbClr val="FF0000"/>
                 </a:solidFill>
               </a:rPr>
               <a:t>dashboad.pynb</a:t>
@@ -7212,49 +9534,11 @@
             <a:r>
               <a:rPr lang="pt-BR" sz="1600" b="1" dirty="0">
                 <a:solidFill>
-                  <a:schemeClr val="accent4">
-                    <a:lumMod val="50000"/>
-                  </a:schemeClr>
+                  <a:srgbClr val="FF0000"/>
                 </a:solidFill>
               </a:rPr>
               <a:t>)</a:t>
             </a:r>
-          </a:p>
-        </p:txBody>
-      </p:sp>
-      <p:sp>
-        <p:nvSpPr>
-          <p:cNvPr id="12" name="CaixaDeTexto 11">
-            <a:extLst>
-              <a:ext uri="{FF2B5EF4-FFF2-40B4-BE49-F238E27FC236}">
-                <a16:creationId xmlns:a16="http://schemas.microsoft.com/office/drawing/2014/main" id="{8EDC7CFA-DA80-4EF2-B022-2B83034B6F62}"/>
-              </a:ext>
-            </a:extLst>
-          </p:cNvPr>
-          <p:cNvSpPr txBox="1"/>
-          <p:nvPr/>
-        </p:nvSpPr>
-        <p:spPr>
-          <a:xfrm>
-            <a:off x="3202735" y="3244334"/>
-            <a:ext cx="2510624" cy="369332"/>
-          </a:xfrm>
-          <a:prstGeom prst="rect">
-            <a:avLst/>
-          </a:prstGeom>
-          <a:noFill/>
-        </p:spPr>
-        <p:txBody>
-          <a:bodyPr wrap="none" rtlCol="0">
-            <a:spAutoFit/>
-          </a:bodyPr>
-          <a:lstStyle/>
-          <a:p>
-            <a:r>
-              <a:rPr lang="pt-BR" sz="1800" b="1" dirty="0"/>
-              <a:t>Relatórios Dinâmicos</a:t>
-            </a:r>
-            <a:endParaRPr lang="pt-BR" dirty="0"/>
           </a:p>
         </p:txBody>
       </p:sp>
@@ -7280,7 +9564,7 @@
         </p:blipFill>
         <p:spPr>
           <a:xfrm>
-            <a:off x="625330" y="1835330"/>
+            <a:off x="739047" y="1179987"/>
             <a:ext cx="1781256" cy="3022525"/>
           </a:xfrm>
           <a:prstGeom prst="rect">
@@ -7288,12 +9572,73 @@
           </a:prstGeom>
         </p:spPr>
       </p:pic>
+      <p:sp>
+        <p:nvSpPr>
+          <p:cNvPr id="18" name="CaixaDeTexto 17">
+            <a:extLst>
+              <a:ext uri="{FF2B5EF4-FFF2-40B4-BE49-F238E27FC236}">
+                <a16:creationId xmlns:a16="http://schemas.microsoft.com/office/drawing/2014/main" id="{F7EDED2A-C61E-46B1-916F-05510563D955}"/>
+              </a:ext>
+            </a:extLst>
+          </p:cNvPr>
+          <p:cNvSpPr txBox="1"/>
+          <p:nvPr/>
+        </p:nvSpPr>
+        <p:spPr>
+          <a:xfrm>
+            <a:off x="4589817" y="4611459"/>
+            <a:ext cx="3558988" cy="369332"/>
+          </a:xfrm>
+          <a:prstGeom prst="rect">
+            <a:avLst/>
+          </a:prstGeom>
+          <a:noFill/>
+        </p:spPr>
+        <p:txBody>
+          <a:bodyPr wrap="none" rtlCol="0">
+            <a:spAutoFit/>
+          </a:bodyPr>
+          <a:lstStyle/>
+          <a:p>
+            <a:r>
+              <a:rPr lang="pt-BR" b="1" dirty="0">
+                <a:solidFill>
+                  <a:schemeClr val="accent2">
+                    <a:lumMod val="75000"/>
+                  </a:schemeClr>
+                </a:solidFill>
+              </a:rPr>
+              <a:t>http://127.0.0.1:8000/</a:t>
+            </a:r>
+            <a:r>
+              <a:rPr lang="pt-BR" b="1" dirty="0" err="1">
+                <a:solidFill>
+                  <a:schemeClr val="accent2">
+                    <a:lumMod val="75000"/>
+                  </a:schemeClr>
+                </a:solidFill>
+              </a:rPr>
+              <a:t>services</a:t>
+            </a:r>
+            <a:r>
+              <a:rPr lang="pt-BR" b="1" dirty="0">
+                <a:solidFill>
+                  <a:schemeClr val="accent2">
+                    <a:lumMod val="75000"/>
+                  </a:schemeClr>
+                </a:solidFill>
+              </a:rPr>
+              <a:t>/</a:t>
+            </a:r>
+          </a:p>
+        </p:txBody>
+      </p:sp>
       <p:pic>
         <p:nvPicPr>
-          <p:cNvPr id="5" name="Imagem 4" descr="Tela de celular com texto preto sobre fundo branco&#10;&#10;Descrição gerada automaticamente">
+          <p:cNvPr id="22" name="Imagem 21">
             <a:extLst>
               <a:ext uri="{FF2B5EF4-FFF2-40B4-BE49-F238E27FC236}">
-                <a16:creationId xmlns:a16="http://schemas.microsoft.com/office/drawing/2014/main" id="{FD2E2E81-0D14-4DDF-BE79-E800CE13D7BA}"/>
+                <a16:creationId xmlns:a16="http://schemas.microsoft.com/office/drawing/2014/main" id="{BAFD2AEE-42BF-4EF4-9DE8-064FE3FF2990}"/>
               </a:ext>
             </a:extLst>
           </p:cNvPr>
@@ -7303,33 +9648,234 @@
           <p:nvPr/>
         </p:nvPicPr>
         <p:blipFill>
-          <a:blip r:embed="rId3">
-            <a:extLst>
-              <a:ext uri="{28A0092B-C50C-407E-A947-70E740481C1C}">
-                <a14:useLocalDpi xmlns:a14="http://schemas.microsoft.com/office/drawing/2010/main" val="0"/>
-              </a:ext>
-            </a:extLst>
-          </a:blip>
+          <a:blip r:embed="rId3"/>
           <a:stretch>
             <a:fillRect/>
           </a:stretch>
         </p:blipFill>
         <p:spPr>
           <a:xfrm>
-            <a:off x="6194570" y="1174714"/>
-            <a:ext cx="5372100" cy="5029200"/>
+            <a:off x="4617249" y="1179987"/>
+            <a:ext cx="5532590" cy="3316349"/>
           </a:xfrm>
           <a:prstGeom prst="rect">
             <a:avLst/>
           </a:prstGeom>
+          <a:ln w="28575">
+            <a:solidFill>
+              <a:schemeClr val="accent4">
+                <a:lumMod val="50000"/>
+              </a:schemeClr>
+            </a:solidFill>
+          </a:ln>
         </p:spPr>
       </p:pic>
+      <p:graphicFrame>
+        <p:nvGraphicFramePr>
+          <p:cNvPr id="23" name="Tabela 23">
+            <a:extLst>
+              <a:ext uri="{FF2B5EF4-FFF2-40B4-BE49-F238E27FC236}">
+                <a16:creationId xmlns:a16="http://schemas.microsoft.com/office/drawing/2014/main" id="{581BB22C-AF89-404D-9EC9-6A7F20CEB072}"/>
+              </a:ext>
+            </a:extLst>
+          </p:cNvPr>
+          <p:cNvGraphicFramePr>
+            <a:graphicFrameLocks noGrp="1"/>
+          </p:cNvGraphicFramePr>
+          <p:nvPr>
+            <p:extLst>
+              <p:ext uri="{D42A27DB-BD31-4B8C-83A1-F6EECF244321}">
+                <p14:modId xmlns:p14="http://schemas.microsoft.com/office/powerpoint/2010/main" val="3574545442"/>
+              </p:ext>
+            </p:extLst>
+          </p:nvPr>
+        </p:nvGraphicFramePr>
+        <p:xfrm>
+          <a:off x="4617249" y="5002155"/>
+          <a:ext cx="6739598" cy="1259840"/>
+        </p:xfrm>
+        <a:graphic>
+          <a:graphicData uri="http://schemas.openxmlformats.org/drawingml/2006/table">
+            <a:tbl>
+              <a:tblPr firstRow="1" bandRow="1">
+                <a:tableStyleId>{C4B1156A-380E-4F78-BDF5-A606A8083BF9}</a:tableStyleId>
+              </a:tblPr>
+              <a:tblGrid>
+                <a:gridCol w="1200660">
+                  <a:extLst>
+                    <a:ext uri="{9D8B030D-6E8A-4147-A177-3AD203B41FA5}">
+                      <a16:colId xmlns:a16="http://schemas.microsoft.com/office/drawing/2014/main" val="1979008568"/>
+                    </a:ext>
+                  </a:extLst>
+                </a:gridCol>
+                <a:gridCol w="5538938">
+                  <a:extLst>
+                    <a:ext uri="{9D8B030D-6E8A-4147-A177-3AD203B41FA5}">
+                      <a16:colId xmlns:a16="http://schemas.microsoft.com/office/drawing/2014/main" val="1180669228"/>
+                    </a:ext>
+                  </a:extLst>
+                </a:gridCol>
+              </a:tblGrid>
+              <a:tr h="370840">
+                <a:tc>
+                  <a:txBody>
+                    <a:bodyPr/>
+                    <a:lstStyle/>
+                    <a:p>
+                      <a:r>
+                        <a:rPr lang="pt-BR" sz="1600" b="1" dirty="0">
+                          <a:latin typeface="Arial" panose="020B0604020202020204" pitchFamily="34" charset="0"/>
+                          <a:cs typeface="Arial" panose="020B0604020202020204" pitchFamily="34" charset="0"/>
+                        </a:rPr>
+                        <a:t>coleta</a:t>
+                      </a:r>
+                    </a:p>
+                  </a:txBody>
+                  <a:tcPr/>
+                </a:tc>
+                <a:tc>
+                  <a:txBody>
+                    <a:bodyPr/>
+                    <a:lstStyle/>
+                    <a:p>
+                      <a:r>
+                        <a:rPr lang="pt-BR" sz="1400" b="0" dirty="0">
+                          <a:latin typeface="Arial" panose="020B0604020202020204" pitchFamily="34" charset="0"/>
+                          <a:cs typeface="Arial" panose="020B0604020202020204" pitchFamily="34" charset="0"/>
+                        </a:rPr>
+                        <a:t>Lista dos os dados coletados da API</a:t>
+                      </a:r>
+                    </a:p>
+                  </a:txBody>
+                  <a:tcPr/>
+                </a:tc>
+                <a:extLst>
+                  <a:ext uri="{0D108BD9-81ED-4DB2-BD59-A6C34878D82A}">
+                    <a16:rowId xmlns:a16="http://schemas.microsoft.com/office/drawing/2014/main" val="707851637"/>
+                  </a:ext>
+                </a:extLst>
+              </a:tr>
+              <a:tr h="370840">
+                <a:tc>
+                  <a:txBody>
+                    <a:bodyPr/>
+                    <a:lstStyle/>
+                    <a:p>
+                      <a:r>
+                        <a:rPr lang="pt-BR" sz="1600" b="1" dirty="0" err="1">
+                          <a:latin typeface="Arial" panose="020B0604020202020204" pitchFamily="34" charset="0"/>
+                          <a:cs typeface="Arial" panose="020B0604020202020204" pitchFamily="34" charset="0"/>
+                        </a:rPr>
+                        <a:t>predicao</a:t>
+                      </a:r>
+                      <a:endParaRPr lang="pt-BR" sz="1600" b="1" dirty="0">
+                        <a:latin typeface="Arial" panose="020B0604020202020204" pitchFamily="34" charset="0"/>
+                        <a:cs typeface="Arial" panose="020B0604020202020204" pitchFamily="34" charset="0"/>
+                      </a:endParaRPr>
+                    </a:p>
+                  </a:txBody>
+                  <a:tcPr/>
+                </a:tc>
+                <a:tc>
+                  <a:txBody>
+                    <a:bodyPr/>
+                    <a:lstStyle/>
+                    <a:p>
+                      <a:r>
+                        <a:rPr lang="pt-BR" sz="1400" b="0" dirty="0">
+                          <a:latin typeface="Arial" panose="020B0604020202020204" pitchFamily="34" charset="0"/>
+                          <a:cs typeface="Arial" panose="020B0604020202020204" pitchFamily="34" charset="0"/>
+                        </a:rPr>
+                        <a:t>Lista os dados processados pelo modelo de predição</a:t>
+                      </a:r>
+                    </a:p>
+                  </a:txBody>
+                  <a:tcPr/>
+                </a:tc>
+                <a:extLst>
+                  <a:ext uri="{0D108BD9-81ED-4DB2-BD59-A6C34878D82A}">
+                    <a16:rowId xmlns:a16="http://schemas.microsoft.com/office/drawing/2014/main" val="4187916091"/>
+                  </a:ext>
+                </a:extLst>
+              </a:tr>
+              <a:tr h="370840">
+                <a:tc>
+                  <a:txBody>
+                    <a:bodyPr/>
+                    <a:lstStyle/>
+                    <a:p>
+                      <a:r>
+                        <a:rPr lang="pt-BR" sz="1600" b="1" dirty="0" err="1">
+                          <a:latin typeface="Arial" panose="020B0604020202020204" pitchFamily="34" charset="0"/>
+                          <a:cs typeface="Arial" panose="020B0604020202020204" pitchFamily="34" charset="0"/>
+                        </a:rPr>
+                        <a:t>estatistica</a:t>
+                      </a:r>
+                      <a:endParaRPr lang="pt-BR" sz="1600" b="1" dirty="0">
+                        <a:latin typeface="Arial" panose="020B0604020202020204" pitchFamily="34" charset="0"/>
+                        <a:cs typeface="Arial" panose="020B0604020202020204" pitchFamily="34" charset="0"/>
+                      </a:endParaRPr>
+                    </a:p>
+                  </a:txBody>
+                  <a:tcPr/>
+                </a:tc>
+                <a:tc>
+                  <a:txBody>
+                    <a:bodyPr/>
+                    <a:lstStyle/>
+                    <a:p>
+                      <a:r>
+                        <a:rPr lang="pt-BR" sz="1400" b="0" dirty="0">
+                          <a:latin typeface="Arial" panose="020B0604020202020204" pitchFamily="34" charset="0"/>
+                          <a:cs typeface="Arial" panose="020B0604020202020204" pitchFamily="34" charset="0"/>
+                        </a:rPr>
+                        <a:t>Lista a </a:t>
+                      </a:r>
+                      <a:r>
+                        <a:rPr lang="pt-BR" sz="1400" b="0" dirty="0" err="1">
+                          <a:latin typeface="Arial" panose="020B0604020202020204" pitchFamily="34" charset="0"/>
+                          <a:cs typeface="Arial" panose="020B0604020202020204" pitchFamily="34" charset="0"/>
+                        </a:rPr>
+                        <a:t>quatidade</a:t>
+                      </a:r>
+                      <a:r>
+                        <a:rPr lang="pt-BR" sz="1400" b="0" dirty="0">
+                          <a:latin typeface="Arial" panose="020B0604020202020204" pitchFamily="34" charset="0"/>
+                          <a:cs typeface="Arial" panose="020B0604020202020204" pitchFamily="34" charset="0"/>
+                        </a:rPr>
+                        <a:t> de predições de supervisão por OPERADOR e </a:t>
+                      </a:r>
+                      <a:r>
+                        <a:rPr lang="pt-BR" sz="1400" b="0" dirty="0" err="1">
+                          <a:latin typeface="Arial" panose="020B0604020202020204" pitchFamily="34" charset="0"/>
+                          <a:cs typeface="Arial" panose="020B0604020202020204" pitchFamily="34" charset="0"/>
+                        </a:rPr>
+                        <a:t>PROPRIETARIO</a:t>
+                      </a:r>
+                      <a:endParaRPr lang="pt-BR" sz="1400" b="0" dirty="0">
+                        <a:latin typeface="Arial" panose="020B0604020202020204" pitchFamily="34" charset="0"/>
+                        <a:cs typeface="Arial" panose="020B0604020202020204" pitchFamily="34" charset="0"/>
+                      </a:endParaRPr>
+                    </a:p>
+                  </a:txBody>
+                  <a:tcPr/>
+                </a:tc>
+                <a:extLst>
+                  <a:ext uri="{0D108BD9-81ED-4DB2-BD59-A6C34878D82A}">
+                    <a16:rowId xmlns:a16="http://schemas.microsoft.com/office/drawing/2014/main" val="726380411"/>
+                  </a:ext>
+                </a:extLst>
+              </a:tr>
+            </a:tbl>
+          </a:graphicData>
+        </a:graphic>
+      </p:graphicFrame>
       <p:sp>
         <p:nvSpPr>
-          <p:cNvPr id="6" name="Seta: para a Direita 5">
+          <p:cNvPr id="24" name="Seta: para a Direita 23">
             <a:extLst>
               <a:ext uri="{FF2B5EF4-FFF2-40B4-BE49-F238E27FC236}">
-                <a16:creationId xmlns:a16="http://schemas.microsoft.com/office/drawing/2014/main" id="{3490C63D-2E7C-4F52-A3E3-B73D8C4582A3}"/>
+                <a16:creationId xmlns:a16="http://schemas.microsoft.com/office/drawing/2014/main" id="{76DEDCCF-0A52-487E-9349-9AC8D900D5AB}"/>
               </a:ext>
             </a:extLst>
           </p:cNvPr>
@@ -7338,24 +9884,12 @@
         </p:nvSpPr>
         <p:spPr>
           <a:xfrm>
-            <a:off x="2853792" y="3557016"/>
-            <a:ext cx="3208511" cy="256032"/>
+            <a:off x="2889504" y="2691249"/>
+            <a:ext cx="1453896" cy="523220"/>
           </a:xfrm>
           <a:prstGeom prst="rightArrow">
             <a:avLst/>
           </a:prstGeom>
-          <a:solidFill>
-            <a:schemeClr val="accent4">
-              <a:lumMod val="75000"/>
-            </a:schemeClr>
-          </a:solidFill>
-          <a:ln>
-            <a:solidFill>
-              <a:schemeClr val="accent4">
-                <a:lumMod val="75000"/>
-              </a:schemeClr>
-            </a:solidFill>
-          </a:ln>
         </p:spPr>
         <p:style>
           <a:lnRef idx="2">
@@ -7378,116 +9912,6 @@
           <a:lstStyle/>
           <a:p>
             <a:pPr algn="ctr"/>
-            <a:endParaRPr lang="pt-BR">
-              <a:solidFill>
-                <a:schemeClr val="accent4">
-                  <a:lumMod val="75000"/>
-                </a:schemeClr>
-              </a:solidFill>
-            </a:endParaRPr>
-          </a:p>
-        </p:txBody>
-      </p:sp>
-      <p:sp>
-        <p:nvSpPr>
-          <p:cNvPr id="8" name="Retângulo: Cantos Arredondados 7">
-            <a:extLst>
-              <a:ext uri="{FF2B5EF4-FFF2-40B4-BE49-F238E27FC236}">
-                <a16:creationId xmlns:a16="http://schemas.microsoft.com/office/drawing/2014/main" id="{CBC19CE7-B41E-497F-A226-E99725430ACC}"/>
-              </a:ext>
-            </a:extLst>
-          </p:cNvPr>
-          <p:cNvSpPr/>
-          <p:nvPr/>
-        </p:nvSpPr>
-        <p:spPr>
-          <a:xfrm>
-            <a:off x="8769096" y="4782312"/>
-            <a:ext cx="850392" cy="1421602"/>
-          </a:xfrm>
-          <a:prstGeom prst="roundRect">
-            <a:avLst/>
-          </a:prstGeom>
-          <a:noFill/>
-          <a:ln w="57150">
-            <a:solidFill>
-              <a:schemeClr val="accent2"/>
-            </a:solidFill>
-          </a:ln>
-        </p:spPr>
-        <p:style>
-          <a:lnRef idx="2">
-            <a:schemeClr val="accent1">
-              <a:shade val="50000"/>
-            </a:schemeClr>
-          </a:lnRef>
-          <a:fillRef idx="1">
-            <a:schemeClr val="accent1"/>
-          </a:fillRef>
-          <a:effectRef idx="0">
-            <a:schemeClr val="accent1"/>
-          </a:effectRef>
-          <a:fontRef idx="minor">
-            <a:schemeClr val="lt1"/>
-          </a:fontRef>
-        </p:style>
-        <p:txBody>
-          <a:bodyPr rtlCol="0" anchor="ctr"/>
-          <a:lstStyle/>
-          <a:p>
-            <a:pPr algn="ctr"/>
-            <a:endParaRPr lang="pt-BR"/>
-          </a:p>
-        </p:txBody>
-      </p:sp>
-      <p:sp>
-        <p:nvSpPr>
-          <p:cNvPr id="9" name="Retângulo: Cantos Arredondados 8">
-            <a:extLst>
-              <a:ext uri="{FF2B5EF4-FFF2-40B4-BE49-F238E27FC236}">
-                <a16:creationId xmlns:a16="http://schemas.microsoft.com/office/drawing/2014/main" id="{CBEA3AB4-FB17-47EB-8637-3A31169AF80B}"/>
-              </a:ext>
-            </a:extLst>
-          </p:cNvPr>
-          <p:cNvSpPr/>
-          <p:nvPr/>
-        </p:nvSpPr>
-        <p:spPr>
-          <a:xfrm>
-            <a:off x="8153400" y="1174714"/>
-            <a:ext cx="850392" cy="1421602"/>
-          </a:xfrm>
-          <a:prstGeom prst="roundRect">
-            <a:avLst/>
-          </a:prstGeom>
-          <a:noFill/>
-          <a:ln w="57150">
-            <a:solidFill>
-              <a:schemeClr val="accent2"/>
-            </a:solidFill>
-          </a:ln>
-        </p:spPr>
-        <p:style>
-          <a:lnRef idx="2">
-            <a:schemeClr val="accent1">
-              <a:shade val="50000"/>
-            </a:schemeClr>
-          </a:lnRef>
-          <a:fillRef idx="1">
-            <a:schemeClr val="accent1"/>
-          </a:fillRef>
-          <a:effectRef idx="0">
-            <a:schemeClr val="accent1"/>
-          </a:effectRef>
-          <a:fontRef idx="minor">
-            <a:schemeClr val="lt1"/>
-          </a:fontRef>
-        </p:style>
-        <p:txBody>
-          <a:bodyPr rtlCol="0" anchor="ctr"/>
-          <a:lstStyle/>
-          <a:p>
-            <a:pPr algn="ctr"/>
             <a:endParaRPr lang="pt-BR"/>
           </a:p>
         </p:txBody>
@@ -7496,301 +9920,6 @@
     <p:extLst>
       <p:ext uri="{BB962C8B-B14F-4D97-AF65-F5344CB8AC3E}">
         <p14:creationId xmlns:p14="http://schemas.microsoft.com/office/powerpoint/2010/main" val="2168701563"/>
-      </p:ext>
-    </p:extLst>
-  </p:cSld>
-  <p:clrMapOvr>
-    <a:masterClrMapping/>
-  </p:clrMapOvr>
-</p:sld>
-</file>
-
-<file path=ppt/slides/slide14.xml><?xml version="1.0" encoding="utf-8"?>
-<p:sld xmlns:a="http://schemas.openxmlformats.org/drawingml/2006/main" xmlns:r="http://schemas.openxmlformats.org/officeDocument/2006/relationships" xmlns:p="http://schemas.openxmlformats.org/presentationml/2006/main">
-  <p:cSld>
-    <p:spTree>
-      <p:nvGrpSpPr>
-        <p:cNvPr id="1" name=""/>
-        <p:cNvGrpSpPr/>
-        <p:nvPr/>
-      </p:nvGrpSpPr>
-      <p:grpSpPr>
-        <a:xfrm>
-          <a:off x="0" y="0"/>
-          <a:ext cx="0" cy="0"/>
-          <a:chOff x="0" y="0"/>
-          <a:chExt cx="0" cy="0"/>
-        </a:xfrm>
-      </p:grpSpPr>
-      <p:pic>
-        <p:nvPicPr>
-          <p:cNvPr id="5" name="Imagem 4">
-            <a:extLst>
-              <a:ext uri="{FF2B5EF4-FFF2-40B4-BE49-F238E27FC236}">
-                <a16:creationId xmlns:a16="http://schemas.microsoft.com/office/drawing/2014/main" id="{F13743A7-9032-4FE6-A199-B034E3E1F755}"/>
-              </a:ext>
-            </a:extLst>
-          </p:cNvPr>
-          <p:cNvPicPr>
-            <a:picLocks noChangeAspect="1"/>
-          </p:cNvPicPr>
-          <p:nvPr/>
-        </p:nvPicPr>
-        <p:blipFill>
-          <a:blip r:embed="rId2"/>
-          <a:stretch>
-            <a:fillRect/>
-          </a:stretch>
-        </p:blipFill>
-        <p:spPr>
-          <a:xfrm>
-            <a:off x="1012723" y="1669552"/>
-            <a:ext cx="3177816" cy="3307106"/>
-          </a:xfrm>
-          <a:prstGeom prst="rect">
-            <a:avLst/>
-          </a:prstGeom>
-          <a:ln w="38100">
-            <a:solidFill>
-              <a:schemeClr val="tx1"/>
-            </a:solidFill>
-          </a:ln>
-        </p:spPr>
-      </p:pic>
-      <p:sp>
-        <p:nvSpPr>
-          <p:cNvPr id="7" name="CaixaDeTexto 6">
-            <a:extLst>
-              <a:ext uri="{FF2B5EF4-FFF2-40B4-BE49-F238E27FC236}">
-                <a16:creationId xmlns:a16="http://schemas.microsoft.com/office/drawing/2014/main" id="{DE6C423C-CD12-454C-ABE4-FE59E8AB4D94}"/>
-              </a:ext>
-            </a:extLst>
-          </p:cNvPr>
-          <p:cNvSpPr txBox="1"/>
-          <p:nvPr/>
-        </p:nvSpPr>
-        <p:spPr>
-          <a:xfrm>
-            <a:off x="7543240" y="4383711"/>
-            <a:ext cx="2015295" cy="307777"/>
-          </a:xfrm>
-          <a:prstGeom prst="rect">
-            <a:avLst/>
-          </a:prstGeom>
-          <a:noFill/>
-        </p:spPr>
-        <p:txBody>
-          <a:bodyPr wrap="none" rtlCol="0">
-            <a:spAutoFit/>
-          </a:bodyPr>
-          <a:lstStyle/>
-          <a:p>
-            <a:r>
-              <a:rPr lang="pt-BR" sz="1400" b="1" dirty="0"/>
-              <a:t>http://127.0.0.1:8050/</a:t>
-            </a:r>
-          </a:p>
-        </p:txBody>
-      </p:sp>
-      <p:sp>
-        <p:nvSpPr>
-          <p:cNvPr id="9" name="CaixaDeTexto 8">
-            <a:extLst>
-              <a:ext uri="{FF2B5EF4-FFF2-40B4-BE49-F238E27FC236}">
-                <a16:creationId xmlns:a16="http://schemas.microsoft.com/office/drawing/2014/main" id="{DE3CAEE6-B10E-4831-AD7D-C185A2F645D0}"/>
-              </a:ext>
-            </a:extLst>
-          </p:cNvPr>
-          <p:cNvSpPr txBox="1"/>
-          <p:nvPr/>
-        </p:nvSpPr>
-        <p:spPr>
-          <a:xfrm>
-            <a:off x="411480" y="381195"/>
-            <a:ext cx="11384280" cy="523220"/>
-          </a:xfrm>
-          <a:prstGeom prst="rect">
-            <a:avLst/>
-          </a:prstGeom>
-          <a:solidFill>
-            <a:schemeClr val="tx2">
-              <a:lumMod val="60000"/>
-              <a:lumOff val="40000"/>
-            </a:schemeClr>
-          </a:solidFill>
-          <a:ln w="19050">
-            <a:solidFill>
-              <a:schemeClr val="accent1">
-                <a:lumMod val="75000"/>
-              </a:schemeClr>
-            </a:solidFill>
-          </a:ln>
-        </p:spPr>
-        <p:txBody>
-          <a:bodyPr wrap="square" rtlCol="0">
-            <a:spAutoFit/>
-          </a:bodyPr>
-          <a:lstStyle>
-            <a:defPPr rtl="0">
-              <a:defRPr lang="pt-br"/>
-            </a:defPPr>
-            <a:lvl1pPr>
-              <a:defRPr sz="2800" b="1">
-                <a:solidFill>
-                  <a:srgbClr val="002060"/>
-                </a:solidFill>
-              </a:defRPr>
-            </a:lvl1pPr>
-          </a:lstStyle>
-          <a:p>
-            <a:r>
-              <a:rPr lang="pt-BR" dirty="0">
-                <a:solidFill>
-                  <a:schemeClr val="accent4">
-                    <a:lumMod val="60000"/>
-                    <a:lumOff val="40000"/>
-                  </a:schemeClr>
-                </a:solidFill>
-              </a:rPr>
-              <a:t>Etapa 3 – Gráficos </a:t>
-            </a:r>
-          </a:p>
-        </p:txBody>
-      </p:sp>
-      <p:pic>
-        <p:nvPicPr>
-          <p:cNvPr id="10" name="Imagem 9">
-            <a:extLst>
-              <a:ext uri="{FF2B5EF4-FFF2-40B4-BE49-F238E27FC236}">
-                <a16:creationId xmlns:a16="http://schemas.microsoft.com/office/drawing/2014/main" id="{4E442230-B61B-4F7C-9726-A5E5F546B95C}"/>
-              </a:ext>
-            </a:extLst>
-          </p:cNvPr>
-          <p:cNvPicPr>
-            <a:picLocks noChangeAspect="1"/>
-          </p:cNvPicPr>
-          <p:nvPr/>
-        </p:nvPicPr>
-        <p:blipFill>
-          <a:blip r:embed="rId3"/>
-          <a:stretch>
-            <a:fillRect/>
-          </a:stretch>
-        </p:blipFill>
-        <p:spPr>
-          <a:xfrm>
-            <a:off x="5326104" y="4691488"/>
-            <a:ext cx="6449568" cy="1656737"/>
-          </a:xfrm>
-          <a:prstGeom prst="rect">
-            <a:avLst/>
-          </a:prstGeom>
-        </p:spPr>
-      </p:pic>
-      <p:sp>
-        <p:nvSpPr>
-          <p:cNvPr id="12" name="CaixaDeTexto 11">
-            <a:extLst>
-              <a:ext uri="{FF2B5EF4-FFF2-40B4-BE49-F238E27FC236}">
-                <a16:creationId xmlns:a16="http://schemas.microsoft.com/office/drawing/2014/main" id="{7150BDFA-C15D-4032-88D8-5D05A5146507}"/>
-              </a:ext>
-            </a:extLst>
-          </p:cNvPr>
-          <p:cNvSpPr txBox="1"/>
-          <p:nvPr/>
-        </p:nvSpPr>
-        <p:spPr>
-          <a:xfrm>
-            <a:off x="1593983" y="1289991"/>
-            <a:ext cx="2015295" cy="307777"/>
-          </a:xfrm>
-          <a:prstGeom prst="rect">
-            <a:avLst/>
-          </a:prstGeom>
-          <a:noFill/>
-        </p:spPr>
-        <p:txBody>
-          <a:bodyPr wrap="none" rtlCol="0">
-            <a:spAutoFit/>
-          </a:bodyPr>
-          <a:lstStyle/>
-          <a:p>
-            <a:r>
-              <a:rPr lang="pt-BR" sz="1400" b="1" dirty="0"/>
-              <a:t>http://127.0.0.1:8050/</a:t>
-            </a:r>
-          </a:p>
-        </p:txBody>
-      </p:sp>
-      <p:pic>
-        <p:nvPicPr>
-          <p:cNvPr id="13" name="Imagem 12">
-            <a:extLst>
-              <a:ext uri="{FF2B5EF4-FFF2-40B4-BE49-F238E27FC236}">
-                <a16:creationId xmlns:a16="http://schemas.microsoft.com/office/drawing/2014/main" id="{F5CB39A7-A443-4BBA-961B-1C645D9963F8}"/>
-              </a:ext>
-            </a:extLst>
-          </p:cNvPr>
-          <p:cNvPicPr>
-            <a:picLocks noChangeAspect="1"/>
-          </p:cNvPicPr>
-          <p:nvPr/>
-        </p:nvPicPr>
-        <p:blipFill>
-          <a:blip r:embed="rId4"/>
-          <a:stretch>
-            <a:fillRect/>
-          </a:stretch>
-        </p:blipFill>
-        <p:spPr>
-          <a:xfrm>
-            <a:off x="5245607" y="1984248"/>
-            <a:ext cx="6475457" cy="1736147"/>
-          </a:xfrm>
-          <a:prstGeom prst="rect">
-            <a:avLst/>
-          </a:prstGeom>
-        </p:spPr>
-      </p:pic>
-      <p:sp>
-        <p:nvSpPr>
-          <p:cNvPr id="15" name="CaixaDeTexto 14">
-            <a:extLst>
-              <a:ext uri="{FF2B5EF4-FFF2-40B4-BE49-F238E27FC236}">
-                <a16:creationId xmlns:a16="http://schemas.microsoft.com/office/drawing/2014/main" id="{5249DE0F-C9D0-4D8C-9824-51532DA4B6C7}"/>
-              </a:ext>
-            </a:extLst>
-          </p:cNvPr>
-          <p:cNvSpPr txBox="1"/>
-          <p:nvPr/>
-        </p:nvSpPr>
-        <p:spPr>
-          <a:xfrm>
-            <a:off x="7543240" y="1616158"/>
-            <a:ext cx="2015295" cy="307777"/>
-          </a:xfrm>
-          <a:prstGeom prst="rect">
-            <a:avLst/>
-          </a:prstGeom>
-          <a:noFill/>
-        </p:spPr>
-        <p:txBody>
-          <a:bodyPr wrap="none" rtlCol="0">
-            <a:spAutoFit/>
-          </a:bodyPr>
-          <a:lstStyle/>
-          <a:p>
-            <a:r>
-              <a:rPr lang="pt-BR" sz="1400" b="1" dirty="0"/>
-              <a:t>http://127.0.0.1:8050/</a:t>
-            </a:r>
-          </a:p>
-        </p:txBody>
-      </p:sp>
-    </p:spTree>
-    <p:extLst>
-      <p:ext uri="{BB962C8B-B14F-4D97-AF65-F5344CB8AC3E}">
-        <p14:creationId xmlns:p14="http://schemas.microsoft.com/office/powerpoint/2010/main" val="411491700"/>
       </p:ext>
     </p:extLst>
   </p:cSld>
@@ -7822,7 +9951,7 @@
           <p:cNvPr id="6" name="CaixaDeTexto 5">
             <a:extLst>
               <a:ext uri="{FF2B5EF4-FFF2-40B4-BE49-F238E27FC236}">
-                <a16:creationId xmlns:a16="http://schemas.microsoft.com/office/drawing/2014/main" id="{E79D1C39-63B2-410F-82EC-D49B50505B3C}"/>
+                <a16:creationId xmlns:a16="http://schemas.microsoft.com/office/drawing/2014/main" id="{F570A584-FCA8-4A89-94C0-EB99FDE9C165}"/>
               </a:ext>
             </a:extLst>
           </p:cNvPr>
@@ -7831,8 +9960,8 @@
         </p:nvSpPr>
         <p:spPr>
           <a:xfrm>
-            <a:off x="384048" y="381195"/>
-            <a:ext cx="11448000" cy="523220"/>
+            <a:off x="411480" y="381195"/>
+            <a:ext cx="11384280" cy="523220"/>
           </a:xfrm>
           <a:prstGeom prst="rect">
             <a:avLst/>
@@ -7855,53 +9984,6 @@
           <a:bodyPr wrap="square" rtlCol="0">
             <a:spAutoFit/>
           </a:bodyPr>
-          <a:lstStyle/>
-          <a:p>
-            <a:r>
-              <a:rPr lang="pt-BR" sz="2800" b="1" dirty="0"/>
-              <a:t> </a:t>
-            </a:r>
-          </a:p>
-        </p:txBody>
-      </p:sp>
-      <p:sp>
-        <p:nvSpPr>
-          <p:cNvPr id="3" name="CaixaDeTexto 2">
-            <a:extLst>
-              <a:ext uri="{FF2B5EF4-FFF2-40B4-BE49-F238E27FC236}">
-                <a16:creationId xmlns:a16="http://schemas.microsoft.com/office/drawing/2014/main" id="{6251EF5C-12DB-43DF-B0BE-60A9A5DFD404}"/>
-              </a:ext>
-            </a:extLst>
-          </p:cNvPr>
-          <p:cNvSpPr txBox="1"/>
-          <p:nvPr/>
-        </p:nvSpPr>
-        <p:spPr>
-          <a:xfrm>
-            <a:off x="411480" y="381195"/>
-            <a:ext cx="11384280" cy="523220"/>
-          </a:xfrm>
-          <a:prstGeom prst="rect">
-            <a:avLst/>
-          </a:prstGeom>
-          <a:solidFill>
-            <a:schemeClr val="tx2">
-              <a:lumMod val="60000"/>
-              <a:lumOff val="40000"/>
-            </a:schemeClr>
-          </a:solidFill>
-          <a:ln w="19050">
-            <a:solidFill>
-              <a:schemeClr val="accent1">
-                <a:lumMod val="75000"/>
-              </a:schemeClr>
-            </a:solidFill>
-          </a:ln>
-        </p:spPr>
-        <p:txBody>
-          <a:bodyPr wrap="square" rtlCol="0">
-            <a:spAutoFit/>
-          </a:bodyPr>
           <a:lstStyle>
             <a:defPPr rtl="0">
               <a:defRPr lang="pt-br"/>
@@ -7924,17 +10006,17 @@
                   </a:schemeClr>
                 </a:solidFill>
               </a:rPr>
-              <a:t>Etapa 4 – Processo de Calibração</a:t>
+              <a:t>Etapa 4 – Visualização - DASH </a:t>
             </a:r>
           </a:p>
         </p:txBody>
       </p:sp>
       <p:pic>
         <p:nvPicPr>
-          <p:cNvPr id="12" name="Imagem 11">
+          <p:cNvPr id="10" name="Imagem 9">
             <a:extLst>
               <a:ext uri="{FF2B5EF4-FFF2-40B4-BE49-F238E27FC236}">
-                <a16:creationId xmlns:a16="http://schemas.microsoft.com/office/drawing/2014/main" id="{8EBCEEB9-CDEC-4444-B7A0-A1277786C44D}"/>
+                <a16:creationId xmlns:a16="http://schemas.microsoft.com/office/drawing/2014/main" id="{82447801-E7F3-49C9-B5B0-B37C21288413}"/>
               </a:ext>
             </a:extLst>
           </p:cNvPr>
@@ -7951,8 +10033,8 @@
         </p:blipFill>
         <p:spPr>
           <a:xfrm>
-            <a:off x="3365836" y="3478292"/>
-            <a:ext cx="1828800" cy="2071116"/>
+            <a:off x="653380" y="4573456"/>
+            <a:ext cx="10885239" cy="1617032"/>
           </a:xfrm>
           <a:prstGeom prst="rect">
             <a:avLst/>
@@ -7962,21 +10044,14 @@
               <a:schemeClr val="tx1"/>
             </a:solidFill>
           </a:ln>
-          <a:effectLst>
-            <a:outerShdw blurRad="50800" dist="38100" dir="2700000" algn="tl" rotWithShape="0">
-              <a:prstClr val="black">
-                <a:alpha val="40000"/>
-              </a:prstClr>
-            </a:outerShdw>
-          </a:effectLst>
         </p:spPr>
       </p:pic>
       <p:pic>
         <p:nvPicPr>
-          <p:cNvPr id="14" name="Imagem 13">
+          <p:cNvPr id="11" name="Imagem 10">
             <a:extLst>
               <a:ext uri="{FF2B5EF4-FFF2-40B4-BE49-F238E27FC236}">
-                <a16:creationId xmlns:a16="http://schemas.microsoft.com/office/drawing/2014/main" id="{CDAF2D11-3F43-47EE-B92E-24C030BEBA8F}"/>
+                <a16:creationId xmlns:a16="http://schemas.microsoft.com/office/drawing/2014/main" id="{B02A940D-FEB1-4781-81D2-575DA04114EC}"/>
               </a:ext>
             </a:extLst>
           </p:cNvPr>
@@ -7993,8 +10068,8 @@
         </p:blipFill>
         <p:spPr>
           <a:xfrm>
-            <a:off x="6660403" y="2851724"/>
-            <a:ext cx="1876425" cy="2057400"/>
+            <a:off x="653379" y="1281654"/>
+            <a:ext cx="10885239" cy="3163786"/>
           </a:xfrm>
           <a:prstGeom prst="rect">
             <a:avLst/>
@@ -8004,85 +10079,14 @@
               <a:schemeClr val="tx1"/>
             </a:solidFill>
           </a:ln>
-          <a:effectLst>
-            <a:outerShdw blurRad="50800" dist="38100" dir="2700000" algn="tl" rotWithShape="0">
-              <a:prstClr val="black">
-                <a:alpha val="40000"/>
-              </a:prstClr>
-            </a:outerShdw>
-          </a:effectLst>
         </p:spPr>
       </p:pic>
       <p:sp>
         <p:nvSpPr>
-          <p:cNvPr id="18" name="Seta: Curva para Cima 17">
+          <p:cNvPr id="13" name="CaixaDeTexto 12">
             <a:extLst>
               <a:ext uri="{FF2B5EF4-FFF2-40B4-BE49-F238E27FC236}">
-                <a16:creationId xmlns:a16="http://schemas.microsoft.com/office/drawing/2014/main" id="{90CF5E2A-B1F7-46E9-9C9F-8530FB76D7EF}"/>
-              </a:ext>
-            </a:extLst>
-          </p:cNvPr>
-          <p:cNvSpPr/>
-          <p:nvPr/>
-        </p:nvSpPr>
-        <p:spPr>
-          <a:xfrm rot="20780202" flipV="1">
-            <a:off x="4424529" y="2136295"/>
-            <a:ext cx="2635792" cy="1110138"/>
-          </a:xfrm>
-          <a:prstGeom prst="curvedUpArrow">
-            <a:avLst>
-              <a:gd name="adj1" fmla="val 32011"/>
-              <a:gd name="adj2" fmla="val 53874"/>
-              <a:gd name="adj3" fmla="val 31100"/>
-            </a:avLst>
-          </a:prstGeom>
-          <a:solidFill>
-            <a:schemeClr val="accent4"/>
-          </a:solidFill>
-          <a:ln>
-            <a:solidFill>
-              <a:schemeClr val="accent4">
-                <a:lumMod val="50000"/>
-              </a:schemeClr>
-            </a:solidFill>
-          </a:ln>
-        </p:spPr>
-        <p:style>
-          <a:lnRef idx="2">
-            <a:schemeClr val="accent1">
-              <a:shade val="50000"/>
-            </a:schemeClr>
-          </a:lnRef>
-          <a:fillRef idx="1">
-            <a:schemeClr val="accent1"/>
-          </a:fillRef>
-          <a:effectRef idx="0">
-            <a:schemeClr val="accent1"/>
-          </a:effectRef>
-          <a:fontRef idx="minor">
-            <a:schemeClr val="lt1"/>
-          </a:fontRef>
-        </p:style>
-        <p:txBody>
-          <a:bodyPr rtlCol="0" anchor="ctr"/>
-          <a:lstStyle/>
-          <a:p>
-            <a:pPr algn="ctr"/>
-            <a:endParaRPr lang="pt-BR" dirty="0">
-              <a:solidFill>
-                <a:schemeClr val="tx1"/>
-              </a:solidFill>
-            </a:endParaRPr>
-          </a:p>
-        </p:txBody>
-      </p:sp>
-      <p:sp>
-        <p:nvSpPr>
-          <p:cNvPr id="19" name="CaixaDeTexto 18">
-            <a:extLst>
-              <a:ext uri="{FF2B5EF4-FFF2-40B4-BE49-F238E27FC236}">
-                <a16:creationId xmlns:a16="http://schemas.microsoft.com/office/drawing/2014/main" id="{690F3E73-FD5D-4F8C-B6A5-20A9759D4E19}"/>
+                <a16:creationId xmlns:a16="http://schemas.microsoft.com/office/drawing/2014/main" id="{26285ECA-B728-4FCD-A783-287E70F57FF9}"/>
               </a:ext>
             </a:extLst>
           </p:cNvPr>
@@ -8091,8 +10095,8 @@
         </p:nvSpPr>
         <p:spPr>
           <a:xfrm>
-            <a:off x="4081667" y="1291190"/>
-            <a:ext cx="3239990" cy="861774"/>
+            <a:off x="8166456" y="1369033"/>
+            <a:ext cx="3193503" cy="369332"/>
           </a:xfrm>
           <a:prstGeom prst="rect">
             <a:avLst/>
@@ -8105,623 +10109,43 @@
           </a:bodyPr>
           <a:lstStyle/>
           <a:p>
-            <a:pPr algn="ctr"/>
-            <a:r>
-              <a:rPr lang="pt-BR" sz="1600" b="1" dirty="0"/>
-              <a:t>Copia os dados onde </a:t>
-            </a:r>
-          </a:p>
-          <a:p>
-            <a:pPr algn="ctr"/>
-            <a:r>
-              <a:rPr lang="pt-BR" sz="1600" b="1" dirty="0"/>
-              <a:t>Tipo Evento = Tipo de Predição</a:t>
-            </a:r>
-          </a:p>
-          <a:p>
-            <a:pPr algn="ctr"/>
-            <a:r>
-              <a:rPr lang="pt-BR" sz="1600" b="1" dirty="0"/>
-              <a:t>Para a tabela de Retreino</a:t>
+            <a:r>
+              <a:rPr lang="pt-BR" b="1" dirty="0">
+                <a:solidFill>
+                  <a:schemeClr val="accent2">
+                    <a:lumMod val="75000"/>
+                  </a:schemeClr>
+                </a:solidFill>
+              </a:rPr>
+              <a:t>http://127.0.0.1:8000/</a:t>
+            </a:r>
+            <a:r>
+              <a:rPr lang="pt-BR" b="1" dirty="0" err="1">
+                <a:solidFill>
+                  <a:schemeClr val="accent2">
+                    <a:lumMod val="75000"/>
+                  </a:schemeClr>
+                </a:solidFill>
+              </a:rPr>
+              <a:t>dash</a:t>
+            </a:r>
+            <a:r>
+              <a:rPr lang="pt-BR" b="1" dirty="0">
+                <a:solidFill>
+                  <a:schemeClr val="accent2">
+                    <a:lumMod val="75000"/>
+                  </a:schemeClr>
+                </a:solidFill>
+              </a:rPr>
+              <a:t>/</a:t>
             </a:r>
           </a:p>
         </p:txBody>
       </p:sp>
-      <p:pic>
-        <p:nvPicPr>
-          <p:cNvPr id="21" name="Imagem 20">
-            <a:extLst>
-              <a:ext uri="{FF2B5EF4-FFF2-40B4-BE49-F238E27FC236}">
-                <a16:creationId xmlns:a16="http://schemas.microsoft.com/office/drawing/2014/main" id="{AE12B16E-A939-4530-B143-4FFAB2AF1584}"/>
-              </a:ext>
-            </a:extLst>
-          </p:cNvPr>
-          <p:cNvPicPr>
-            <a:picLocks noChangeAspect="1"/>
-          </p:cNvPicPr>
-          <p:nvPr/>
-        </p:nvPicPr>
-        <p:blipFill>
-          <a:blip r:embed="rId4"/>
-          <a:stretch>
-            <a:fillRect/>
-          </a:stretch>
-        </p:blipFill>
-        <p:spPr>
-          <a:xfrm>
-            <a:off x="7745330" y="4932509"/>
-            <a:ext cx="3391363" cy="1233798"/>
-          </a:xfrm>
-          <a:prstGeom prst="rect">
-            <a:avLst/>
-          </a:prstGeom>
-          <a:ln w="38100">
-            <a:solidFill>
-              <a:schemeClr val="accent1">
-                <a:lumMod val="75000"/>
-              </a:schemeClr>
-            </a:solidFill>
-          </a:ln>
-        </p:spPr>
-      </p:pic>
-      <p:sp>
-        <p:nvSpPr>
-          <p:cNvPr id="22" name="CaixaDeTexto 21">
-            <a:extLst>
-              <a:ext uri="{FF2B5EF4-FFF2-40B4-BE49-F238E27FC236}">
-                <a16:creationId xmlns:a16="http://schemas.microsoft.com/office/drawing/2014/main" id="{41956274-508A-475D-985E-4F2D2340F5AE}"/>
-              </a:ext>
-            </a:extLst>
-          </p:cNvPr>
-          <p:cNvSpPr txBox="1"/>
-          <p:nvPr/>
-        </p:nvSpPr>
-        <p:spPr>
-          <a:xfrm>
-            <a:off x="8645374" y="4287445"/>
-            <a:ext cx="2757193" cy="584775"/>
-          </a:xfrm>
-          <a:prstGeom prst="rect">
-            <a:avLst/>
-          </a:prstGeom>
-          <a:noFill/>
-        </p:spPr>
-        <p:txBody>
-          <a:bodyPr wrap="square" rtlCol="0">
-            <a:spAutoFit/>
-          </a:bodyPr>
-          <a:lstStyle/>
-          <a:p>
-            <a:r>
-              <a:rPr lang="pt-BR" sz="1600" b="1" dirty="0"/>
-              <a:t>Analisar e criar um novo modelo de predição</a:t>
-            </a:r>
-          </a:p>
-        </p:txBody>
-      </p:sp>
-      <p:pic>
-        <p:nvPicPr>
-          <p:cNvPr id="29" name="Gráfico 28" descr="Engrenagens">
-            <a:extLst>
-              <a:ext uri="{FF2B5EF4-FFF2-40B4-BE49-F238E27FC236}">
-                <a16:creationId xmlns:a16="http://schemas.microsoft.com/office/drawing/2014/main" id="{051E8754-5FA8-4255-BD20-599066CDFAEF}"/>
-              </a:ext>
-            </a:extLst>
-          </p:cNvPr>
-          <p:cNvPicPr>
-            <a:picLocks noChangeAspect="1"/>
-          </p:cNvPicPr>
-          <p:nvPr/>
-        </p:nvPicPr>
-        <p:blipFill>
-          <a:blip r:embed="rId5">
-            <a:extLst>
-              <a:ext uri="{28A0092B-C50C-407E-A947-70E740481C1C}">
-                <a14:useLocalDpi xmlns:a14="http://schemas.microsoft.com/office/drawing/2010/main" val="0"/>
-              </a:ext>
-              <a:ext uri="{96DAC541-7B7A-43D3-8B79-37D633B846F1}">
-                <asvg:svgBlip xmlns:asvg="http://schemas.microsoft.com/office/drawing/2016/SVG/main" r:embed="rId6"/>
-              </a:ext>
-            </a:extLst>
-          </a:blip>
-          <a:stretch>
-            <a:fillRect/>
-          </a:stretch>
-        </p:blipFill>
-        <p:spPr>
-          <a:xfrm>
-            <a:off x="10865759" y="5709107"/>
-            <a:ext cx="914400" cy="914400"/>
-          </a:xfrm>
-          <a:prstGeom prst="rect">
-            <a:avLst/>
-          </a:prstGeom>
-        </p:spPr>
-      </p:pic>
-      <p:pic>
-        <p:nvPicPr>
-          <p:cNvPr id="31" name="Gráfico 30" descr="Engrenagens">
-            <a:extLst>
-              <a:ext uri="{FF2B5EF4-FFF2-40B4-BE49-F238E27FC236}">
-                <a16:creationId xmlns:a16="http://schemas.microsoft.com/office/drawing/2014/main" id="{7C2831CB-D5BA-48E7-9892-1F5E4785FB7E}"/>
-              </a:ext>
-            </a:extLst>
-          </p:cNvPr>
-          <p:cNvPicPr>
-            <a:picLocks noChangeAspect="1"/>
-          </p:cNvPicPr>
-          <p:nvPr/>
-        </p:nvPicPr>
-        <p:blipFill>
-          <a:blip r:embed="rId5">
-            <a:extLst>
-              <a:ext uri="{28A0092B-C50C-407E-A947-70E740481C1C}">
-                <a14:useLocalDpi xmlns:a14="http://schemas.microsoft.com/office/drawing/2010/main" val="0"/>
-              </a:ext>
-              <a:ext uri="{96DAC541-7B7A-43D3-8B79-37D633B846F1}">
-                <asvg:svgBlip xmlns:asvg="http://schemas.microsoft.com/office/drawing/2016/SVG/main" r:embed="rId6"/>
-              </a:ext>
-            </a:extLst>
-          </a:blip>
-          <a:stretch>
-            <a:fillRect/>
-          </a:stretch>
-        </p:blipFill>
-        <p:spPr>
-          <a:xfrm>
-            <a:off x="7092671" y="4872220"/>
-            <a:ext cx="914400" cy="914400"/>
-          </a:xfrm>
-          <a:prstGeom prst="rect">
-            <a:avLst/>
-          </a:prstGeom>
-        </p:spPr>
-      </p:pic>
-      <p:sp>
-        <p:nvSpPr>
-          <p:cNvPr id="32" name="CaixaDeTexto 31">
-            <a:extLst>
-              <a:ext uri="{FF2B5EF4-FFF2-40B4-BE49-F238E27FC236}">
-                <a16:creationId xmlns:a16="http://schemas.microsoft.com/office/drawing/2014/main" id="{634074D4-B3BD-4FD4-A915-88BCCBBDA45E}"/>
-              </a:ext>
-            </a:extLst>
-          </p:cNvPr>
-          <p:cNvSpPr txBox="1"/>
-          <p:nvPr/>
-        </p:nvSpPr>
-        <p:spPr>
-          <a:xfrm>
-            <a:off x="4209855" y="1269254"/>
-            <a:ext cx="377026" cy="369332"/>
-          </a:xfrm>
-          <a:prstGeom prst="rect">
-            <a:avLst/>
-          </a:prstGeom>
-          <a:noFill/>
-        </p:spPr>
-        <p:txBody>
-          <a:bodyPr wrap="none" rtlCol="0">
-            <a:spAutoFit/>
-          </a:bodyPr>
-          <a:lstStyle/>
-          <a:p>
-            <a:r>
-              <a:rPr lang="pt-BR" b="1" dirty="0"/>
-              <a:t>2.</a:t>
-            </a:r>
-          </a:p>
-        </p:txBody>
-      </p:sp>
-      <p:sp>
-        <p:nvSpPr>
-          <p:cNvPr id="34" name="CaixaDeTexto 33">
-            <a:extLst>
-              <a:ext uri="{FF2B5EF4-FFF2-40B4-BE49-F238E27FC236}">
-                <a16:creationId xmlns:a16="http://schemas.microsoft.com/office/drawing/2014/main" id="{C01FA207-8C7E-4355-BD84-53FB746FBBCC}"/>
-              </a:ext>
-            </a:extLst>
-          </p:cNvPr>
-          <p:cNvSpPr txBox="1"/>
-          <p:nvPr/>
-        </p:nvSpPr>
-        <p:spPr>
-          <a:xfrm>
-            <a:off x="8645374" y="4042490"/>
-            <a:ext cx="377026" cy="369332"/>
-          </a:xfrm>
-          <a:prstGeom prst="rect">
-            <a:avLst/>
-          </a:prstGeom>
-          <a:noFill/>
-        </p:spPr>
-        <p:txBody>
-          <a:bodyPr wrap="none" rtlCol="0">
-            <a:spAutoFit/>
-          </a:bodyPr>
-          <a:lstStyle/>
-          <a:p>
-            <a:r>
-              <a:rPr lang="pt-BR" b="1" dirty="0"/>
-              <a:t>3.</a:t>
-            </a:r>
-          </a:p>
-        </p:txBody>
-      </p:sp>
-      <p:pic>
-        <p:nvPicPr>
-          <p:cNvPr id="38" name="Gráfico 37" descr="Gráfico de barras">
-            <a:extLst>
-              <a:ext uri="{FF2B5EF4-FFF2-40B4-BE49-F238E27FC236}">
-                <a16:creationId xmlns:a16="http://schemas.microsoft.com/office/drawing/2014/main" id="{ACD9AFBE-2ABB-4E7A-8254-07F5897FD01B}"/>
-              </a:ext>
-            </a:extLst>
-          </p:cNvPr>
-          <p:cNvPicPr>
-            <a:picLocks noChangeAspect="1"/>
-          </p:cNvPicPr>
-          <p:nvPr/>
-        </p:nvPicPr>
-        <p:blipFill>
-          <a:blip r:embed="rId7">
-            <a:extLst>
-              <a:ext uri="{28A0092B-C50C-407E-A947-70E740481C1C}">
-                <a14:useLocalDpi xmlns:a14="http://schemas.microsoft.com/office/drawing/2010/main" val="0"/>
-              </a:ext>
-              <a:ext uri="{96DAC541-7B7A-43D3-8B79-37D633B846F1}">
-                <asvg:svgBlip xmlns:asvg="http://schemas.microsoft.com/office/drawing/2016/SVG/main" r:embed="rId8"/>
-              </a:ext>
-            </a:extLst>
-          </a:blip>
-          <a:stretch>
-            <a:fillRect/>
-          </a:stretch>
-        </p:blipFill>
-        <p:spPr>
-          <a:xfrm>
-            <a:off x="527658" y="2813755"/>
-            <a:ext cx="914400" cy="914400"/>
-          </a:xfrm>
-          <a:prstGeom prst="rect">
-            <a:avLst/>
-          </a:prstGeom>
-        </p:spPr>
-      </p:pic>
-      <p:pic>
-        <p:nvPicPr>
-          <p:cNvPr id="40" name="Gráfico 39" descr="Gráfico de pizza">
-            <a:extLst>
-              <a:ext uri="{FF2B5EF4-FFF2-40B4-BE49-F238E27FC236}">
-                <a16:creationId xmlns:a16="http://schemas.microsoft.com/office/drawing/2014/main" id="{83377518-2FAC-4777-AC88-698301415D63}"/>
-              </a:ext>
-            </a:extLst>
-          </p:cNvPr>
-          <p:cNvPicPr>
-            <a:picLocks noChangeAspect="1"/>
-          </p:cNvPicPr>
-          <p:nvPr/>
-        </p:nvPicPr>
-        <p:blipFill>
-          <a:blip r:embed="rId9">
-            <a:extLst>
-              <a:ext uri="{28A0092B-C50C-407E-A947-70E740481C1C}">
-                <a14:useLocalDpi xmlns:a14="http://schemas.microsoft.com/office/drawing/2010/main" val="0"/>
-              </a:ext>
-              <a:ext uri="{96DAC541-7B7A-43D3-8B79-37D633B846F1}">
-                <asvg:svgBlip xmlns:asvg="http://schemas.microsoft.com/office/drawing/2016/SVG/main" r:embed="rId10"/>
-              </a:ext>
-            </a:extLst>
-          </a:blip>
-          <a:stretch>
-            <a:fillRect/>
-          </a:stretch>
-        </p:blipFill>
-        <p:spPr>
-          <a:xfrm>
-            <a:off x="1316718" y="2583706"/>
-            <a:ext cx="914400" cy="914400"/>
-          </a:xfrm>
-          <a:prstGeom prst="rect">
-            <a:avLst/>
-          </a:prstGeom>
-        </p:spPr>
-      </p:pic>
-      <p:pic>
-        <p:nvPicPr>
-          <p:cNvPr id="42" name="Gráfico 41" descr="Apresentação com gráfico de barras">
-            <a:extLst>
-              <a:ext uri="{FF2B5EF4-FFF2-40B4-BE49-F238E27FC236}">
-                <a16:creationId xmlns:a16="http://schemas.microsoft.com/office/drawing/2014/main" id="{BFE3DA8E-CC28-49A6-831B-3E52F1ECA429}"/>
-              </a:ext>
-            </a:extLst>
-          </p:cNvPr>
-          <p:cNvPicPr>
-            <a:picLocks noChangeAspect="1"/>
-          </p:cNvPicPr>
-          <p:nvPr/>
-        </p:nvPicPr>
-        <p:blipFill>
-          <a:blip r:embed="rId11">
-            <a:extLst>
-              <a:ext uri="{28A0092B-C50C-407E-A947-70E740481C1C}">
-                <a14:useLocalDpi xmlns:a14="http://schemas.microsoft.com/office/drawing/2010/main" val="0"/>
-              </a:ext>
-              <a:ext uri="{96DAC541-7B7A-43D3-8B79-37D633B846F1}">
-                <asvg:svgBlip xmlns:asvg="http://schemas.microsoft.com/office/drawing/2016/SVG/main" r:embed="rId12"/>
-              </a:ext>
-            </a:extLst>
-          </a:blip>
-          <a:stretch>
-            <a:fillRect/>
-          </a:stretch>
-        </p:blipFill>
-        <p:spPr>
-          <a:xfrm>
-            <a:off x="1316718" y="3695366"/>
-            <a:ext cx="914400" cy="914400"/>
-          </a:xfrm>
-          <a:prstGeom prst="rect">
-            <a:avLst/>
-          </a:prstGeom>
-        </p:spPr>
-      </p:pic>
-      <p:sp>
-        <p:nvSpPr>
-          <p:cNvPr id="45" name="CaixaDeTexto 44">
-            <a:extLst>
-              <a:ext uri="{FF2B5EF4-FFF2-40B4-BE49-F238E27FC236}">
-                <a16:creationId xmlns:a16="http://schemas.microsoft.com/office/drawing/2014/main" id="{C88B9DB8-220D-4EDC-AFE2-69D749A82DA9}"/>
-              </a:ext>
-            </a:extLst>
-          </p:cNvPr>
-          <p:cNvSpPr txBox="1"/>
-          <p:nvPr/>
-        </p:nvSpPr>
-        <p:spPr>
-          <a:xfrm>
-            <a:off x="577451" y="1582476"/>
-            <a:ext cx="2040618" cy="923330"/>
-          </a:xfrm>
-          <a:prstGeom prst="rect">
-            <a:avLst/>
-          </a:prstGeom>
-          <a:noFill/>
-        </p:spPr>
-        <p:txBody>
-          <a:bodyPr wrap="square" rtlCol="0">
-            <a:spAutoFit/>
-          </a:bodyPr>
-          <a:lstStyle/>
-          <a:p>
-            <a:pPr marL="342900" indent="-342900">
-              <a:buAutoNum type="arabicPeriod"/>
-            </a:pPr>
-            <a:r>
-              <a:rPr lang="pt-BR" b="1" dirty="0"/>
-              <a:t>Análise dos Relatórios </a:t>
-            </a:r>
-          </a:p>
-          <a:p>
-            <a:r>
-              <a:rPr lang="pt-BR" b="1" dirty="0"/>
-              <a:t>     Estatísticos</a:t>
-            </a:r>
-          </a:p>
-        </p:txBody>
-      </p:sp>
-      <p:pic>
-        <p:nvPicPr>
-          <p:cNvPr id="48" name="Gráfico 47" descr="Reunião">
-            <a:extLst>
-              <a:ext uri="{FF2B5EF4-FFF2-40B4-BE49-F238E27FC236}">
-                <a16:creationId xmlns:a16="http://schemas.microsoft.com/office/drawing/2014/main" id="{312F5A67-944B-40C0-9C09-88524EAA1900}"/>
-              </a:ext>
-            </a:extLst>
-          </p:cNvPr>
-          <p:cNvPicPr>
-            <a:picLocks noChangeAspect="1"/>
-          </p:cNvPicPr>
-          <p:nvPr/>
-        </p:nvPicPr>
-        <p:blipFill>
-          <a:blip r:embed="rId13">
-            <a:extLst>
-              <a:ext uri="{28A0092B-C50C-407E-A947-70E740481C1C}">
-                <a14:useLocalDpi xmlns:a14="http://schemas.microsoft.com/office/drawing/2010/main" val="0"/>
-              </a:ext>
-              <a:ext uri="{96DAC541-7B7A-43D3-8B79-37D633B846F1}">
-                <asvg:svgBlip xmlns:asvg="http://schemas.microsoft.com/office/drawing/2016/SVG/main" r:embed="rId14"/>
-              </a:ext>
-            </a:extLst>
-          </a:blip>
-          <a:stretch>
-            <a:fillRect/>
-          </a:stretch>
-        </p:blipFill>
-        <p:spPr>
-          <a:xfrm>
-            <a:off x="596432" y="4361124"/>
-            <a:ext cx="914400" cy="914400"/>
-          </a:xfrm>
-          <a:prstGeom prst="rect">
-            <a:avLst/>
-          </a:prstGeom>
-        </p:spPr>
-      </p:pic>
-      <p:sp>
-        <p:nvSpPr>
-          <p:cNvPr id="49" name="Seta: para a Direita 48">
-            <a:extLst>
-              <a:ext uri="{FF2B5EF4-FFF2-40B4-BE49-F238E27FC236}">
-                <a16:creationId xmlns:a16="http://schemas.microsoft.com/office/drawing/2014/main" id="{9D8C9EC5-0439-44B6-B052-98722B51F63B}"/>
-              </a:ext>
-            </a:extLst>
-          </p:cNvPr>
-          <p:cNvSpPr/>
-          <p:nvPr/>
-        </p:nvSpPr>
-        <p:spPr>
-          <a:xfrm>
-            <a:off x="2460060" y="3611880"/>
-            <a:ext cx="775492" cy="430610"/>
-          </a:xfrm>
-          <a:prstGeom prst="rightArrow">
-            <a:avLst/>
-          </a:prstGeom>
-          <a:solidFill>
-            <a:schemeClr val="accent4">
-              <a:lumMod val="75000"/>
-            </a:schemeClr>
-          </a:solidFill>
-        </p:spPr>
-        <p:style>
-          <a:lnRef idx="2">
-            <a:schemeClr val="accent1">
-              <a:shade val="50000"/>
-            </a:schemeClr>
-          </a:lnRef>
-          <a:fillRef idx="1">
-            <a:schemeClr val="accent1"/>
-          </a:fillRef>
-          <a:effectRef idx="0">
-            <a:schemeClr val="accent1"/>
-          </a:effectRef>
-          <a:fontRef idx="minor">
-            <a:schemeClr val="lt1"/>
-          </a:fontRef>
-        </p:style>
-        <p:txBody>
-          <a:bodyPr rtlCol="0" anchor="ctr"/>
-          <a:lstStyle/>
-          <a:p>
-            <a:pPr algn="ctr"/>
-            <a:endParaRPr lang="pt-BR"/>
-          </a:p>
-        </p:txBody>
-      </p:sp>
-      <p:sp>
-        <p:nvSpPr>
-          <p:cNvPr id="2" name="CaixaDeTexto 1">
-            <a:extLst>
-              <a:ext uri="{FF2B5EF4-FFF2-40B4-BE49-F238E27FC236}">
-                <a16:creationId xmlns:a16="http://schemas.microsoft.com/office/drawing/2014/main" id="{9B3B1EF6-6138-4111-81AF-662F7BDF1F53}"/>
-              </a:ext>
-            </a:extLst>
-          </p:cNvPr>
-          <p:cNvSpPr txBox="1"/>
-          <p:nvPr/>
-        </p:nvSpPr>
-        <p:spPr>
-          <a:xfrm>
-            <a:off x="9307664" y="3811490"/>
-            <a:ext cx="2015295" cy="307777"/>
-          </a:xfrm>
-          <a:prstGeom prst="rect">
-            <a:avLst/>
-          </a:prstGeom>
-          <a:noFill/>
-        </p:spPr>
-        <p:txBody>
-          <a:bodyPr wrap="none" rtlCol="0">
-            <a:spAutoFit/>
-          </a:bodyPr>
-          <a:lstStyle/>
-          <a:p>
-            <a:r>
-              <a:rPr lang="pt-BR" sz="1400" b="1" dirty="0"/>
-              <a:t>http://127.0.0.1:8050/</a:t>
-            </a:r>
-          </a:p>
-        </p:txBody>
-      </p:sp>
-      <p:sp>
-        <p:nvSpPr>
-          <p:cNvPr id="4" name="CaixaDeTexto 3">
-            <a:extLst>
-              <a:ext uri="{FF2B5EF4-FFF2-40B4-BE49-F238E27FC236}">
-                <a16:creationId xmlns:a16="http://schemas.microsoft.com/office/drawing/2014/main" id="{D106E109-5510-44F9-B06B-C6F7CAEB9F2D}"/>
-              </a:ext>
-            </a:extLst>
-          </p:cNvPr>
-          <p:cNvSpPr txBox="1"/>
-          <p:nvPr/>
-        </p:nvSpPr>
-        <p:spPr>
-          <a:xfrm>
-            <a:off x="9307664" y="3574266"/>
-            <a:ext cx="2534668" cy="307777"/>
-          </a:xfrm>
-          <a:prstGeom prst="rect">
-            <a:avLst/>
-          </a:prstGeom>
-          <a:noFill/>
-        </p:spPr>
-        <p:txBody>
-          <a:bodyPr wrap="none" rtlCol="0">
-            <a:spAutoFit/>
-          </a:bodyPr>
-          <a:lstStyle>
-            <a:defPPr rtl="0">
-              <a:defRPr lang="pt-br"/>
-            </a:defPPr>
-            <a:lvl1pPr>
-              <a:defRPr sz="1400" b="1"/>
-            </a:lvl1pPr>
-          </a:lstStyle>
-          <a:p>
-            <a:r>
-              <a:rPr lang="pt-BR" dirty="0"/>
-              <a:t>http://127.0.0.1:8000/</a:t>
-            </a:r>
-            <a:r>
-              <a:rPr lang="pt-BR" dirty="0" err="1"/>
-              <a:t>dash</a:t>
-            </a:r>
-            <a:r>
-              <a:rPr lang="pt-BR" dirty="0"/>
-              <a:t>/</a:t>
-            </a:r>
-          </a:p>
-        </p:txBody>
-      </p:sp>
-      <p:pic>
-        <p:nvPicPr>
-          <p:cNvPr id="7" name="Imagem 6">
-            <a:extLst>
-              <a:ext uri="{FF2B5EF4-FFF2-40B4-BE49-F238E27FC236}">
-                <a16:creationId xmlns:a16="http://schemas.microsoft.com/office/drawing/2014/main" id="{616D7A4D-17D9-4C53-BA48-934D13BF1449}"/>
-              </a:ext>
-            </a:extLst>
-          </p:cNvPr>
-          <p:cNvPicPr>
-            <a:picLocks noChangeAspect="1"/>
-          </p:cNvPicPr>
-          <p:nvPr/>
-        </p:nvPicPr>
-        <p:blipFill>
-          <a:blip r:embed="rId15"/>
-          <a:stretch>
-            <a:fillRect/>
-          </a:stretch>
-        </p:blipFill>
-        <p:spPr>
-          <a:xfrm>
-            <a:off x="7321657" y="1225036"/>
-            <a:ext cx="2190200" cy="1075888"/>
-          </a:xfrm>
-          <a:prstGeom prst="rect">
-            <a:avLst/>
-          </a:prstGeom>
-          <a:ln w="19050">
-            <a:solidFill>
-              <a:schemeClr val="tx1"/>
-            </a:solidFill>
-          </a:ln>
-        </p:spPr>
-      </p:pic>
     </p:spTree>
     <p:extLst>
       <p:ext uri="{BB962C8B-B14F-4D97-AF65-F5344CB8AC3E}">
-        <p14:creationId xmlns:p14="http://schemas.microsoft.com/office/powerpoint/2010/main" val="3365787339"/>
+        <p14:creationId xmlns:p14="http://schemas.microsoft.com/office/powerpoint/2010/main" val="3535365250"/>
       </p:ext>
     </p:extLst>
   </p:cSld>
@@ -8748,85 +10172,12 @@
           <a:chExt cx="0" cy="0"/>
         </a:xfrm>
       </p:grpSpPr>
-      <p:sp>
-        <p:nvSpPr>
-          <p:cNvPr id="4" name="Espaço Reservado para Data 3">
+      <p:pic>
+        <p:nvPicPr>
+          <p:cNvPr id="8" name="Imagem 7">
             <a:extLst>
               <a:ext uri="{FF2B5EF4-FFF2-40B4-BE49-F238E27FC236}">
-                <a16:creationId xmlns:a16="http://schemas.microsoft.com/office/drawing/2014/main" id="{BBF1679D-54AF-4E18-B466-E2E68FEFA631}"/>
-              </a:ext>
-            </a:extLst>
-          </p:cNvPr>
-          <p:cNvSpPr>
-            <a:spLocks noGrp="1"/>
-          </p:cNvSpPr>
-          <p:nvPr>
-            <p:ph type="dt" sz="half" idx="10"/>
-          </p:nvPr>
-        </p:nvSpPr>
-        <p:spPr/>
-        <p:txBody>
-          <a:bodyPr/>
-          <a:lstStyle/>
-          <a:p>
-            <a:pPr rtl="0"/>
-            <a:fld id="{D48C737E-092E-4203-A347-8410086932C6}" type="datetime1">
-              <a:rPr lang="pt-BR" smtClean="0"/>
-              <a:t>08/09/2020</a:t>
-            </a:fld>
-            <a:endParaRPr lang="en-US"/>
-          </a:p>
-        </p:txBody>
-      </p:sp>
-      <p:sp>
-        <p:nvSpPr>
-          <p:cNvPr id="6" name="CaixaDeTexto 5">
-            <a:extLst>
-              <a:ext uri="{FF2B5EF4-FFF2-40B4-BE49-F238E27FC236}">
-                <a16:creationId xmlns:a16="http://schemas.microsoft.com/office/drawing/2014/main" id="{05BD6967-3F33-4D76-9CF4-4DF530FB5524}"/>
-              </a:ext>
-            </a:extLst>
-          </p:cNvPr>
-          <p:cNvSpPr txBox="1"/>
-          <p:nvPr/>
-        </p:nvSpPr>
-        <p:spPr>
-          <a:xfrm>
-            <a:off x="4081235" y="1308749"/>
-            <a:ext cx="3313250" cy="369332"/>
-          </a:xfrm>
-          <a:prstGeom prst="rect">
-            <a:avLst/>
-          </a:prstGeom>
-          <a:noFill/>
-        </p:spPr>
-        <p:txBody>
-          <a:bodyPr wrap="square">
-            <a:spAutoFit/>
-          </a:bodyPr>
-          <a:lstStyle/>
-          <a:p>
-            <a:r>
-              <a:rPr lang="pt-BR" b="1" dirty="0"/>
-              <a:t>http://127.0.0.1:8000/</a:t>
-            </a:r>
-            <a:r>
-              <a:rPr lang="pt-BR" b="1" dirty="0" err="1"/>
-              <a:t>dash</a:t>
-            </a:r>
-            <a:r>
-              <a:rPr lang="pt-BR" b="1" dirty="0"/>
-              <a:t>/</a:t>
-            </a:r>
-          </a:p>
-        </p:txBody>
-      </p:sp>
-      <p:pic>
-        <p:nvPicPr>
-          <p:cNvPr id="7" name="Imagem 6">
-            <a:extLst>
-              <a:ext uri="{FF2B5EF4-FFF2-40B4-BE49-F238E27FC236}">
-                <a16:creationId xmlns:a16="http://schemas.microsoft.com/office/drawing/2014/main" id="{B9E25611-AC68-4ED6-8556-2C264DD80596}"/>
+                <a16:creationId xmlns:a16="http://schemas.microsoft.com/office/drawing/2014/main" id="{CA3F6D8C-6F86-4BD8-8652-795818E0E087}"/>
               </a:ext>
             </a:extLst>
           </p:cNvPr>
@@ -8843,20 +10194,27 @@
         </p:blipFill>
         <p:spPr>
           <a:xfrm>
-            <a:off x="923888" y="1678081"/>
-            <a:ext cx="10048568" cy="2682841"/>
+            <a:off x="3249120" y="3535524"/>
+            <a:ext cx="2038350" cy="1838325"/>
           </a:xfrm>
           <a:prstGeom prst="rect">
             <a:avLst/>
           </a:prstGeom>
+          <a:ln w="38100">
+            <a:solidFill>
+              <a:schemeClr val="accent6">
+                <a:lumMod val="50000"/>
+              </a:schemeClr>
+            </a:solidFill>
+          </a:ln>
         </p:spPr>
       </p:pic>
       <p:sp>
         <p:nvSpPr>
-          <p:cNvPr id="9" name="CaixaDeTexto 8">
+          <p:cNvPr id="6" name="CaixaDeTexto 5">
             <a:extLst>
               <a:ext uri="{FF2B5EF4-FFF2-40B4-BE49-F238E27FC236}">
-                <a16:creationId xmlns:a16="http://schemas.microsoft.com/office/drawing/2014/main" id="{D45B876D-4FC5-45AB-96D0-4F24F6905327}"/>
+                <a16:creationId xmlns:a16="http://schemas.microsoft.com/office/drawing/2014/main" id="{E79D1C39-63B2-410F-82EC-D49B50505B3C}"/>
               </a:ext>
             </a:extLst>
           </p:cNvPr>
@@ -8865,8 +10223,8 @@
         </p:nvSpPr>
         <p:spPr>
           <a:xfrm>
-            <a:off x="411480" y="381195"/>
-            <a:ext cx="11384280" cy="523220"/>
+            <a:off x="384048" y="381195"/>
+            <a:ext cx="11448000" cy="523220"/>
           </a:xfrm>
           <a:prstGeom prst="rect">
             <a:avLst/>
@@ -8889,6 +10247,53 @@
           <a:bodyPr wrap="square" rtlCol="0">
             <a:spAutoFit/>
           </a:bodyPr>
+          <a:lstStyle/>
+          <a:p>
+            <a:r>
+              <a:rPr lang="pt-BR" sz="2800" b="1" dirty="0"/>
+              <a:t> </a:t>
+            </a:r>
+          </a:p>
+        </p:txBody>
+      </p:sp>
+      <p:sp>
+        <p:nvSpPr>
+          <p:cNvPr id="3" name="CaixaDeTexto 2">
+            <a:extLst>
+              <a:ext uri="{FF2B5EF4-FFF2-40B4-BE49-F238E27FC236}">
+                <a16:creationId xmlns:a16="http://schemas.microsoft.com/office/drawing/2014/main" id="{6251EF5C-12DB-43DF-B0BE-60A9A5DFD404}"/>
+              </a:ext>
+            </a:extLst>
+          </p:cNvPr>
+          <p:cNvSpPr txBox="1"/>
+          <p:nvPr/>
+        </p:nvSpPr>
+        <p:spPr>
+          <a:xfrm>
+            <a:off x="411480" y="381195"/>
+            <a:ext cx="11384280" cy="523220"/>
+          </a:xfrm>
+          <a:prstGeom prst="rect">
+            <a:avLst/>
+          </a:prstGeom>
+          <a:solidFill>
+            <a:schemeClr val="tx2">
+              <a:lumMod val="60000"/>
+              <a:lumOff val="40000"/>
+            </a:schemeClr>
+          </a:solidFill>
+          <a:ln w="19050">
+            <a:solidFill>
+              <a:schemeClr val="accent1">
+                <a:lumMod val="75000"/>
+              </a:schemeClr>
+            </a:solidFill>
+          </a:ln>
+        </p:spPr>
+        <p:txBody>
+          <a:bodyPr wrap="square" rtlCol="0">
+            <a:spAutoFit/>
+          </a:bodyPr>
           <a:lstStyle>
             <a:defPPr rtl="0">
               <a:defRPr lang="pt-br"/>
@@ -8911,17 +10316,159 @@
                   </a:schemeClr>
                 </a:solidFill>
               </a:rPr>
-              <a:t>Etapa 4 – Gráficos </a:t>
+              <a:t>Etapa 4 – Processo de Calibração</a:t>
+            </a:r>
+          </a:p>
+        </p:txBody>
+      </p:sp>
+      <p:sp>
+        <p:nvSpPr>
+          <p:cNvPr id="18" name="Seta: Curva para Cima 17">
+            <a:extLst>
+              <a:ext uri="{FF2B5EF4-FFF2-40B4-BE49-F238E27FC236}">
+                <a16:creationId xmlns:a16="http://schemas.microsoft.com/office/drawing/2014/main" id="{90CF5E2A-B1F7-46E9-9C9F-8530FB76D7EF}"/>
+              </a:ext>
+            </a:extLst>
+          </p:cNvPr>
+          <p:cNvSpPr/>
+          <p:nvPr/>
+        </p:nvSpPr>
+        <p:spPr>
+          <a:xfrm rot="20780202" flipV="1">
+            <a:off x="4424529" y="2136295"/>
+            <a:ext cx="2635792" cy="1110138"/>
+          </a:xfrm>
+          <a:prstGeom prst="curvedUpArrow">
+            <a:avLst>
+              <a:gd name="adj1" fmla="val 32011"/>
+              <a:gd name="adj2" fmla="val 53874"/>
+              <a:gd name="adj3" fmla="val 31100"/>
+            </a:avLst>
+          </a:prstGeom>
+          <a:solidFill>
+            <a:schemeClr val="accent4"/>
+          </a:solidFill>
+          <a:ln>
+            <a:solidFill>
+              <a:schemeClr val="accent4">
+                <a:lumMod val="50000"/>
+              </a:schemeClr>
+            </a:solidFill>
+          </a:ln>
+        </p:spPr>
+        <p:style>
+          <a:lnRef idx="2">
+            <a:schemeClr val="accent1">
+              <a:shade val="50000"/>
+            </a:schemeClr>
+          </a:lnRef>
+          <a:fillRef idx="1">
+            <a:schemeClr val="accent1"/>
+          </a:fillRef>
+          <a:effectRef idx="0">
+            <a:schemeClr val="accent1"/>
+          </a:effectRef>
+          <a:fontRef idx="minor">
+            <a:schemeClr val="lt1"/>
+          </a:fontRef>
+        </p:style>
+        <p:txBody>
+          <a:bodyPr rtlCol="0" anchor="ctr"/>
+          <a:lstStyle/>
+          <a:p>
+            <a:pPr algn="ctr"/>
+            <a:endParaRPr lang="pt-BR" dirty="0">
+              <a:solidFill>
+                <a:schemeClr val="tx1"/>
+              </a:solidFill>
+            </a:endParaRPr>
+          </a:p>
+        </p:txBody>
+      </p:sp>
+      <p:sp>
+        <p:nvSpPr>
+          <p:cNvPr id="19" name="CaixaDeTexto 18">
+            <a:extLst>
+              <a:ext uri="{FF2B5EF4-FFF2-40B4-BE49-F238E27FC236}">
+                <a16:creationId xmlns:a16="http://schemas.microsoft.com/office/drawing/2014/main" id="{690F3E73-FD5D-4F8C-B6A5-20A9759D4E19}"/>
+              </a:ext>
+            </a:extLst>
+          </p:cNvPr>
+          <p:cNvSpPr txBox="1"/>
+          <p:nvPr/>
+        </p:nvSpPr>
+        <p:spPr>
+          <a:xfrm>
+            <a:off x="4600078" y="1224646"/>
+            <a:ext cx="6290504" cy="830997"/>
+          </a:xfrm>
+          <a:prstGeom prst="rect">
+            <a:avLst/>
+          </a:prstGeom>
+          <a:noFill/>
+        </p:spPr>
+        <p:txBody>
+          <a:bodyPr wrap="none" rtlCol="0">
+            <a:spAutoFit/>
+          </a:bodyPr>
+          <a:lstStyle/>
+          <a:p>
+            <a:pPr algn="ctr"/>
+            <a:r>
+              <a:rPr lang="pt-BR" sz="1600" b="1" dirty="0"/>
+              <a:t>Copiaria os dados da tabela “</a:t>
+            </a:r>
+            <a:r>
+              <a:rPr lang="pt-BR" sz="1600" b="1" dirty="0" err="1"/>
+              <a:t>application_predicao</a:t>
+            </a:r>
+            <a:r>
+              <a:rPr lang="pt-BR" sz="1600" b="1" dirty="0"/>
+              <a:t>” onde </a:t>
+            </a:r>
+          </a:p>
+          <a:p>
+            <a:pPr algn="ctr"/>
+            <a:r>
+              <a:rPr lang="pt-BR" sz="1600" b="1" dirty="0" err="1"/>
+              <a:t>tip_predicao</a:t>
+            </a:r>
+            <a:r>
+              <a:rPr lang="pt-BR" sz="1600" b="1" dirty="0"/>
+              <a:t> = </a:t>
+            </a:r>
+            <a:r>
+              <a:rPr lang="pt-BR" sz="1600" b="1" dirty="0" err="1"/>
+              <a:t>val_realpredicao</a:t>
+            </a:r>
+            <a:r>
+              <a:rPr lang="pt-BR" sz="1600" b="1" dirty="0"/>
+              <a:t>, para serem adicionados ao</a:t>
+            </a:r>
+          </a:p>
+          <a:p>
+            <a:pPr algn="ctr"/>
+            <a:r>
+              <a:rPr lang="pt-BR" sz="1600" b="1" dirty="0"/>
+              <a:t>Novo “Treino-Teste” em “</a:t>
+            </a:r>
+            <a:r>
+              <a:rPr lang="pt-BR" sz="1600" b="1" dirty="0" err="1"/>
+              <a:t>application_treinoteste</a:t>
+            </a:r>
+            <a:r>
+              <a:rPr lang="pt-BR" sz="1600" b="1" dirty="0"/>
+              <a:t>”</a:t>
             </a:r>
           </a:p>
         </p:txBody>
       </p:sp>
       <p:pic>
         <p:nvPicPr>
-          <p:cNvPr id="10" name="Imagem 9">
+          <p:cNvPr id="21" name="Imagem 20">
             <a:extLst>
               <a:ext uri="{FF2B5EF4-FFF2-40B4-BE49-F238E27FC236}">
-                <a16:creationId xmlns:a16="http://schemas.microsoft.com/office/drawing/2014/main" id="{1A0FA78B-1B36-42DE-8787-B62820D713DF}"/>
+                <a16:creationId xmlns:a16="http://schemas.microsoft.com/office/drawing/2014/main" id="{AE12B16E-A939-4530-B143-4FFAB2AF1584}"/>
               </a:ext>
             </a:extLst>
           </p:cNvPr>
@@ -8938,20 +10485,62 @@
         </p:blipFill>
         <p:spPr>
           <a:xfrm>
-            <a:off x="923888" y="4360922"/>
-            <a:ext cx="4141888" cy="1934120"/>
+            <a:off x="7745330" y="4932509"/>
+            <a:ext cx="3391363" cy="1233798"/>
           </a:xfrm>
           <a:prstGeom prst="rect">
             <a:avLst/>
           </a:prstGeom>
+          <a:ln w="38100">
+            <a:solidFill>
+              <a:schemeClr val="accent1">
+                <a:lumMod val="75000"/>
+              </a:schemeClr>
+            </a:solidFill>
+          </a:ln>
         </p:spPr>
       </p:pic>
+      <p:sp>
+        <p:nvSpPr>
+          <p:cNvPr id="22" name="CaixaDeTexto 21">
+            <a:extLst>
+              <a:ext uri="{FF2B5EF4-FFF2-40B4-BE49-F238E27FC236}">
+                <a16:creationId xmlns:a16="http://schemas.microsoft.com/office/drawing/2014/main" id="{41956274-508A-475D-985E-4F2D2340F5AE}"/>
+              </a:ext>
+            </a:extLst>
+          </p:cNvPr>
+          <p:cNvSpPr txBox="1"/>
+          <p:nvPr/>
+        </p:nvSpPr>
+        <p:spPr>
+          <a:xfrm>
+            <a:off x="8645374" y="4287445"/>
+            <a:ext cx="2757193" cy="584775"/>
+          </a:xfrm>
+          <a:prstGeom prst="rect">
+            <a:avLst/>
+          </a:prstGeom>
+          <a:noFill/>
+        </p:spPr>
+        <p:txBody>
+          <a:bodyPr wrap="square" rtlCol="0">
+            <a:spAutoFit/>
+          </a:bodyPr>
+          <a:lstStyle/>
+          <a:p>
+            <a:r>
+              <a:rPr lang="pt-BR" sz="1600" b="1" dirty="0"/>
+              <a:t>Analisar e criar um novo modelo de predição</a:t>
+            </a:r>
+          </a:p>
+        </p:txBody>
+      </p:sp>
       <p:pic>
         <p:nvPicPr>
-          <p:cNvPr id="11" name="Imagem 10">
+          <p:cNvPr id="29" name="Gráfico 28" descr="Engrenagens">
             <a:extLst>
               <a:ext uri="{FF2B5EF4-FFF2-40B4-BE49-F238E27FC236}">
-                <a16:creationId xmlns:a16="http://schemas.microsoft.com/office/drawing/2014/main" id="{F24AE4C9-2641-42E2-AFBC-79AC17C56CB5}"/>
+                <a16:creationId xmlns:a16="http://schemas.microsoft.com/office/drawing/2014/main" id="{051E8754-5FA8-4255-BD20-599066CDFAEF}"/>
               </a:ext>
             </a:extLst>
           </p:cNvPr>
@@ -8961,25 +10550,431 @@
           <p:nvPr/>
         </p:nvPicPr>
         <p:blipFill>
-          <a:blip r:embed="rId4"/>
+          <a:blip r:embed="rId4">
+            <a:extLst>
+              <a:ext uri="{28A0092B-C50C-407E-A947-70E740481C1C}">
+                <a14:useLocalDpi xmlns:a14="http://schemas.microsoft.com/office/drawing/2010/main" val="0"/>
+              </a:ext>
+              <a:ext uri="{96DAC541-7B7A-43D3-8B79-37D633B846F1}">
+                <asvg:svgBlip xmlns:asvg="http://schemas.microsoft.com/office/drawing/2016/SVG/main" r:embed="rId5"/>
+              </a:ext>
+            </a:extLst>
+          </a:blip>
           <a:stretch>
             <a:fillRect/>
           </a:stretch>
         </p:blipFill>
         <p:spPr>
           <a:xfrm>
-            <a:off x="7714906" y="4334488"/>
-            <a:ext cx="3257550" cy="1600200"/>
+            <a:off x="10865759" y="5709107"/>
+            <a:ext cx="914400" cy="914400"/>
           </a:xfrm>
           <a:prstGeom prst="rect">
             <a:avLst/>
           </a:prstGeom>
+        </p:spPr>
+      </p:pic>
+      <p:pic>
+        <p:nvPicPr>
+          <p:cNvPr id="31" name="Gráfico 30" descr="Engrenagens">
+            <a:extLst>
+              <a:ext uri="{FF2B5EF4-FFF2-40B4-BE49-F238E27FC236}">
+                <a16:creationId xmlns:a16="http://schemas.microsoft.com/office/drawing/2014/main" id="{7C2831CB-D5BA-48E7-9892-1F5E4785FB7E}"/>
+              </a:ext>
+            </a:extLst>
+          </p:cNvPr>
+          <p:cNvPicPr>
+            <a:picLocks noChangeAspect="1"/>
+          </p:cNvPicPr>
+          <p:nvPr/>
+        </p:nvPicPr>
+        <p:blipFill>
+          <a:blip r:embed="rId4">
+            <a:extLst>
+              <a:ext uri="{28A0092B-C50C-407E-A947-70E740481C1C}">
+                <a14:useLocalDpi xmlns:a14="http://schemas.microsoft.com/office/drawing/2010/main" val="0"/>
+              </a:ext>
+              <a:ext uri="{96DAC541-7B7A-43D3-8B79-37D633B846F1}">
+                <asvg:svgBlip xmlns:asvg="http://schemas.microsoft.com/office/drawing/2016/SVG/main" r:embed="rId5"/>
+              </a:ext>
+            </a:extLst>
+          </a:blip>
+          <a:stretch>
+            <a:fillRect/>
+          </a:stretch>
+        </p:blipFill>
+        <p:spPr>
+          <a:xfrm>
+            <a:off x="7092671" y="4872220"/>
+            <a:ext cx="914400" cy="914400"/>
+          </a:xfrm>
+          <a:prstGeom prst="rect">
+            <a:avLst/>
+          </a:prstGeom>
+        </p:spPr>
+      </p:pic>
+      <p:sp>
+        <p:nvSpPr>
+          <p:cNvPr id="32" name="CaixaDeTexto 31">
+            <a:extLst>
+              <a:ext uri="{FF2B5EF4-FFF2-40B4-BE49-F238E27FC236}">
+                <a16:creationId xmlns:a16="http://schemas.microsoft.com/office/drawing/2014/main" id="{634074D4-B3BD-4FD4-A915-88BCCBBDA45E}"/>
+              </a:ext>
+            </a:extLst>
+          </p:cNvPr>
+          <p:cNvSpPr txBox="1"/>
+          <p:nvPr/>
+        </p:nvSpPr>
+        <p:spPr>
+          <a:xfrm>
+            <a:off x="4491752" y="1197976"/>
+            <a:ext cx="377026" cy="369332"/>
+          </a:xfrm>
+          <a:prstGeom prst="rect">
+            <a:avLst/>
+          </a:prstGeom>
+          <a:noFill/>
+        </p:spPr>
+        <p:txBody>
+          <a:bodyPr wrap="none" rtlCol="0">
+            <a:spAutoFit/>
+          </a:bodyPr>
+          <a:lstStyle/>
+          <a:p>
+            <a:r>
+              <a:rPr lang="pt-BR" b="1" dirty="0"/>
+              <a:t>2.</a:t>
+            </a:r>
+          </a:p>
+        </p:txBody>
+      </p:sp>
+      <p:sp>
+        <p:nvSpPr>
+          <p:cNvPr id="34" name="CaixaDeTexto 33">
+            <a:extLst>
+              <a:ext uri="{FF2B5EF4-FFF2-40B4-BE49-F238E27FC236}">
+                <a16:creationId xmlns:a16="http://schemas.microsoft.com/office/drawing/2014/main" id="{C01FA207-8C7E-4355-BD84-53FB746FBBCC}"/>
+              </a:ext>
+            </a:extLst>
+          </p:cNvPr>
+          <p:cNvSpPr txBox="1"/>
+          <p:nvPr/>
+        </p:nvSpPr>
+        <p:spPr>
+          <a:xfrm>
+            <a:off x="8645374" y="4042490"/>
+            <a:ext cx="377026" cy="369332"/>
+          </a:xfrm>
+          <a:prstGeom prst="rect">
+            <a:avLst/>
+          </a:prstGeom>
+          <a:noFill/>
+        </p:spPr>
+        <p:txBody>
+          <a:bodyPr wrap="none" rtlCol="0">
+            <a:spAutoFit/>
+          </a:bodyPr>
+          <a:lstStyle/>
+          <a:p>
+            <a:r>
+              <a:rPr lang="pt-BR" b="1" dirty="0"/>
+              <a:t>3.</a:t>
+            </a:r>
+          </a:p>
+        </p:txBody>
+      </p:sp>
+      <p:pic>
+        <p:nvPicPr>
+          <p:cNvPr id="38" name="Gráfico 37" descr="Gráfico de barras">
+            <a:extLst>
+              <a:ext uri="{FF2B5EF4-FFF2-40B4-BE49-F238E27FC236}">
+                <a16:creationId xmlns:a16="http://schemas.microsoft.com/office/drawing/2014/main" id="{ACD9AFBE-2ABB-4E7A-8254-07F5897FD01B}"/>
+              </a:ext>
+            </a:extLst>
+          </p:cNvPr>
+          <p:cNvPicPr>
+            <a:picLocks noChangeAspect="1"/>
+          </p:cNvPicPr>
+          <p:nvPr/>
+        </p:nvPicPr>
+        <p:blipFill>
+          <a:blip r:embed="rId6">
+            <a:extLst>
+              <a:ext uri="{28A0092B-C50C-407E-A947-70E740481C1C}">
+                <a14:useLocalDpi xmlns:a14="http://schemas.microsoft.com/office/drawing/2010/main" val="0"/>
+              </a:ext>
+              <a:ext uri="{96DAC541-7B7A-43D3-8B79-37D633B846F1}">
+                <asvg:svgBlip xmlns:asvg="http://schemas.microsoft.com/office/drawing/2016/SVG/main" r:embed="rId7"/>
+              </a:ext>
+            </a:extLst>
+          </a:blip>
+          <a:stretch>
+            <a:fillRect/>
+          </a:stretch>
+        </p:blipFill>
+        <p:spPr>
+          <a:xfrm>
+            <a:off x="527658" y="2813755"/>
+            <a:ext cx="914400" cy="914400"/>
+          </a:xfrm>
+          <a:prstGeom prst="rect">
+            <a:avLst/>
+          </a:prstGeom>
+        </p:spPr>
+      </p:pic>
+      <p:pic>
+        <p:nvPicPr>
+          <p:cNvPr id="40" name="Gráfico 39" descr="Gráfico de pizza">
+            <a:extLst>
+              <a:ext uri="{FF2B5EF4-FFF2-40B4-BE49-F238E27FC236}">
+                <a16:creationId xmlns:a16="http://schemas.microsoft.com/office/drawing/2014/main" id="{83377518-2FAC-4777-AC88-698301415D63}"/>
+              </a:ext>
+            </a:extLst>
+          </p:cNvPr>
+          <p:cNvPicPr>
+            <a:picLocks noChangeAspect="1"/>
+          </p:cNvPicPr>
+          <p:nvPr/>
+        </p:nvPicPr>
+        <p:blipFill>
+          <a:blip r:embed="rId8">
+            <a:extLst>
+              <a:ext uri="{28A0092B-C50C-407E-A947-70E740481C1C}">
+                <a14:useLocalDpi xmlns:a14="http://schemas.microsoft.com/office/drawing/2010/main" val="0"/>
+              </a:ext>
+              <a:ext uri="{96DAC541-7B7A-43D3-8B79-37D633B846F1}">
+                <asvg:svgBlip xmlns:asvg="http://schemas.microsoft.com/office/drawing/2016/SVG/main" r:embed="rId9"/>
+              </a:ext>
+            </a:extLst>
+          </a:blip>
+          <a:stretch>
+            <a:fillRect/>
+          </a:stretch>
+        </p:blipFill>
+        <p:spPr>
+          <a:xfrm>
+            <a:off x="1316718" y="2583706"/>
+            <a:ext cx="914400" cy="914400"/>
+          </a:xfrm>
+          <a:prstGeom prst="rect">
+            <a:avLst/>
+          </a:prstGeom>
+        </p:spPr>
+      </p:pic>
+      <p:pic>
+        <p:nvPicPr>
+          <p:cNvPr id="42" name="Gráfico 41" descr="Apresentação com gráfico de barras">
+            <a:extLst>
+              <a:ext uri="{FF2B5EF4-FFF2-40B4-BE49-F238E27FC236}">
+                <a16:creationId xmlns:a16="http://schemas.microsoft.com/office/drawing/2014/main" id="{BFE3DA8E-CC28-49A6-831B-3E52F1ECA429}"/>
+              </a:ext>
+            </a:extLst>
+          </p:cNvPr>
+          <p:cNvPicPr>
+            <a:picLocks noChangeAspect="1"/>
+          </p:cNvPicPr>
+          <p:nvPr/>
+        </p:nvPicPr>
+        <p:blipFill>
+          <a:blip r:embed="rId10">
+            <a:extLst>
+              <a:ext uri="{28A0092B-C50C-407E-A947-70E740481C1C}">
+                <a14:useLocalDpi xmlns:a14="http://schemas.microsoft.com/office/drawing/2010/main" val="0"/>
+              </a:ext>
+              <a:ext uri="{96DAC541-7B7A-43D3-8B79-37D633B846F1}">
+                <asvg:svgBlip xmlns:asvg="http://schemas.microsoft.com/office/drawing/2016/SVG/main" r:embed="rId11"/>
+              </a:ext>
+            </a:extLst>
+          </a:blip>
+          <a:stretch>
+            <a:fillRect/>
+          </a:stretch>
+        </p:blipFill>
+        <p:spPr>
+          <a:xfrm>
+            <a:off x="1316718" y="3695366"/>
+            <a:ext cx="914400" cy="914400"/>
+          </a:xfrm>
+          <a:prstGeom prst="rect">
+            <a:avLst/>
+          </a:prstGeom>
+        </p:spPr>
+      </p:pic>
+      <p:sp>
+        <p:nvSpPr>
+          <p:cNvPr id="45" name="CaixaDeTexto 44">
+            <a:extLst>
+              <a:ext uri="{FF2B5EF4-FFF2-40B4-BE49-F238E27FC236}">
+                <a16:creationId xmlns:a16="http://schemas.microsoft.com/office/drawing/2014/main" id="{C88B9DB8-220D-4EDC-AFE2-69D749A82DA9}"/>
+              </a:ext>
+            </a:extLst>
+          </p:cNvPr>
+          <p:cNvSpPr txBox="1"/>
+          <p:nvPr/>
+        </p:nvSpPr>
+        <p:spPr>
+          <a:xfrm>
+            <a:off x="577451" y="1582476"/>
+            <a:ext cx="2040618" cy="923330"/>
+          </a:xfrm>
+          <a:prstGeom prst="rect">
+            <a:avLst/>
+          </a:prstGeom>
+          <a:noFill/>
+        </p:spPr>
+        <p:txBody>
+          <a:bodyPr wrap="square" rtlCol="0">
+            <a:spAutoFit/>
+          </a:bodyPr>
+          <a:lstStyle/>
+          <a:p>
+            <a:pPr marL="342900" indent="-342900">
+              <a:buAutoNum type="arabicPeriod"/>
+            </a:pPr>
+            <a:r>
+              <a:rPr lang="pt-BR" b="1" dirty="0"/>
+              <a:t>Análise dos Relatórios </a:t>
+            </a:r>
+          </a:p>
+          <a:p>
+            <a:r>
+              <a:rPr lang="pt-BR" b="1" dirty="0"/>
+              <a:t>     Estatísticos</a:t>
+            </a:r>
+          </a:p>
+        </p:txBody>
+      </p:sp>
+      <p:pic>
+        <p:nvPicPr>
+          <p:cNvPr id="48" name="Gráfico 47" descr="Reunião">
+            <a:extLst>
+              <a:ext uri="{FF2B5EF4-FFF2-40B4-BE49-F238E27FC236}">
+                <a16:creationId xmlns:a16="http://schemas.microsoft.com/office/drawing/2014/main" id="{312F5A67-944B-40C0-9C09-88524EAA1900}"/>
+              </a:ext>
+            </a:extLst>
+          </p:cNvPr>
+          <p:cNvPicPr>
+            <a:picLocks noChangeAspect="1"/>
+          </p:cNvPicPr>
+          <p:nvPr/>
+        </p:nvPicPr>
+        <p:blipFill>
+          <a:blip r:embed="rId12">
+            <a:extLst>
+              <a:ext uri="{28A0092B-C50C-407E-A947-70E740481C1C}">
+                <a14:useLocalDpi xmlns:a14="http://schemas.microsoft.com/office/drawing/2010/main" val="0"/>
+              </a:ext>
+              <a:ext uri="{96DAC541-7B7A-43D3-8B79-37D633B846F1}">
+                <asvg:svgBlip xmlns:asvg="http://schemas.microsoft.com/office/drawing/2016/SVG/main" r:embed="rId13"/>
+              </a:ext>
+            </a:extLst>
+          </a:blip>
+          <a:stretch>
+            <a:fillRect/>
+          </a:stretch>
+        </p:blipFill>
+        <p:spPr>
+          <a:xfrm>
+            <a:off x="596432" y="4361124"/>
+            <a:ext cx="914400" cy="914400"/>
+          </a:xfrm>
+          <a:prstGeom prst="rect">
+            <a:avLst/>
+          </a:prstGeom>
+        </p:spPr>
+      </p:pic>
+      <p:sp>
+        <p:nvSpPr>
+          <p:cNvPr id="49" name="Seta: para a Direita 48">
+            <a:extLst>
+              <a:ext uri="{FF2B5EF4-FFF2-40B4-BE49-F238E27FC236}">
+                <a16:creationId xmlns:a16="http://schemas.microsoft.com/office/drawing/2014/main" id="{9D8C9EC5-0439-44B6-B052-98722B51F63B}"/>
+              </a:ext>
+            </a:extLst>
+          </p:cNvPr>
+          <p:cNvSpPr/>
+          <p:nvPr/>
+        </p:nvSpPr>
+        <p:spPr>
+          <a:xfrm>
+            <a:off x="2460060" y="3611880"/>
+            <a:ext cx="775492" cy="430610"/>
+          </a:xfrm>
+          <a:prstGeom prst="rightArrow">
+            <a:avLst/>
+          </a:prstGeom>
+          <a:solidFill>
+            <a:schemeClr val="accent4">
+              <a:lumMod val="75000"/>
+            </a:schemeClr>
+          </a:solidFill>
+        </p:spPr>
+        <p:style>
+          <a:lnRef idx="2">
+            <a:schemeClr val="accent1">
+              <a:shade val="50000"/>
+            </a:schemeClr>
+          </a:lnRef>
+          <a:fillRef idx="1">
+            <a:schemeClr val="accent1"/>
+          </a:fillRef>
+          <a:effectRef idx="0">
+            <a:schemeClr val="accent1"/>
+          </a:effectRef>
+          <a:fontRef idx="minor">
+            <a:schemeClr val="lt1"/>
+          </a:fontRef>
+        </p:style>
+        <p:txBody>
+          <a:bodyPr rtlCol="0" anchor="ctr"/>
+          <a:lstStyle/>
+          <a:p>
+            <a:pPr algn="ctr"/>
+            <a:endParaRPr lang="pt-BR"/>
+          </a:p>
+        </p:txBody>
+      </p:sp>
+      <p:pic>
+        <p:nvPicPr>
+          <p:cNvPr id="5" name="Imagem 4">
+            <a:extLst>
+              <a:ext uri="{FF2B5EF4-FFF2-40B4-BE49-F238E27FC236}">
+                <a16:creationId xmlns:a16="http://schemas.microsoft.com/office/drawing/2014/main" id="{FC9BDBA7-C448-40F3-B9B1-6D18FF204AA1}"/>
+              </a:ext>
+            </a:extLst>
+          </p:cNvPr>
+          <p:cNvPicPr>
+            <a:picLocks noChangeAspect="1"/>
+          </p:cNvPicPr>
+          <p:nvPr/>
+        </p:nvPicPr>
+        <p:blipFill>
+          <a:blip r:embed="rId14"/>
+          <a:stretch>
+            <a:fillRect/>
+          </a:stretch>
+        </p:blipFill>
+        <p:spPr>
+          <a:xfrm>
+            <a:off x="6568796" y="3104837"/>
+            <a:ext cx="1962150" cy="1600200"/>
+          </a:xfrm>
+          <a:prstGeom prst="rect">
+            <a:avLst/>
+          </a:prstGeom>
+          <a:ln w="38100">
+            <a:solidFill>
+              <a:schemeClr val="accent6">
+                <a:lumMod val="50000"/>
+              </a:schemeClr>
+            </a:solidFill>
+          </a:ln>
         </p:spPr>
       </p:pic>
     </p:spTree>
     <p:extLst>
       <p:ext uri="{BB962C8B-B14F-4D97-AF65-F5344CB8AC3E}">
-        <p14:creationId xmlns:p14="http://schemas.microsoft.com/office/powerpoint/2010/main" val="2632769767"/>
+        <p14:creationId xmlns:p14="http://schemas.microsoft.com/office/powerpoint/2010/main" val="3365787339"/>
       </p:ext>
     </p:extLst>
   </p:cSld>
@@ -8990,6 +10985,164 @@
 </file>
 
 <file path=ppt/slides/slide17.xml><?xml version="1.0" encoding="utf-8"?>
+<p:sld xmlns:a="http://schemas.openxmlformats.org/drawingml/2006/main" xmlns:r="http://schemas.openxmlformats.org/officeDocument/2006/relationships" xmlns:p="http://schemas.openxmlformats.org/presentationml/2006/main">
+  <p:cSld>
+    <p:spTree>
+      <p:nvGrpSpPr>
+        <p:cNvPr id="1" name=""/>
+        <p:cNvGrpSpPr/>
+        <p:nvPr/>
+      </p:nvGrpSpPr>
+      <p:grpSpPr>
+        <a:xfrm>
+          <a:off x="0" y="0"/>
+          <a:ext cx="0" cy="0"/>
+          <a:chOff x="0" y="0"/>
+          <a:chExt cx="0" cy="0"/>
+        </a:xfrm>
+      </p:grpSpPr>
+      <p:sp>
+        <p:nvSpPr>
+          <p:cNvPr id="20" name="CaixaDeTexto 19">
+            <a:extLst>
+              <a:ext uri="{FF2B5EF4-FFF2-40B4-BE49-F238E27FC236}">
+                <a16:creationId xmlns:a16="http://schemas.microsoft.com/office/drawing/2014/main" id="{B5BD91E4-A18C-40FC-9C73-2BE3B3F9EB77}"/>
+              </a:ext>
+            </a:extLst>
+          </p:cNvPr>
+          <p:cNvSpPr txBox="1"/>
+          <p:nvPr/>
+        </p:nvSpPr>
+        <p:spPr>
+          <a:xfrm>
+            <a:off x="384048" y="381195"/>
+            <a:ext cx="11448000" cy="523220"/>
+          </a:xfrm>
+          <a:prstGeom prst="rect">
+            <a:avLst/>
+          </a:prstGeom>
+          <a:solidFill>
+            <a:schemeClr val="tx2">
+              <a:lumMod val="60000"/>
+              <a:lumOff val="40000"/>
+            </a:schemeClr>
+          </a:solidFill>
+          <a:ln w="19050">
+            <a:solidFill>
+              <a:schemeClr val="accent1">
+                <a:lumMod val="75000"/>
+              </a:schemeClr>
+            </a:solidFill>
+          </a:ln>
+        </p:spPr>
+        <p:txBody>
+          <a:bodyPr wrap="square" rtlCol="0">
+            <a:spAutoFit/>
+          </a:bodyPr>
+          <a:lstStyle>
+            <a:defPPr rtl="0">
+              <a:defRPr lang="pt-br"/>
+            </a:defPPr>
+            <a:lvl1pPr>
+              <a:defRPr sz="2800" b="1"/>
+            </a:lvl1pPr>
+          </a:lstStyle>
+          <a:p>
+            <a:r>
+              <a:rPr lang="pt-BR" dirty="0"/>
+              <a:t>Melhorias</a:t>
+            </a:r>
+          </a:p>
+        </p:txBody>
+      </p:sp>
+      <p:sp>
+        <p:nvSpPr>
+          <p:cNvPr id="5" name="CaixaDeTexto 4">
+            <a:extLst>
+              <a:ext uri="{FF2B5EF4-FFF2-40B4-BE49-F238E27FC236}">
+                <a16:creationId xmlns:a16="http://schemas.microsoft.com/office/drawing/2014/main" id="{C8DAD7AA-97A7-44B8-B302-8F0A5BF37E36}"/>
+              </a:ext>
+            </a:extLst>
+          </p:cNvPr>
+          <p:cNvSpPr txBox="1"/>
+          <p:nvPr/>
+        </p:nvSpPr>
+        <p:spPr>
+          <a:xfrm>
+            <a:off x="714300" y="1098264"/>
+            <a:ext cx="10763399" cy="1880451"/>
+          </a:xfrm>
+          <a:prstGeom prst="rect">
+            <a:avLst/>
+          </a:prstGeom>
+          <a:noFill/>
+        </p:spPr>
+        <p:txBody>
+          <a:bodyPr wrap="square">
+            <a:spAutoFit/>
+          </a:bodyPr>
+          <a:lstStyle/>
+          <a:p>
+            <a:pPr marL="285750" indent="-285750" algn="just">
+              <a:lnSpc>
+                <a:spcPct val="150000"/>
+              </a:lnSpc>
+              <a:spcBef>
+                <a:spcPts val="0"/>
+              </a:spcBef>
+              <a:buFontTx/>
+              <a:buChar char="-"/>
+            </a:pPr>
+            <a:r>
+              <a:rPr lang="pt-BR" sz="2000" dirty="0"/>
+              <a:t>Desenvolver novos gráficos </a:t>
+            </a:r>
+          </a:p>
+          <a:p>
+            <a:pPr marL="285750" indent="-285750" algn="just">
+              <a:lnSpc>
+                <a:spcPct val="150000"/>
+              </a:lnSpc>
+              <a:spcBef>
+                <a:spcPts val="0"/>
+              </a:spcBef>
+              <a:buFontTx/>
+              <a:buChar char="-"/>
+            </a:pPr>
+            <a:r>
+              <a:rPr lang="pt-BR" sz="2000" dirty="0"/>
+              <a:t>Automatizar a coleta de dados da validação do cliente quanto a predição realizada</a:t>
+            </a:r>
+          </a:p>
+          <a:p>
+            <a:pPr marL="285750" indent="-285750" algn="just">
+              <a:lnSpc>
+                <a:spcPct val="150000"/>
+              </a:lnSpc>
+              <a:spcBef>
+                <a:spcPts val="0"/>
+              </a:spcBef>
+              <a:buFontTx/>
+              <a:buChar char="-"/>
+            </a:pPr>
+            <a:endParaRPr lang="pt-BR" sz="2000" dirty="0"/>
+          </a:p>
+        </p:txBody>
+      </p:sp>
+    </p:spTree>
+    <p:extLst>
+      <p:ext uri="{BB962C8B-B14F-4D97-AF65-F5344CB8AC3E}">
+        <p14:creationId xmlns:p14="http://schemas.microsoft.com/office/powerpoint/2010/main" val="744660139"/>
+      </p:ext>
+    </p:extLst>
+  </p:cSld>
+  <p:clrMapOvr>
+    <a:masterClrMapping/>
+  </p:clrMapOvr>
+</p:sld>
+</file>
+
+<file path=ppt/slides/slide18.xml><?xml version="1.0" encoding="utf-8"?>
 <p:sld xmlns:a="http://schemas.openxmlformats.org/drawingml/2006/main" xmlns:r="http://schemas.openxmlformats.org/officeDocument/2006/relationships" xmlns:p="http://schemas.openxmlformats.org/presentationml/2006/main">
   <p:cSld>
     <p:spTree>
@@ -9177,8 +11330,8 @@
         </p:nvSpPr>
         <p:spPr>
           <a:xfrm>
-            <a:off x="1143000" y="1197864"/>
-            <a:ext cx="10469880" cy="4727448"/>
+            <a:off x="924497" y="1151303"/>
+            <a:ext cx="10469880" cy="5450665"/>
           </a:xfrm>
         </p:spPr>
         <p:txBody>
@@ -9188,54 +11341,136 @@
           <a:lstStyle/>
           <a:p>
             <a:r>
-              <a:rPr lang="pt-BR" b="1" dirty="0"/>
+              <a:rPr lang="pt-BR" b="1" dirty="0">
+                <a:solidFill>
+                  <a:schemeClr val="tx1"/>
+                </a:solidFill>
+              </a:rPr>
               <a:t>1. Introdução</a:t>
             </a:r>
             <a:br>
-              <a:rPr lang="pt-BR" b="1" dirty="0"/>
+              <a:rPr lang="pt-BR" b="1" dirty="0">
+                <a:solidFill>
+                  <a:schemeClr val="tx1"/>
+                </a:solidFill>
+              </a:rPr>
             </a:br>
             <a:br>
-              <a:rPr lang="pt-BR" b="1" dirty="0"/>
+              <a:rPr lang="pt-BR" b="1" dirty="0">
+                <a:solidFill>
+                  <a:schemeClr val="tx1"/>
+                </a:solidFill>
+              </a:rPr>
             </a:br>
             <a:r>
-              <a:rPr lang="pt-BR" b="1" dirty="0"/>
+              <a:rPr lang="pt-BR" b="1" dirty="0">
+                <a:solidFill>
+                  <a:schemeClr val="tx1"/>
+                </a:solidFill>
+              </a:rPr>
               <a:t>2. Fases do Projeto </a:t>
             </a:r>
             <a:br>
-              <a:rPr lang="pt-BR" b="1" dirty="0"/>
+              <a:rPr lang="pt-BR" b="1" dirty="0">
+                <a:solidFill>
+                  <a:schemeClr val="tx1"/>
+                </a:solidFill>
+              </a:rPr>
             </a:br>
             <a:br>
-              <a:rPr lang="pt-BR" b="1" dirty="0"/>
+              <a:rPr lang="pt-BR" b="1" dirty="0">
+                <a:solidFill>
+                  <a:schemeClr val="tx1"/>
+                </a:solidFill>
+              </a:rPr>
             </a:br>
             <a:r>
-              <a:rPr lang="pt-BR" b="1" dirty="0"/>
+              <a:rPr lang="pt-BR" b="1" dirty="0">
+                <a:solidFill>
+                  <a:schemeClr val="tx1"/>
+                </a:solidFill>
+              </a:rPr>
               <a:t>	Análise e criação do modelo de predição</a:t>
             </a:r>
             <a:br>
-              <a:rPr lang="pt-BR" b="1" dirty="0"/>
+              <a:rPr lang="pt-BR" b="1" dirty="0">
+                <a:solidFill>
+                  <a:schemeClr val="tx1"/>
+                </a:solidFill>
+              </a:rPr>
             </a:br>
             <a:br>
-              <a:rPr lang="pt-BR" b="1" dirty="0"/>
+              <a:rPr lang="pt-BR" b="1" dirty="0">
+                <a:solidFill>
+                  <a:schemeClr val="tx1"/>
+                </a:solidFill>
+              </a:rPr>
             </a:br>
             <a:r>
-              <a:rPr lang="pt-BR" b="1" dirty="0"/>
+              <a:rPr lang="pt-BR" b="1" dirty="0">
+                <a:solidFill>
+                  <a:schemeClr val="tx1"/>
+                </a:solidFill>
+              </a:rPr>
               <a:t>	Operação do modelo de predição</a:t>
             </a:r>
             <a:br>
-              <a:rPr lang="pt-BR" b="1" dirty="0"/>
+              <a:rPr lang="pt-BR" b="1" dirty="0">
+                <a:solidFill>
+                  <a:schemeClr val="tx1"/>
+                </a:solidFill>
+              </a:rPr>
             </a:br>
             <a:br>
-              <a:rPr lang="pt-BR" b="1" dirty="0"/>
+              <a:rPr lang="pt-BR" b="1" dirty="0">
+                <a:solidFill>
+                  <a:schemeClr val="tx1"/>
+                </a:solidFill>
+              </a:rPr>
             </a:br>
             <a:r>
-              <a:rPr lang="pt-BR" b="1" dirty="0"/>
+              <a:rPr lang="pt-BR" b="1" dirty="0">
+                <a:solidFill>
+                  <a:schemeClr val="tx1"/>
+                </a:solidFill>
+              </a:rPr>
               <a:t>	Visualização dos resultados</a:t>
             </a:r>
             <a:br>
-              <a:rPr lang="pt-BR" b="1" dirty="0"/>
+              <a:rPr lang="pt-BR" b="1" dirty="0">
+                <a:solidFill>
+                  <a:schemeClr val="tx1"/>
+                </a:solidFill>
+              </a:rPr>
             </a:br>
-            <a:r>
-              <a:rPr lang="pt-BR" dirty="0"/>
+            <a:br>
+              <a:rPr lang="pt-BR" b="1" dirty="0">
+                <a:solidFill>
+                  <a:schemeClr val="tx1"/>
+                </a:solidFill>
+              </a:rPr>
+            </a:br>
+            <a:r>
+              <a:rPr lang="pt-BR" b="1" dirty="0">
+                <a:solidFill>
+                  <a:schemeClr val="tx1"/>
+                </a:solidFill>
+              </a:rPr>
+              <a:t>3. Melhorias</a:t>
+            </a:r>
+            <a:br>
+              <a:rPr lang="pt-BR" b="1" dirty="0">
+                <a:solidFill>
+                  <a:schemeClr val="tx1"/>
+                </a:solidFill>
+              </a:rPr>
+            </a:br>
+            <a:r>
+              <a:rPr lang="pt-BR" dirty="0">
+                <a:solidFill>
+                  <a:schemeClr val="tx1"/>
+                </a:solidFill>
+              </a:rPr>
               <a:t> </a:t>
             </a:r>
           </a:p>
@@ -9310,7 +11545,7 @@
         </p:blipFill>
         <p:spPr>
           <a:xfrm>
-            <a:off x="1143000" y="2837688"/>
+            <a:off x="991345" y="2746629"/>
             <a:ext cx="811720" cy="811720"/>
           </a:xfrm>
           <a:prstGeom prst="rect">
@@ -9340,7 +11575,7 @@
         </p:blipFill>
         <p:spPr>
           <a:xfrm>
-            <a:off x="1143000" y="3820190"/>
+            <a:off x="991345" y="3689535"/>
             <a:ext cx="826753" cy="811721"/>
           </a:xfrm>
           <a:prstGeom prst="rect">
@@ -9370,7 +11605,7 @@
         </p:blipFill>
         <p:spPr>
           <a:xfrm>
-            <a:off x="1158033" y="4793123"/>
+            <a:off x="991346" y="4632442"/>
             <a:ext cx="826752" cy="826752"/>
           </a:xfrm>
           <a:prstGeom prst="rect">
@@ -10624,7 +12859,7 @@
           <p:nvPr>
             <p:extLst>
               <p:ext uri="{D42A27DB-BD31-4B8C-83A1-F6EECF244321}">
-                <p14:modId xmlns:p14="http://schemas.microsoft.com/office/powerpoint/2010/main" val="3389292521"/>
+                <p14:modId xmlns:p14="http://schemas.microsoft.com/office/powerpoint/2010/main" val="3325439015"/>
               </p:ext>
             </p:extLst>
           </p:nvPr>
@@ -12050,35 +14285,7 @@
                             <a:schemeClr val="dk1"/>
                           </a:solidFill>
                         </a:rPr>
-                        <a:t> dos dados</a:t>
-                      </a:r>
-                    </a:p>
-                    <a:p>
-                      <a:pPr marL="0" indent="0">
-                        <a:buFont typeface="Wingdings" panose="05000000000000000000" pitchFamily="2" charset="2"/>
-                        <a:buNone/>
-                      </a:pPr>
-                      <a:r>
-                        <a:rPr lang="pt-BR" sz="1200" b="1" kern="1200" dirty="0">
-                          <a:solidFill>
-                            <a:schemeClr val="dk1"/>
-                          </a:solidFill>
-                        </a:rPr>
-                        <a:t>E resultados para </a:t>
-                      </a:r>
-                    </a:p>
-                    <a:p>
-                      <a:pPr marL="0" indent="0">
-                        <a:buFont typeface="Wingdings" panose="05000000000000000000" pitchFamily="2" charset="2"/>
-                        <a:buNone/>
-                      </a:pPr>
-                      <a:r>
-                        <a:rPr lang="pt-BR" sz="1200" b="1" kern="1200" dirty="0">
-                          <a:solidFill>
-                            <a:schemeClr val="dk1"/>
-                          </a:solidFill>
-                        </a:rPr>
-                        <a:t>Base de dados</a:t>
+                        <a:t> dos dados E resultados para  Base de dados</a:t>
                       </a:r>
                       <a:endParaRPr lang="pt-BR" sz="1200" b="1" kern="1200" dirty="0">
                         <a:solidFill>
@@ -12102,113 +14309,6 @@
           </a:graphicData>
         </a:graphic>
       </p:graphicFrame>
-      <p:pic>
-        <p:nvPicPr>
-          <p:cNvPr id="15" name="Imagem 14">
-            <a:extLst>
-              <a:ext uri="{FF2B5EF4-FFF2-40B4-BE49-F238E27FC236}">
-                <a16:creationId xmlns:a16="http://schemas.microsoft.com/office/drawing/2014/main" id="{A53C5675-E10C-4E72-B541-AF2FABA2F052}"/>
-              </a:ext>
-            </a:extLst>
-          </p:cNvPr>
-          <p:cNvPicPr>
-            <a:picLocks noChangeAspect="1"/>
-          </p:cNvPicPr>
-          <p:nvPr/>
-        </p:nvPicPr>
-        <p:blipFill>
-          <a:blip r:embed="rId2"/>
-          <a:stretch>
-            <a:fillRect/>
-          </a:stretch>
-        </p:blipFill>
-        <p:spPr>
-          <a:xfrm>
-            <a:off x="9360408" y="4675741"/>
-            <a:ext cx="2435496" cy="1686120"/>
-          </a:xfrm>
-          <a:prstGeom prst="rect">
-            <a:avLst/>
-          </a:prstGeom>
-          <a:ln w="28575">
-            <a:solidFill>
-              <a:schemeClr val="bg2">
-                <a:lumMod val="25000"/>
-              </a:schemeClr>
-            </a:solidFill>
-          </a:ln>
-        </p:spPr>
-      </p:pic>
-      <p:pic>
-        <p:nvPicPr>
-          <p:cNvPr id="16" name="Imagem 15">
-            <a:extLst>
-              <a:ext uri="{FF2B5EF4-FFF2-40B4-BE49-F238E27FC236}">
-                <a16:creationId xmlns:a16="http://schemas.microsoft.com/office/drawing/2014/main" id="{2346C819-30A3-4CA0-8DF4-EE516915A249}"/>
-              </a:ext>
-            </a:extLst>
-          </p:cNvPr>
-          <p:cNvPicPr>
-            <a:picLocks noChangeAspect="1"/>
-          </p:cNvPicPr>
-          <p:nvPr/>
-        </p:nvPicPr>
-        <p:blipFill>
-          <a:blip r:embed="rId3"/>
-          <a:stretch>
-            <a:fillRect/>
-          </a:stretch>
-        </p:blipFill>
-        <p:spPr>
-          <a:xfrm>
-            <a:off x="6537960" y="5424691"/>
-            <a:ext cx="2776728" cy="937170"/>
-          </a:xfrm>
-          <a:prstGeom prst="rect">
-            <a:avLst/>
-          </a:prstGeom>
-          <a:ln w="28575">
-            <a:solidFill>
-              <a:schemeClr val="tx1"/>
-            </a:solidFill>
-          </a:ln>
-        </p:spPr>
-      </p:pic>
-      <p:sp>
-        <p:nvSpPr>
-          <p:cNvPr id="17" name="CaixaDeTexto 16">
-            <a:extLst>
-              <a:ext uri="{FF2B5EF4-FFF2-40B4-BE49-F238E27FC236}">
-                <a16:creationId xmlns:a16="http://schemas.microsoft.com/office/drawing/2014/main" id="{FC64CA8F-92A6-43B1-A24A-66995EA1CFED}"/>
-              </a:ext>
-            </a:extLst>
-          </p:cNvPr>
-          <p:cNvSpPr txBox="1"/>
-          <p:nvPr/>
-        </p:nvSpPr>
-        <p:spPr>
-          <a:xfrm>
-            <a:off x="7004304" y="5175124"/>
-            <a:ext cx="1649811" cy="276999"/>
-          </a:xfrm>
-          <a:prstGeom prst="rect">
-            <a:avLst/>
-          </a:prstGeom>
-          <a:noFill/>
-        </p:spPr>
-        <p:txBody>
-          <a:bodyPr wrap="none" rtlCol="0">
-            <a:spAutoFit/>
-          </a:bodyPr>
-          <a:lstStyle/>
-          <a:p>
-            <a:r>
-              <a:rPr lang="pt-BR" sz="1200" b="1" dirty="0"/>
-              <a:t>Regressão Logística</a:t>
-            </a:r>
-          </a:p>
-        </p:txBody>
-      </p:sp>
     </p:spTree>
     <p:extLst>
       <p:ext uri="{BB962C8B-B14F-4D97-AF65-F5344CB8AC3E}">
@@ -12241,54 +14341,10 @@
       </p:grpSpPr>
       <p:sp>
         <p:nvSpPr>
-          <p:cNvPr id="2" name="Título 1">
-            <a:extLst>
-              <a:ext uri="{FF2B5EF4-FFF2-40B4-BE49-F238E27FC236}">
-                <a16:creationId xmlns:a16="http://schemas.microsoft.com/office/drawing/2014/main" id="{3B2B28D8-88D2-4943-A395-922AA52194CB}"/>
-              </a:ext>
-            </a:extLst>
-          </p:cNvPr>
-          <p:cNvSpPr>
-            <a:spLocks noGrp="1"/>
-          </p:cNvSpPr>
-          <p:nvPr>
-            <p:ph type="title"/>
-          </p:nvPr>
-        </p:nvSpPr>
-        <p:spPr>
-          <a:xfrm>
-            <a:off x="861060" y="3653585"/>
-            <a:ext cx="10469880" cy="1600200"/>
-          </a:xfrm>
-        </p:spPr>
-        <p:txBody>
-          <a:bodyPr>
-            <a:normAutofit/>
-          </a:bodyPr>
-          <a:lstStyle/>
-          <a:p>
-            <a:pPr algn="ctr"/>
-            <a:r>
-              <a:rPr lang="pt-BR" b="1" dirty="0"/>
-              <a:t>Operação do </a:t>
-            </a:r>
-            <a:br>
-              <a:rPr lang="pt-BR" b="1" dirty="0"/>
-            </a:br>
-            <a:r>
-              <a:rPr lang="pt-BR" b="1" dirty="0"/>
-              <a:t>modelo de predição</a:t>
-            </a:r>
-            <a:endParaRPr lang="pt-BR" dirty="0"/>
-          </a:p>
-        </p:txBody>
-      </p:sp>
-      <p:sp>
-        <p:nvSpPr>
           <p:cNvPr id="6" name="CaixaDeTexto 5">
             <a:extLst>
               <a:ext uri="{FF2B5EF4-FFF2-40B4-BE49-F238E27FC236}">
-                <a16:creationId xmlns:a16="http://schemas.microsoft.com/office/drawing/2014/main" id="{E79D1C39-63B2-410F-82EC-D49B50505B3C}"/>
+                <a16:creationId xmlns:a16="http://schemas.microsoft.com/office/drawing/2014/main" id="{F8D725C2-3F40-4839-9E86-F10F8B1166FF}"/>
               </a:ext>
             </a:extLst>
           </p:cNvPr>
@@ -12321,21 +14377,100 @@
           <a:bodyPr wrap="square" rtlCol="0">
             <a:spAutoFit/>
           </a:bodyPr>
+          <a:lstStyle>
+            <a:defPPr rtl="0">
+              <a:defRPr lang="pt-br"/>
+            </a:defPPr>
+            <a:lvl1pPr>
+              <a:defRPr sz="2800" b="1">
+                <a:solidFill>
+                  <a:schemeClr val="accent2">
+                    <a:lumMod val="50000"/>
+                  </a:schemeClr>
+                </a:solidFill>
+              </a:defRPr>
+            </a:lvl1pPr>
+          </a:lstStyle>
+          <a:p>
+            <a:r>
+              <a:rPr lang="pt-BR" dirty="0"/>
+              <a:t>Módulo 1 –  Escolha do Modelo de Predição</a:t>
+            </a:r>
+          </a:p>
+        </p:txBody>
+      </p:sp>
+      <p:sp>
+        <p:nvSpPr>
+          <p:cNvPr id="9" name="CaixaDeTexto 8">
+            <a:extLst>
+              <a:ext uri="{FF2B5EF4-FFF2-40B4-BE49-F238E27FC236}">
+                <a16:creationId xmlns:a16="http://schemas.microsoft.com/office/drawing/2014/main" id="{839AF15F-7943-4C93-87C5-4EDB157AD191}"/>
+              </a:ext>
+            </a:extLst>
+          </p:cNvPr>
+          <p:cNvSpPr txBox="1"/>
+          <p:nvPr/>
+        </p:nvSpPr>
+        <p:spPr>
+          <a:xfrm>
+            <a:off x="6108048" y="1294444"/>
+            <a:ext cx="5270104" cy="2308324"/>
+          </a:xfrm>
+          <a:prstGeom prst="rect">
+            <a:avLst/>
+          </a:prstGeom>
+          <a:noFill/>
+        </p:spPr>
+        <p:txBody>
+          <a:bodyPr wrap="square" rtlCol="0">
+            <a:spAutoFit/>
+          </a:bodyPr>
           <a:lstStyle/>
           <a:p>
-            <a:r>
-              <a:rPr lang="pt-BR" sz="2800" b="1" dirty="0"/>
-              <a:t> </a:t>
+            <a:pPr algn="just"/>
+            <a:r>
+              <a:rPr lang="pt-BR" dirty="0"/>
+              <a:t>O </a:t>
+            </a:r>
+            <a:r>
+              <a:rPr lang="pt-BR" b="1" dirty="0">
+                <a:solidFill>
+                  <a:schemeClr val="accent2">
+                    <a:lumMod val="75000"/>
+                  </a:schemeClr>
+                </a:solidFill>
+              </a:rPr>
+              <a:t>modelo de regressão logística </a:t>
+            </a:r>
+            <a:r>
+              <a:rPr lang="pt-BR" dirty="0"/>
+              <a:t>foi o melhor modelo utilizado para este conjunto de dados porque ele apresenta a maior acurácia tanto no geral (vários gráficos) tanto para as classes positivas e como as negativas. Isto é observado nas tabelas do </a:t>
+            </a:r>
+            <a:r>
+              <a:rPr lang="pt-BR" dirty="0" err="1"/>
+              <a:t>F1</a:t>
+            </a:r>
+            <a:r>
+              <a:rPr lang="pt-BR" dirty="0"/>
+              <a:t>-Score e no gráfico da Curva </a:t>
+            </a:r>
+            <a:r>
+              <a:rPr lang="pt-BR" dirty="0" err="1"/>
+              <a:t>ROC</a:t>
+            </a:r>
+            <a:r>
+              <a:rPr lang="pt-BR" dirty="0"/>
+              <a:t> em que a linha vermelha mostra a melhor acurácia</a:t>
             </a:r>
           </a:p>
         </p:txBody>
       </p:sp>
       <p:pic>
         <p:nvPicPr>
-          <p:cNvPr id="3" name="Imagem 2">
+          <p:cNvPr id="10" name="Imagem 9">
             <a:extLst>
               <a:ext uri="{FF2B5EF4-FFF2-40B4-BE49-F238E27FC236}">
-                <a16:creationId xmlns:a16="http://schemas.microsoft.com/office/drawing/2014/main" id="{79C9D103-FFBF-4E08-80A9-05FB74A0E3B0}"/>
+                <a16:creationId xmlns:a16="http://schemas.microsoft.com/office/drawing/2014/main" id="{6607AAFD-25D8-4208-9F78-197E1655DB26}"/>
               </a:ext>
             </a:extLst>
           </p:cNvPr>
@@ -12352,18 +14487,58 @@
         </p:blipFill>
         <p:spPr>
           <a:xfrm>
-            <a:off x="5020121" y="1522222"/>
-            <a:ext cx="2151759" cy="2131363"/>
+            <a:off x="6181695" y="3992798"/>
+            <a:ext cx="5081778" cy="2038732"/>
           </a:xfrm>
           <a:prstGeom prst="rect">
             <a:avLst/>
           </a:prstGeom>
+          <a:ln w="38100">
+            <a:solidFill>
+              <a:schemeClr val="tx1"/>
+            </a:solidFill>
+          </a:ln>
+        </p:spPr>
+      </p:pic>
+      <p:pic>
+        <p:nvPicPr>
+          <p:cNvPr id="11" name="Imagem 10">
+            <a:extLst>
+              <a:ext uri="{FF2B5EF4-FFF2-40B4-BE49-F238E27FC236}">
+                <a16:creationId xmlns:a16="http://schemas.microsoft.com/office/drawing/2014/main" id="{CA762D6B-40F5-46E7-A6FF-B696AB799BD0}"/>
+              </a:ext>
+            </a:extLst>
+          </p:cNvPr>
+          <p:cNvPicPr>
+            <a:picLocks noChangeAspect="1"/>
+          </p:cNvPicPr>
+          <p:nvPr/>
+        </p:nvPicPr>
+        <p:blipFill>
+          <a:blip r:embed="rId3"/>
+          <a:stretch>
+            <a:fillRect/>
+          </a:stretch>
+        </p:blipFill>
+        <p:spPr>
+          <a:xfrm>
+            <a:off x="704656" y="1399033"/>
+            <a:ext cx="4990874" cy="4660786"/>
+          </a:xfrm>
+          <a:prstGeom prst="rect">
+            <a:avLst/>
+          </a:prstGeom>
+          <a:ln w="38100">
+            <a:solidFill>
+              <a:schemeClr val="tx1"/>
+            </a:solidFill>
+          </a:ln>
         </p:spPr>
       </p:pic>
     </p:spTree>
     <p:extLst>
       <p:ext uri="{BB962C8B-B14F-4D97-AF65-F5344CB8AC3E}">
-        <p14:creationId xmlns:p14="http://schemas.microsoft.com/office/powerpoint/2010/main" val="4027183170"/>
+        <p14:creationId xmlns:p14="http://schemas.microsoft.com/office/powerpoint/2010/main" val="2887230688"/>
       </p:ext>
     </p:extLst>
   </p:cSld>
@@ -12392,10 +14567,54 @@
       </p:grpSpPr>
       <p:sp>
         <p:nvSpPr>
-          <p:cNvPr id="20" name="CaixaDeTexto 19">
+          <p:cNvPr id="2" name="Título 1">
             <a:extLst>
               <a:ext uri="{FF2B5EF4-FFF2-40B4-BE49-F238E27FC236}">
-                <a16:creationId xmlns:a16="http://schemas.microsoft.com/office/drawing/2014/main" id="{B5BD91E4-A18C-40FC-9C73-2BE3B3F9EB77}"/>
+                <a16:creationId xmlns:a16="http://schemas.microsoft.com/office/drawing/2014/main" id="{3B2B28D8-88D2-4943-A395-922AA52194CB}"/>
+              </a:ext>
+            </a:extLst>
+          </p:cNvPr>
+          <p:cNvSpPr>
+            <a:spLocks noGrp="1"/>
+          </p:cNvSpPr>
+          <p:nvPr>
+            <p:ph type="title"/>
+          </p:nvPr>
+        </p:nvSpPr>
+        <p:spPr>
+          <a:xfrm>
+            <a:off x="861060" y="3653585"/>
+            <a:ext cx="10469880" cy="1600200"/>
+          </a:xfrm>
+        </p:spPr>
+        <p:txBody>
+          <a:bodyPr>
+            <a:normAutofit/>
+          </a:bodyPr>
+          <a:lstStyle/>
+          <a:p>
+            <a:pPr algn="ctr"/>
+            <a:r>
+              <a:rPr lang="pt-BR" b="1" dirty="0"/>
+              <a:t>Operação do </a:t>
+            </a:r>
+            <a:br>
+              <a:rPr lang="pt-BR" b="1" dirty="0"/>
+            </a:br>
+            <a:r>
+              <a:rPr lang="pt-BR" b="1" dirty="0"/>
+              <a:t>modelo de predição</a:t>
+            </a:r>
+            <a:endParaRPr lang="pt-BR" dirty="0"/>
+          </a:p>
+        </p:txBody>
+      </p:sp>
+      <p:sp>
+        <p:nvSpPr>
+          <p:cNvPr id="6" name="CaixaDeTexto 5">
+            <a:extLst>
+              <a:ext uri="{FF2B5EF4-FFF2-40B4-BE49-F238E27FC236}">
+                <a16:creationId xmlns:a16="http://schemas.microsoft.com/office/drawing/2014/main" id="{E79D1C39-63B2-410F-82EC-D49B50505B3C}"/>
               </a:ext>
             </a:extLst>
           </p:cNvPr>
@@ -12404,8 +14623,8 @@
         </p:nvSpPr>
         <p:spPr>
           <a:xfrm>
-            <a:off x="411480" y="381195"/>
-            <a:ext cx="11384280" cy="523220"/>
+            <a:off x="384048" y="381195"/>
+            <a:ext cx="11448000" cy="523220"/>
           </a:xfrm>
           <a:prstGeom prst="rect">
             <a:avLst/>
@@ -12428,2257 +14647,49 @@
           <a:bodyPr wrap="square" rtlCol="0">
             <a:spAutoFit/>
           </a:bodyPr>
-          <a:lstStyle>
-            <a:defPPr rtl="0">
-              <a:defRPr lang="pt-br"/>
-            </a:defPPr>
-            <a:lvl1pPr>
-              <a:defRPr sz="2800" b="1">
-                <a:solidFill>
-                  <a:schemeClr val="accent2">
-                    <a:lumMod val="50000"/>
-                  </a:schemeClr>
-                </a:solidFill>
-              </a:defRPr>
-            </a:lvl1pPr>
-          </a:lstStyle>
-          <a:p>
-            <a:r>
-              <a:rPr lang="pt-BR" dirty="0">
-                <a:solidFill>
-                  <a:srgbClr val="002060"/>
-                </a:solidFill>
-              </a:rPr>
-              <a:t>Módulo 2 – Operação do Modelo</a:t>
+          <a:lstStyle/>
+          <a:p>
+            <a:r>
+              <a:rPr lang="pt-BR" sz="2800" b="1" dirty="0"/>
+              <a:t> </a:t>
             </a:r>
           </a:p>
         </p:txBody>
       </p:sp>
-      <p:graphicFrame>
-        <p:nvGraphicFramePr>
-          <p:cNvPr id="3" name="Tabela 12">
+      <p:pic>
+        <p:nvPicPr>
+          <p:cNvPr id="3" name="Imagem 2">
             <a:extLst>
               <a:ext uri="{FF2B5EF4-FFF2-40B4-BE49-F238E27FC236}">
-                <a16:creationId xmlns:a16="http://schemas.microsoft.com/office/drawing/2014/main" id="{2A75F3A7-F58F-4BEE-9872-5D48EB582BD6}"/>
+                <a16:creationId xmlns:a16="http://schemas.microsoft.com/office/drawing/2014/main" id="{79C9D103-FFBF-4E08-80A9-05FB74A0E3B0}"/>
               </a:ext>
             </a:extLst>
           </p:cNvPr>
-          <p:cNvGraphicFramePr>
-            <a:graphicFrameLocks noGrp="1"/>
-          </p:cNvGraphicFramePr>
-          <p:nvPr>
-            <p:extLst>
-              <p:ext uri="{D42A27DB-BD31-4B8C-83A1-F6EECF244321}">
-                <p14:modId xmlns:p14="http://schemas.microsoft.com/office/powerpoint/2010/main" val="3117318073"/>
-              </p:ext>
-            </p:extLst>
-          </p:nvPr>
-        </p:nvGraphicFramePr>
-        <p:xfrm>
-          <a:off x="650702" y="1033566"/>
-          <a:ext cx="10735548" cy="2844800"/>
-        </p:xfrm>
-        <a:graphic>
-          <a:graphicData uri="http://schemas.openxmlformats.org/drawingml/2006/table">
-            <a:tbl>
-              <a:tblPr firstRow="1" bandRow="1">
-                <a:tableStyleId>{3B4B98B0-60AC-42C2-AFA5-B58CD77FA1E5}</a:tableStyleId>
-              </a:tblPr>
-              <a:tblGrid>
-                <a:gridCol w="1789258">
-                  <a:extLst>
-                    <a:ext uri="{9D8B030D-6E8A-4147-A177-3AD203B41FA5}">
-                      <a16:colId xmlns:a16="http://schemas.microsoft.com/office/drawing/2014/main" val="3362292012"/>
-                    </a:ext>
-                  </a:extLst>
-                </a:gridCol>
-                <a:gridCol w="1789258">
-                  <a:extLst>
-                    <a:ext uri="{9D8B030D-6E8A-4147-A177-3AD203B41FA5}">
-                      <a16:colId xmlns:a16="http://schemas.microsoft.com/office/drawing/2014/main" val="426781171"/>
-                    </a:ext>
-                  </a:extLst>
-                </a:gridCol>
-                <a:gridCol w="1789258">
-                  <a:extLst>
-                    <a:ext uri="{9D8B030D-6E8A-4147-A177-3AD203B41FA5}">
-                      <a16:colId xmlns:a16="http://schemas.microsoft.com/office/drawing/2014/main" val="3215207731"/>
-                    </a:ext>
-                  </a:extLst>
-                </a:gridCol>
-                <a:gridCol w="1641348">
-                  <a:extLst>
-                    <a:ext uri="{9D8B030D-6E8A-4147-A177-3AD203B41FA5}">
-                      <a16:colId xmlns:a16="http://schemas.microsoft.com/office/drawing/2014/main" val="1646898754"/>
-                    </a:ext>
-                  </a:extLst>
-                </a:gridCol>
-                <a:gridCol w="1783080">
-                  <a:extLst>
-                    <a:ext uri="{9D8B030D-6E8A-4147-A177-3AD203B41FA5}">
-                      <a16:colId xmlns:a16="http://schemas.microsoft.com/office/drawing/2014/main" val="274680685"/>
-                    </a:ext>
-                  </a:extLst>
-                </a:gridCol>
-                <a:gridCol w="1943346">
-                  <a:extLst>
-                    <a:ext uri="{9D8B030D-6E8A-4147-A177-3AD203B41FA5}">
-                      <a16:colId xmlns:a16="http://schemas.microsoft.com/office/drawing/2014/main" val="1801465488"/>
-                    </a:ext>
-                  </a:extLst>
-                </a:gridCol>
-              </a:tblGrid>
-              <a:tr h="370840">
-                <a:tc gridSpan="6">
-                  <a:txBody>
-                    <a:bodyPr/>
-                    <a:lstStyle/>
-                    <a:p>
-                      <a:pPr algn="ctr"/>
-                      <a:r>
-                        <a:rPr lang="pt-BR" sz="1600" dirty="0">
-                          <a:solidFill>
-                            <a:schemeClr val="accent1">
-                              <a:lumMod val="50000"/>
-                            </a:schemeClr>
-                          </a:solidFill>
-                        </a:rPr>
-                        <a:t>M A C R O S   T A R E F A S </a:t>
-                      </a:r>
-                    </a:p>
-                  </a:txBody>
-                  <a:tcPr>
-                    <a:lnB w="12700" cap="flat" cmpd="sng" algn="ctr">
-                      <a:solidFill>
-                        <a:schemeClr val="tx1"/>
-                      </a:solidFill>
-                      <a:prstDash val="solid"/>
-                      <a:round/>
-                      <a:headEnd type="none" w="med" len="med"/>
-                      <a:tailEnd type="none" w="med" len="med"/>
-                    </a:lnB>
-                  </a:tcPr>
-                </a:tc>
-                <a:tc hMerge="1">
-                  <a:txBody>
-                    <a:bodyPr/>
-                    <a:lstStyle/>
-                    <a:p>
-                      <a:endParaRPr lang="pt-BR" sz="1400" dirty="0"/>
-                    </a:p>
-                  </a:txBody>
-                  <a:tcPr/>
-                </a:tc>
-                <a:tc hMerge="1">
-                  <a:txBody>
-                    <a:bodyPr/>
-                    <a:lstStyle/>
-                    <a:p>
-                      <a:endParaRPr lang="pt-BR"/>
-                    </a:p>
-                  </a:txBody>
-                  <a:tcPr/>
-                </a:tc>
-                <a:tc hMerge="1">
-                  <a:txBody>
-                    <a:bodyPr/>
-                    <a:lstStyle/>
-                    <a:p>
-                      <a:endParaRPr lang="pt-BR"/>
-                    </a:p>
-                  </a:txBody>
-                  <a:tcPr/>
-                </a:tc>
-                <a:tc hMerge="1">
-                  <a:txBody>
-                    <a:bodyPr/>
-                    <a:lstStyle/>
-                    <a:p>
-                      <a:endParaRPr lang="pt-BR" sz="1400" dirty="0"/>
-                    </a:p>
-                  </a:txBody>
-                  <a:tcPr/>
-                </a:tc>
-                <a:tc hMerge="1">
-                  <a:txBody>
-                    <a:bodyPr/>
-                    <a:lstStyle/>
-                    <a:p>
-                      <a:endParaRPr lang="pt-BR" sz="1400" dirty="0"/>
-                    </a:p>
-                  </a:txBody>
-                  <a:tcPr/>
-                </a:tc>
-                <a:extLst>
-                  <a:ext uri="{0D108BD9-81ED-4DB2-BD59-A6C34878D82A}">
-                    <a16:rowId xmlns:a16="http://schemas.microsoft.com/office/drawing/2014/main" val="1849980723"/>
-                  </a:ext>
-                </a:extLst>
-              </a:tr>
-              <a:tr h="370840">
-                <a:tc>
-                  <a:txBody>
-                    <a:bodyPr/>
-                    <a:lstStyle/>
-                    <a:p>
-                      <a:r>
-                        <a:rPr lang="pt-BR" sz="1400" b="1" dirty="0">
-                          <a:solidFill>
-                            <a:schemeClr val="accent1">
-                              <a:lumMod val="50000"/>
-                            </a:schemeClr>
-                          </a:solidFill>
-                        </a:rPr>
-                        <a:t>Etapa 1</a:t>
-                      </a:r>
-                    </a:p>
-                  </a:txBody>
-                  <a:tcPr>
-                    <a:lnL w="12700" cap="flat" cmpd="sng" algn="ctr">
-                      <a:solidFill>
-                        <a:schemeClr val="tx1"/>
-                      </a:solidFill>
-                      <a:prstDash val="solid"/>
-                      <a:round/>
-                      <a:headEnd type="none" w="med" len="med"/>
-                      <a:tailEnd type="none" w="med" len="med"/>
-                    </a:lnL>
-                    <a:lnR w="12700" cap="flat" cmpd="sng" algn="ctr">
-                      <a:solidFill>
-                        <a:schemeClr val="tx1"/>
-                      </a:solidFill>
-                      <a:prstDash val="solid"/>
-                      <a:round/>
-                      <a:headEnd type="none" w="med" len="med"/>
-                      <a:tailEnd type="none" w="med" len="med"/>
-                    </a:lnR>
-                    <a:lnT w="12700" cap="flat" cmpd="sng" algn="ctr">
-                      <a:solidFill>
-                        <a:schemeClr val="tx1"/>
-                      </a:solidFill>
-                      <a:prstDash val="solid"/>
-                      <a:round/>
-                      <a:headEnd type="none" w="med" len="med"/>
-                      <a:tailEnd type="none" w="med" len="med"/>
-                    </a:lnT>
-                    <a:lnB w="12700" cap="flat" cmpd="sng" algn="ctr">
-                      <a:solidFill>
-                        <a:schemeClr val="tx1"/>
-                      </a:solidFill>
-                      <a:prstDash val="solid"/>
-                      <a:round/>
-                      <a:headEnd type="none" w="med" len="med"/>
-                      <a:tailEnd type="none" w="med" len="med"/>
-                    </a:lnB>
-                    <a:solidFill>
-                      <a:schemeClr val="accent1">
-                        <a:lumMod val="75000"/>
-                        <a:alpha val="20000"/>
-                      </a:schemeClr>
-                    </a:solidFill>
-                  </a:tcPr>
-                </a:tc>
-                <a:tc gridSpan="3">
-                  <a:txBody>
-                    <a:bodyPr/>
-                    <a:lstStyle/>
-                    <a:p>
-                      <a:r>
-                        <a:rPr lang="pt-BR" sz="1400" b="1" dirty="0">
-                          <a:solidFill>
-                            <a:schemeClr val="accent1">
-                              <a:lumMod val="50000"/>
-                            </a:schemeClr>
-                          </a:solidFill>
-                        </a:rPr>
-                        <a:t>Etapa 2 – Processamento</a:t>
-                      </a:r>
-                    </a:p>
-                  </a:txBody>
-                  <a:tcPr>
-                    <a:lnL w="12700" cap="flat" cmpd="sng" algn="ctr">
-                      <a:solidFill>
-                        <a:schemeClr val="tx1"/>
-                      </a:solidFill>
-                      <a:prstDash val="solid"/>
-                      <a:round/>
-                      <a:headEnd type="none" w="med" len="med"/>
-                      <a:tailEnd type="none" w="med" len="med"/>
-                    </a:lnL>
-                    <a:lnR w="12700" cap="flat" cmpd="sng" algn="ctr">
-                      <a:solidFill>
-                        <a:schemeClr val="tx1"/>
-                      </a:solidFill>
-                      <a:prstDash val="solid"/>
-                      <a:round/>
-                      <a:headEnd type="none" w="med" len="med"/>
-                      <a:tailEnd type="none" w="med" len="med"/>
-                    </a:lnR>
-                    <a:lnT w="12700" cap="flat" cmpd="sng" algn="ctr">
-                      <a:solidFill>
-                        <a:schemeClr val="tx1"/>
-                      </a:solidFill>
-                      <a:prstDash val="solid"/>
-                      <a:round/>
-                      <a:headEnd type="none" w="med" len="med"/>
-                      <a:tailEnd type="none" w="med" len="med"/>
-                    </a:lnT>
-                    <a:lnB w="12700" cap="flat" cmpd="sng" algn="ctr">
-                      <a:solidFill>
-                        <a:schemeClr val="tx1"/>
-                      </a:solidFill>
-                      <a:prstDash val="solid"/>
-                      <a:round/>
-                      <a:headEnd type="none" w="med" len="med"/>
-                      <a:tailEnd type="none" w="med" len="med"/>
-                    </a:lnB>
-                    <a:solidFill>
-                      <a:schemeClr val="accent1">
-                        <a:lumMod val="75000"/>
-                        <a:alpha val="20000"/>
-                      </a:schemeClr>
-                    </a:solidFill>
-                  </a:tcPr>
-                </a:tc>
-                <a:tc hMerge="1">
-                  <a:txBody>
-                    <a:bodyPr/>
-                    <a:lstStyle/>
-                    <a:p>
-                      <a:endParaRPr lang="pt-BR" dirty="0"/>
-                    </a:p>
-                  </a:txBody>
-                  <a:tcPr/>
-                </a:tc>
-                <a:tc hMerge="1">
-                  <a:txBody>
-                    <a:bodyPr/>
-                    <a:lstStyle/>
-                    <a:p>
-                      <a:endParaRPr lang="pt-BR" dirty="0"/>
-                    </a:p>
-                  </a:txBody>
-                  <a:tcPr/>
-                </a:tc>
-                <a:tc>
-                  <a:txBody>
-                    <a:bodyPr/>
-                    <a:lstStyle/>
-                    <a:p>
-                      <a:r>
-                        <a:rPr lang="pt-BR" sz="1400" b="1" dirty="0">
-                          <a:solidFill>
-                            <a:schemeClr val="accent1">
-                              <a:lumMod val="50000"/>
-                            </a:schemeClr>
-                          </a:solidFill>
-                        </a:rPr>
-                        <a:t>Etapa 3 - Visualização dos Resultados</a:t>
-                      </a:r>
-                    </a:p>
-                  </a:txBody>
-                  <a:tcPr>
-                    <a:lnL w="12700" cap="flat" cmpd="sng" algn="ctr">
-                      <a:solidFill>
-                        <a:schemeClr val="tx1"/>
-                      </a:solidFill>
-                      <a:prstDash val="solid"/>
-                      <a:round/>
-                      <a:headEnd type="none" w="med" len="med"/>
-                      <a:tailEnd type="none" w="med" len="med"/>
-                    </a:lnL>
-                    <a:lnR w="12700" cap="flat" cmpd="sng" algn="ctr">
-                      <a:solidFill>
-                        <a:schemeClr val="tx1"/>
-                      </a:solidFill>
-                      <a:prstDash val="solid"/>
-                      <a:round/>
-                      <a:headEnd type="none" w="med" len="med"/>
-                      <a:tailEnd type="none" w="med" len="med"/>
-                    </a:lnR>
-                    <a:lnT w="12700" cap="flat" cmpd="sng" algn="ctr">
-                      <a:solidFill>
-                        <a:schemeClr val="tx1"/>
-                      </a:solidFill>
-                      <a:prstDash val="solid"/>
-                      <a:round/>
-                      <a:headEnd type="none" w="med" len="med"/>
-                      <a:tailEnd type="none" w="med" len="med"/>
-                    </a:lnT>
-                    <a:lnB w="12700" cap="flat" cmpd="sng" algn="ctr">
-                      <a:solidFill>
-                        <a:schemeClr val="tx1"/>
-                      </a:solidFill>
-                      <a:prstDash val="solid"/>
-                      <a:round/>
-                      <a:headEnd type="none" w="med" len="med"/>
-                      <a:tailEnd type="none" w="med" len="med"/>
-                    </a:lnB>
-                    <a:solidFill>
-                      <a:schemeClr val="accent1">
-                        <a:lumMod val="75000"/>
-                        <a:alpha val="20000"/>
-                      </a:schemeClr>
-                    </a:solidFill>
-                  </a:tcPr>
-                </a:tc>
-                <a:tc>
-                  <a:txBody>
-                    <a:bodyPr/>
-                    <a:lstStyle/>
-                    <a:p>
-                      <a:r>
-                        <a:rPr lang="pt-BR" sz="1400" b="1" dirty="0">
-                          <a:solidFill>
-                            <a:schemeClr val="accent1">
-                              <a:lumMod val="50000"/>
-                            </a:schemeClr>
-                          </a:solidFill>
-                        </a:rPr>
-                        <a:t>Etapa 4. Calibração do modelo</a:t>
-                      </a:r>
-                    </a:p>
-                  </a:txBody>
-                  <a:tcPr>
-                    <a:lnL w="12700" cap="flat" cmpd="sng" algn="ctr">
-                      <a:solidFill>
-                        <a:schemeClr val="tx1"/>
-                      </a:solidFill>
-                      <a:prstDash val="solid"/>
-                      <a:round/>
-                      <a:headEnd type="none" w="med" len="med"/>
-                      <a:tailEnd type="none" w="med" len="med"/>
-                    </a:lnL>
-                    <a:lnR w="12700" cap="flat" cmpd="sng" algn="ctr">
-                      <a:solidFill>
-                        <a:schemeClr val="tx1"/>
-                      </a:solidFill>
-                      <a:prstDash val="solid"/>
-                      <a:round/>
-                      <a:headEnd type="none" w="med" len="med"/>
-                      <a:tailEnd type="none" w="med" len="med"/>
-                    </a:lnR>
-                    <a:lnT w="12700" cap="flat" cmpd="sng" algn="ctr">
-                      <a:solidFill>
-                        <a:schemeClr val="tx1"/>
-                      </a:solidFill>
-                      <a:prstDash val="solid"/>
-                      <a:round/>
-                      <a:headEnd type="none" w="med" len="med"/>
-                      <a:tailEnd type="none" w="med" len="med"/>
-                    </a:lnT>
-                    <a:lnB w="12700" cap="flat" cmpd="sng" algn="ctr">
-                      <a:solidFill>
-                        <a:schemeClr val="tx1"/>
-                      </a:solidFill>
-                      <a:prstDash val="solid"/>
-                      <a:round/>
-                      <a:headEnd type="none" w="med" len="med"/>
-                      <a:tailEnd type="none" w="med" len="med"/>
-                    </a:lnB>
-                    <a:solidFill>
-                      <a:schemeClr val="accent1">
-                        <a:lumMod val="75000"/>
-                        <a:alpha val="20000"/>
-                      </a:schemeClr>
-                    </a:solidFill>
-                  </a:tcPr>
-                </a:tc>
-                <a:extLst>
-                  <a:ext uri="{0D108BD9-81ED-4DB2-BD59-A6C34878D82A}">
-                    <a16:rowId xmlns:a16="http://schemas.microsoft.com/office/drawing/2014/main" val="1188176675"/>
-                  </a:ext>
-                </a:extLst>
-              </a:tr>
-              <a:tr h="370840">
-                <a:tc>
-                  <a:txBody>
-                    <a:bodyPr/>
-                    <a:lstStyle/>
-                    <a:p>
-                      <a:r>
-                        <a:rPr lang="pt-BR" sz="1400" b="1" dirty="0"/>
-                        <a:t>Leitura dos Insumos a partir de </a:t>
-                      </a:r>
-                      <a:r>
-                        <a:rPr lang="pt-BR" sz="1400" b="1" dirty="0" err="1"/>
-                        <a:t>API.Rest</a:t>
-                      </a:r>
-                      <a:endParaRPr lang="pt-BR" sz="1400" b="1" i="1" dirty="0"/>
-                    </a:p>
-                  </a:txBody>
-                  <a:tcPr>
-                    <a:lnL w="12700" cap="flat" cmpd="sng" algn="ctr">
-                      <a:solidFill>
-                        <a:schemeClr val="tx1"/>
-                      </a:solidFill>
-                      <a:prstDash val="solid"/>
-                      <a:round/>
-                      <a:headEnd type="none" w="med" len="med"/>
-                      <a:tailEnd type="none" w="med" len="med"/>
-                    </a:lnL>
-                    <a:lnR w="12700" cap="flat" cmpd="sng" algn="ctr">
-                      <a:solidFill>
-                        <a:schemeClr val="tx1"/>
-                      </a:solidFill>
-                      <a:prstDash val="solid"/>
-                      <a:round/>
-                      <a:headEnd type="none" w="med" len="med"/>
-                      <a:tailEnd type="none" w="med" len="med"/>
-                    </a:lnR>
-                    <a:lnT w="12700" cap="flat" cmpd="sng" algn="ctr">
-                      <a:solidFill>
-                        <a:schemeClr val="tx1"/>
-                      </a:solidFill>
-                      <a:prstDash val="solid"/>
-                      <a:round/>
-                      <a:headEnd type="none" w="med" len="med"/>
-                      <a:tailEnd type="none" w="med" len="med"/>
-                    </a:lnT>
-                    <a:lnB w="12700" cap="flat" cmpd="sng" algn="ctr">
-                      <a:solidFill>
-                        <a:schemeClr val="tx1"/>
-                      </a:solidFill>
-                      <a:prstDash val="solid"/>
-                      <a:round/>
-                      <a:headEnd type="none" w="med" len="med"/>
-                      <a:tailEnd type="none" w="med" len="med"/>
-                    </a:lnB>
-                  </a:tcPr>
-                </a:tc>
-                <a:tc>
-                  <a:txBody>
-                    <a:bodyPr/>
-                    <a:lstStyle/>
-                    <a:p>
-                      <a:pPr marL="0" marR="0" lvl="0" indent="0" algn="l" defTabSz="914400" rtl="0" eaLnBrk="1" fontAlgn="auto" latinLnBrk="0" hangingPunct="1">
-                        <a:lnSpc>
-                          <a:spcPct val="100000"/>
-                        </a:lnSpc>
-                        <a:spcBef>
-                          <a:spcPts val="0"/>
-                        </a:spcBef>
-                        <a:spcAft>
-                          <a:spcPts val="0"/>
-                        </a:spcAft>
-                        <a:buClrTx/>
-                        <a:buSzTx/>
-                        <a:buFontTx/>
-                        <a:buNone/>
-                        <a:tabLst/>
-                        <a:defRPr/>
-                      </a:pPr>
-                      <a:r>
-                        <a:rPr lang="pt-BR" sz="1400" b="1" dirty="0"/>
-                        <a:t>1. Preparar Dados para remoção de inconsistências</a:t>
-                      </a:r>
-                    </a:p>
-                    <a:p>
-                      <a:endParaRPr lang="pt-BR" sz="1400" b="1" i="1" dirty="0"/>
-                    </a:p>
-                  </a:txBody>
-                  <a:tcPr>
-                    <a:lnL w="12700" cap="flat" cmpd="sng" algn="ctr">
-                      <a:solidFill>
-                        <a:schemeClr val="tx1"/>
-                      </a:solidFill>
-                      <a:prstDash val="solid"/>
-                      <a:round/>
-                      <a:headEnd type="none" w="med" len="med"/>
-                      <a:tailEnd type="none" w="med" len="med"/>
-                    </a:lnL>
-                    <a:lnR w="12700" cap="flat" cmpd="sng" algn="ctr">
-                      <a:solidFill>
-                        <a:schemeClr val="tx1"/>
-                      </a:solidFill>
-                      <a:prstDash val="solid"/>
-                      <a:round/>
-                      <a:headEnd type="none" w="med" len="med"/>
-                      <a:tailEnd type="none" w="med" len="med"/>
-                    </a:lnR>
-                    <a:lnT w="12700" cap="flat" cmpd="sng" algn="ctr">
-                      <a:solidFill>
-                        <a:schemeClr val="tx1"/>
-                      </a:solidFill>
-                      <a:prstDash val="solid"/>
-                      <a:round/>
-                      <a:headEnd type="none" w="med" len="med"/>
-                      <a:tailEnd type="none" w="med" len="med"/>
-                    </a:lnT>
-                    <a:lnB w="12700" cap="flat" cmpd="sng" algn="ctr">
-                      <a:solidFill>
-                        <a:schemeClr val="tx1"/>
-                      </a:solidFill>
-                      <a:prstDash val="solid"/>
-                      <a:round/>
-                      <a:headEnd type="none" w="med" len="med"/>
-                      <a:tailEnd type="none" w="med" len="med"/>
-                    </a:lnB>
-                  </a:tcPr>
-                </a:tc>
-                <a:tc>
-                  <a:txBody>
-                    <a:bodyPr/>
-                    <a:lstStyle/>
-                    <a:p>
-                      <a:pPr marL="0" marR="0" lvl="0" indent="0" algn="l" defTabSz="914400" rtl="0" eaLnBrk="1" fontAlgn="auto" latinLnBrk="0" hangingPunct="1">
-                        <a:lnSpc>
-                          <a:spcPct val="100000"/>
-                        </a:lnSpc>
-                        <a:spcBef>
-                          <a:spcPts val="0"/>
-                        </a:spcBef>
-                        <a:spcAft>
-                          <a:spcPts val="0"/>
-                        </a:spcAft>
-                        <a:buClrTx/>
-                        <a:buSzTx/>
-                        <a:buFontTx/>
-                        <a:buNone/>
-                        <a:tabLst/>
-                        <a:defRPr/>
-                      </a:pPr>
-                      <a:r>
-                        <a:rPr lang="pt-BR" sz="1400" b="1" dirty="0"/>
-                        <a:t>2. Aplicação de Score.</a:t>
-                      </a:r>
-                    </a:p>
-                    <a:p>
-                      <a:pPr marL="0" marR="0" lvl="0" indent="0" algn="l" defTabSz="914400" rtl="0" eaLnBrk="1" fontAlgn="auto" latinLnBrk="0" hangingPunct="1">
-                        <a:lnSpc>
-                          <a:spcPct val="100000"/>
-                        </a:lnSpc>
-                        <a:spcBef>
-                          <a:spcPts val="0"/>
-                        </a:spcBef>
-                        <a:spcAft>
-                          <a:spcPts val="0"/>
-                        </a:spcAft>
-                        <a:buClrTx/>
-                        <a:buSzTx/>
-                        <a:buFontTx/>
-                        <a:buNone/>
-                        <a:tabLst/>
-                        <a:defRPr/>
-                      </a:pPr>
-                      <a:endParaRPr lang="pt-BR" sz="1400" b="1" dirty="0"/>
-                    </a:p>
-                    <a:p>
-                      <a:pPr marL="0" marR="0" lvl="0" indent="0" algn="l" defTabSz="914400" rtl="0" eaLnBrk="1" fontAlgn="auto" latinLnBrk="0" hangingPunct="1">
-                        <a:lnSpc>
-                          <a:spcPct val="100000"/>
-                        </a:lnSpc>
-                        <a:spcBef>
-                          <a:spcPts val="0"/>
-                        </a:spcBef>
-                        <a:spcAft>
-                          <a:spcPts val="0"/>
-                        </a:spcAft>
-                        <a:buClrTx/>
-                        <a:buSzTx/>
-                        <a:buFontTx/>
-                        <a:buNone/>
-                        <a:tabLst/>
-                        <a:defRPr/>
-                      </a:pPr>
-                      <a:r>
-                        <a:rPr lang="pt-BR" sz="1400" b="1" dirty="0"/>
-                        <a:t>“Predição sobre os dados novos”</a:t>
-                      </a:r>
-                    </a:p>
-                    <a:p>
-                      <a:endParaRPr lang="pt-BR" sz="1400" b="1" i="1" dirty="0"/>
-                    </a:p>
-                  </a:txBody>
-                  <a:tcPr>
-                    <a:lnL w="12700" cap="flat" cmpd="sng" algn="ctr">
-                      <a:solidFill>
-                        <a:schemeClr val="tx1"/>
-                      </a:solidFill>
-                      <a:prstDash val="solid"/>
-                      <a:round/>
-                      <a:headEnd type="none" w="med" len="med"/>
-                      <a:tailEnd type="none" w="med" len="med"/>
-                    </a:lnL>
-                    <a:lnR w="12700" cap="flat" cmpd="sng" algn="ctr">
-                      <a:solidFill>
-                        <a:schemeClr val="tx1"/>
-                      </a:solidFill>
-                      <a:prstDash val="solid"/>
-                      <a:round/>
-                      <a:headEnd type="none" w="med" len="med"/>
-                      <a:tailEnd type="none" w="med" len="med"/>
-                    </a:lnR>
-                    <a:lnT w="12700" cap="flat" cmpd="sng" algn="ctr">
-                      <a:solidFill>
-                        <a:schemeClr val="tx1"/>
-                      </a:solidFill>
-                      <a:prstDash val="solid"/>
-                      <a:round/>
-                      <a:headEnd type="none" w="med" len="med"/>
-                      <a:tailEnd type="none" w="med" len="med"/>
-                    </a:lnT>
-                    <a:lnB w="12700" cap="flat" cmpd="sng" algn="ctr">
-                      <a:solidFill>
-                        <a:schemeClr val="tx1"/>
-                      </a:solidFill>
-                      <a:prstDash val="solid"/>
-                      <a:round/>
-                      <a:headEnd type="none" w="med" len="med"/>
-                      <a:tailEnd type="none" w="med" len="med"/>
-                    </a:lnB>
-                  </a:tcPr>
-                </a:tc>
-                <a:tc>
-                  <a:txBody>
-                    <a:bodyPr/>
-                    <a:lstStyle/>
-                    <a:p>
-                      <a:pPr marL="0" marR="0" lvl="0" indent="0" algn="l" defTabSz="914400" rtl="0" eaLnBrk="1" fontAlgn="auto" latinLnBrk="0" hangingPunct="1">
-                        <a:lnSpc>
-                          <a:spcPct val="100000"/>
-                        </a:lnSpc>
-                        <a:spcBef>
-                          <a:spcPts val="0"/>
-                        </a:spcBef>
-                        <a:spcAft>
-                          <a:spcPts val="0"/>
-                        </a:spcAft>
-                        <a:buClrTx/>
-                        <a:buSzTx/>
-                        <a:buFontTx/>
-                        <a:buNone/>
-                        <a:tabLst/>
-                        <a:defRPr/>
-                      </a:pPr>
-                      <a:r>
-                        <a:rPr lang="pt-BR" sz="1400" b="1" dirty="0"/>
-                        <a:t>3. Salvar dados para análises quantitativas</a:t>
-                      </a:r>
-                      <a:endParaRPr lang="pt-BR" sz="1400" b="1" i="1" dirty="0"/>
-                    </a:p>
-                  </a:txBody>
-                  <a:tcPr>
-                    <a:lnL w="12700" cap="flat" cmpd="sng" algn="ctr">
-                      <a:solidFill>
-                        <a:schemeClr val="tx1"/>
-                      </a:solidFill>
-                      <a:prstDash val="solid"/>
-                      <a:round/>
-                      <a:headEnd type="none" w="med" len="med"/>
-                      <a:tailEnd type="none" w="med" len="med"/>
-                    </a:lnL>
-                    <a:lnR w="12700" cap="flat" cmpd="sng" algn="ctr">
-                      <a:solidFill>
-                        <a:schemeClr val="tx1"/>
-                      </a:solidFill>
-                      <a:prstDash val="solid"/>
-                      <a:round/>
-                      <a:headEnd type="none" w="med" len="med"/>
-                      <a:tailEnd type="none" w="med" len="med"/>
-                    </a:lnR>
-                    <a:lnT w="12700" cap="flat" cmpd="sng" algn="ctr">
-                      <a:solidFill>
-                        <a:schemeClr val="tx1"/>
-                      </a:solidFill>
-                      <a:prstDash val="solid"/>
-                      <a:round/>
-                      <a:headEnd type="none" w="med" len="med"/>
-                      <a:tailEnd type="none" w="med" len="med"/>
-                    </a:lnT>
-                    <a:lnB w="12700" cap="flat" cmpd="sng" algn="ctr">
-                      <a:solidFill>
-                        <a:schemeClr val="tx1"/>
-                      </a:solidFill>
-                      <a:prstDash val="solid"/>
-                      <a:round/>
-                      <a:headEnd type="none" w="med" len="med"/>
-                      <a:tailEnd type="none" w="med" len="med"/>
-                    </a:lnB>
-                  </a:tcPr>
-                </a:tc>
-                <a:tc>
-                  <a:txBody>
-                    <a:bodyPr/>
-                    <a:lstStyle/>
-                    <a:p>
-                      <a:pPr marL="0" marR="0" lvl="0" indent="0" algn="l" defTabSz="914400" rtl="0" eaLnBrk="1" fontAlgn="auto" latinLnBrk="0" hangingPunct="1">
-                        <a:lnSpc>
-                          <a:spcPct val="100000"/>
-                        </a:lnSpc>
-                        <a:spcBef>
-                          <a:spcPts val="0"/>
-                        </a:spcBef>
-                        <a:spcAft>
-                          <a:spcPts val="0"/>
-                        </a:spcAft>
-                        <a:buClrTx/>
-                        <a:buSzTx/>
-                        <a:buFontTx/>
-                        <a:buNone/>
-                        <a:tabLst/>
-                        <a:defRPr/>
-                      </a:pPr>
-                      <a:r>
-                        <a:rPr lang="pt-BR" sz="1400" b="1" dirty="0"/>
-                        <a:t>Acompanhar resultados de forma periódica.</a:t>
-                      </a:r>
-                      <a:endParaRPr lang="pt-BR" sz="1400" b="1" i="1" dirty="0"/>
-                    </a:p>
-                  </a:txBody>
-                  <a:tcPr>
-                    <a:lnL w="12700" cap="flat" cmpd="sng" algn="ctr">
-                      <a:solidFill>
-                        <a:schemeClr val="tx1"/>
-                      </a:solidFill>
-                      <a:prstDash val="solid"/>
-                      <a:round/>
-                      <a:headEnd type="none" w="med" len="med"/>
-                      <a:tailEnd type="none" w="med" len="med"/>
-                    </a:lnL>
-                    <a:lnR w="12700" cap="flat" cmpd="sng" algn="ctr">
-                      <a:solidFill>
-                        <a:schemeClr val="tx1"/>
-                      </a:solidFill>
-                      <a:prstDash val="solid"/>
-                      <a:round/>
-                      <a:headEnd type="none" w="med" len="med"/>
-                      <a:tailEnd type="none" w="med" len="med"/>
-                    </a:lnR>
-                    <a:lnT w="12700" cap="flat" cmpd="sng" algn="ctr">
-                      <a:solidFill>
-                        <a:schemeClr val="tx1"/>
-                      </a:solidFill>
-                      <a:prstDash val="solid"/>
-                      <a:round/>
-                      <a:headEnd type="none" w="med" len="med"/>
-                      <a:tailEnd type="none" w="med" len="med"/>
-                    </a:lnT>
-                    <a:lnB w="12700" cap="flat" cmpd="sng" algn="ctr">
-                      <a:solidFill>
-                        <a:schemeClr val="tx1"/>
-                      </a:solidFill>
-                      <a:prstDash val="solid"/>
-                      <a:round/>
-                      <a:headEnd type="none" w="med" len="med"/>
-                      <a:tailEnd type="none" w="med" len="med"/>
-                    </a:lnB>
-                  </a:tcPr>
-                </a:tc>
-                <a:tc>
-                  <a:txBody>
-                    <a:bodyPr/>
-                    <a:lstStyle/>
-                    <a:p>
-                      <a:pPr marL="0" marR="0" lvl="0" indent="0" algn="l" defTabSz="914400" rtl="0" eaLnBrk="1" fontAlgn="auto" latinLnBrk="0" hangingPunct="1">
-                        <a:lnSpc>
-                          <a:spcPct val="100000"/>
-                        </a:lnSpc>
-                        <a:spcBef>
-                          <a:spcPts val="0"/>
-                        </a:spcBef>
-                        <a:spcAft>
-                          <a:spcPts val="0"/>
-                        </a:spcAft>
-                        <a:buClrTx/>
-                        <a:buSzTx/>
-                        <a:buFontTx/>
-                        <a:buNone/>
-                        <a:tabLst/>
-                        <a:defRPr/>
-                      </a:pPr>
-                      <a:r>
-                        <a:rPr lang="pt-BR" sz="1400" b="1" dirty="0"/>
-                        <a:t>Definir período para avaliação da necessidade ou não de calibração do modelo</a:t>
-                      </a:r>
-                    </a:p>
-                    <a:p>
-                      <a:pPr marL="0" marR="0" lvl="0" indent="0" algn="l" defTabSz="914400" rtl="0" eaLnBrk="1" fontAlgn="auto" latinLnBrk="0" hangingPunct="1">
-                        <a:lnSpc>
-                          <a:spcPct val="100000"/>
-                        </a:lnSpc>
-                        <a:spcBef>
-                          <a:spcPts val="0"/>
-                        </a:spcBef>
-                        <a:spcAft>
-                          <a:spcPts val="0"/>
-                        </a:spcAft>
-                        <a:buClrTx/>
-                        <a:buSzTx/>
-                        <a:buFontTx/>
-                        <a:buNone/>
-                        <a:tabLst/>
-                        <a:defRPr/>
-                      </a:pPr>
-                      <a:endParaRPr lang="pt-BR" sz="1400" b="1" i="1" dirty="0"/>
-                    </a:p>
-                  </a:txBody>
-                  <a:tcPr>
-                    <a:lnL w="12700" cap="flat" cmpd="sng" algn="ctr">
-                      <a:solidFill>
-                        <a:schemeClr val="tx1"/>
-                      </a:solidFill>
-                      <a:prstDash val="solid"/>
-                      <a:round/>
-                      <a:headEnd type="none" w="med" len="med"/>
-                      <a:tailEnd type="none" w="med" len="med"/>
-                    </a:lnL>
-                    <a:lnR w="12700" cap="flat" cmpd="sng" algn="ctr">
-                      <a:solidFill>
-                        <a:schemeClr val="tx1"/>
-                      </a:solidFill>
-                      <a:prstDash val="solid"/>
-                      <a:round/>
-                      <a:headEnd type="none" w="med" len="med"/>
-                      <a:tailEnd type="none" w="med" len="med"/>
-                    </a:lnR>
-                    <a:lnT w="12700" cap="flat" cmpd="sng" algn="ctr">
-                      <a:solidFill>
-                        <a:schemeClr val="tx1"/>
-                      </a:solidFill>
-                      <a:prstDash val="solid"/>
-                      <a:round/>
-                      <a:headEnd type="none" w="med" len="med"/>
-                      <a:tailEnd type="none" w="med" len="med"/>
-                    </a:lnT>
-                    <a:lnB w="12700" cap="flat" cmpd="sng" algn="ctr">
-                      <a:solidFill>
-                        <a:schemeClr val="tx1"/>
-                      </a:solidFill>
-                      <a:prstDash val="solid"/>
-                      <a:round/>
-                      <a:headEnd type="none" w="med" len="med"/>
-                      <a:tailEnd type="none" w="med" len="med"/>
-                    </a:lnB>
-                  </a:tcPr>
-                </a:tc>
-                <a:extLst>
-                  <a:ext uri="{0D108BD9-81ED-4DB2-BD59-A6C34878D82A}">
-                    <a16:rowId xmlns:a16="http://schemas.microsoft.com/office/drawing/2014/main" val="2075626043"/>
-                  </a:ext>
-                </a:extLst>
-              </a:tr>
-              <a:tr h="370840">
-                <a:tc gridSpan="6">
-                  <a:txBody>
-                    <a:bodyPr/>
-                    <a:lstStyle/>
-                    <a:p>
-                      <a:pPr marL="0" marR="0" lvl="0" indent="0" algn="ctr" defTabSz="914400" rtl="0" eaLnBrk="1" fontAlgn="auto" latinLnBrk="0" hangingPunct="1">
-                        <a:lnSpc>
-                          <a:spcPct val="100000"/>
-                        </a:lnSpc>
-                        <a:spcBef>
-                          <a:spcPts val="0"/>
-                        </a:spcBef>
-                        <a:spcAft>
-                          <a:spcPts val="0"/>
-                        </a:spcAft>
-                        <a:buClrTx/>
-                        <a:buSzTx/>
-                        <a:buFontTx/>
-                        <a:buNone/>
-                        <a:tabLst/>
-                        <a:defRPr/>
-                      </a:pPr>
-                      <a:endParaRPr lang="pt-BR" sz="1400" b="1" dirty="0">
-                        <a:solidFill>
-                          <a:srgbClr val="0D029A"/>
-                        </a:solidFill>
-                      </a:endParaRPr>
-                    </a:p>
-                  </a:txBody>
-                  <a:tcPr>
-                    <a:lnT w="12700" cap="flat" cmpd="sng" algn="ctr">
-                      <a:solidFill>
-                        <a:schemeClr val="tx1"/>
-                      </a:solidFill>
-                      <a:prstDash val="solid"/>
-                      <a:round/>
-                      <a:headEnd type="none" w="med" len="med"/>
-                      <a:tailEnd type="none" w="med" len="med"/>
-                    </a:lnT>
-                  </a:tcPr>
-                </a:tc>
-                <a:tc hMerge="1">
-                  <a:txBody>
-                    <a:bodyPr/>
-                    <a:lstStyle/>
-                    <a:p>
-                      <a:endParaRPr lang="pt-BR" sz="1400" b="1" i="1" dirty="0"/>
-                    </a:p>
-                  </a:txBody>
-                  <a:tcPr/>
-                </a:tc>
-                <a:tc hMerge="1">
-                  <a:txBody>
-                    <a:bodyPr/>
-                    <a:lstStyle/>
-                    <a:p>
-                      <a:endParaRPr lang="pt-BR" sz="1400" b="1" i="1" dirty="0"/>
-                    </a:p>
-                  </a:txBody>
-                  <a:tcPr/>
-                </a:tc>
-                <a:tc hMerge="1">
-                  <a:txBody>
-                    <a:bodyPr/>
-                    <a:lstStyle/>
-                    <a:p>
-                      <a:pPr marL="0" marR="0" lvl="0" indent="0" algn="l" defTabSz="914400" rtl="0" eaLnBrk="1" fontAlgn="auto" latinLnBrk="0" hangingPunct="1">
-                        <a:lnSpc>
-                          <a:spcPct val="100000"/>
-                        </a:lnSpc>
-                        <a:spcBef>
-                          <a:spcPts val="0"/>
-                        </a:spcBef>
-                        <a:spcAft>
-                          <a:spcPts val="0"/>
-                        </a:spcAft>
-                        <a:buClrTx/>
-                        <a:buSzTx/>
-                        <a:buFontTx/>
-                        <a:buNone/>
-                        <a:tabLst/>
-                        <a:defRPr/>
-                      </a:pPr>
-                      <a:endParaRPr lang="pt-BR" sz="1400" b="1" i="1" dirty="0"/>
-                    </a:p>
-                  </a:txBody>
-                  <a:tcPr/>
-                </a:tc>
-                <a:tc hMerge="1">
-                  <a:txBody>
-                    <a:bodyPr/>
-                    <a:lstStyle/>
-                    <a:p>
-                      <a:pPr marL="0" marR="0" lvl="0" indent="0" algn="l" defTabSz="914400" rtl="0" eaLnBrk="1" fontAlgn="auto" latinLnBrk="0" hangingPunct="1">
-                        <a:lnSpc>
-                          <a:spcPct val="100000"/>
-                        </a:lnSpc>
-                        <a:spcBef>
-                          <a:spcPts val="0"/>
-                        </a:spcBef>
-                        <a:spcAft>
-                          <a:spcPts val="0"/>
-                        </a:spcAft>
-                        <a:buClrTx/>
-                        <a:buSzTx/>
-                        <a:buFontTx/>
-                        <a:buNone/>
-                        <a:tabLst/>
-                        <a:defRPr/>
-                      </a:pPr>
-                      <a:endParaRPr lang="pt-BR" sz="1400" b="1" i="1" dirty="0"/>
-                    </a:p>
-                  </a:txBody>
-                  <a:tcPr/>
-                </a:tc>
-                <a:tc hMerge="1">
-                  <a:txBody>
-                    <a:bodyPr/>
-                    <a:lstStyle/>
-                    <a:p>
-                      <a:pPr algn="ctr"/>
-                      <a:endParaRPr lang="pt-BR" sz="1400" b="1" i="1" dirty="0">
-                        <a:solidFill>
-                          <a:srgbClr val="0D029A"/>
-                        </a:solidFill>
-                      </a:endParaRPr>
-                    </a:p>
-                  </a:txBody>
-                  <a:tcPr/>
-                </a:tc>
-                <a:extLst>
-                  <a:ext uri="{0D108BD9-81ED-4DB2-BD59-A6C34878D82A}">
-                    <a16:rowId xmlns:a16="http://schemas.microsoft.com/office/drawing/2014/main" val="1081246432"/>
-                  </a:ext>
-                </a:extLst>
-              </a:tr>
-            </a:tbl>
-          </a:graphicData>
-        </a:graphic>
-      </p:graphicFrame>
-      <p:grpSp>
-        <p:nvGrpSpPr>
-          <p:cNvPr id="13" name="Agrupar 12">
-            <a:extLst>
-              <a:ext uri="{FF2B5EF4-FFF2-40B4-BE49-F238E27FC236}">
-                <a16:creationId xmlns:a16="http://schemas.microsoft.com/office/drawing/2014/main" id="{22562F98-BABF-433B-B7DB-EA29CD6BA0F2}"/>
-              </a:ext>
-            </a:extLst>
-          </p:cNvPr>
-          <p:cNvGrpSpPr/>
+          <p:cNvPicPr>
+            <a:picLocks noChangeAspect="1"/>
+          </p:cNvPicPr>
           <p:nvPr/>
-        </p:nvGrpSpPr>
-        <p:grpSpPr>
-          <a:xfrm>
-            <a:off x="4231378" y="3648456"/>
-            <a:ext cx="6860293" cy="2711684"/>
-            <a:chOff x="637126" y="1538589"/>
-            <a:chExt cx="9969913" cy="4337558"/>
-          </a:xfrm>
-        </p:grpSpPr>
-        <p:pic>
-          <p:nvPicPr>
-            <p:cNvPr id="14" name="Imagem 13">
-              <a:extLst>
-                <a:ext uri="{FF2B5EF4-FFF2-40B4-BE49-F238E27FC236}">
-                  <a16:creationId xmlns:a16="http://schemas.microsoft.com/office/drawing/2014/main" id="{DD7C13BB-0DE5-493A-829F-A16F804D51B4}"/>
-                </a:ext>
-              </a:extLst>
-            </p:cNvPr>
-            <p:cNvPicPr>
-              <a:picLocks noChangeAspect="1"/>
-            </p:cNvPicPr>
-            <p:nvPr/>
-          </p:nvPicPr>
-          <p:blipFill>
-            <a:blip r:embed="rId2"/>
-            <a:stretch>
-              <a:fillRect/>
-            </a:stretch>
-          </p:blipFill>
-          <p:spPr>
-            <a:xfrm>
-              <a:off x="873398" y="2167477"/>
-              <a:ext cx="1459169" cy="1389383"/>
-            </a:xfrm>
-            <a:prstGeom prst="rect">
-              <a:avLst/>
-            </a:prstGeom>
-            <a:ln w="12700">
-              <a:solidFill>
-                <a:schemeClr val="tx1"/>
-              </a:solidFill>
-            </a:ln>
-          </p:spPr>
-        </p:pic>
-        <p:pic>
-          <p:nvPicPr>
-            <p:cNvPr id="15" name="Imagem 14">
-              <a:extLst>
-                <a:ext uri="{FF2B5EF4-FFF2-40B4-BE49-F238E27FC236}">
-                  <a16:creationId xmlns:a16="http://schemas.microsoft.com/office/drawing/2014/main" id="{AF177E5C-E3EC-4463-879A-288685A4C000}"/>
-                </a:ext>
-              </a:extLst>
-            </p:cNvPr>
-            <p:cNvPicPr>
-              <a:picLocks noChangeAspect="1"/>
-            </p:cNvPicPr>
-            <p:nvPr/>
-          </p:nvPicPr>
-          <p:blipFill>
-            <a:blip r:embed="rId3"/>
-            <a:stretch>
-              <a:fillRect/>
-            </a:stretch>
-          </p:blipFill>
-          <p:spPr>
-            <a:xfrm>
-              <a:off x="4142231" y="2245580"/>
-              <a:ext cx="1097661" cy="1233175"/>
-            </a:xfrm>
-            <a:prstGeom prst="rect">
-              <a:avLst/>
-            </a:prstGeom>
-          </p:spPr>
-        </p:pic>
-        <p:pic>
-          <p:nvPicPr>
-            <p:cNvPr id="16" name="Imagem 15">
-              <a:extLst>
-                <a:ext uri="{FF2B5EF4-FFF2-40B4-BE49-F238E27FC236}">
-                  <a16:creationId xmlns:a16="http://schemas.microsoft.com/office/drawing/2014/main" id="{41E2E481-55B7-464B-87FE-4CB06D99BE66}"/>
-                </a:ext>
-              </a:extLst>
-            </p:cNvPr>
-            <p:cNvPicPr>
-              <a:picLocks noChangeAspect="1"/>
-            </p:cNvPicPr>
-            <p:nvPr/>
-          </p:nvPicPr>
-          <p:blipFill>
-            <a:blip r:embed="rId4"/>
-            <a:stretch>
-              <a:fillRect/>
-            </a:stretch>
-          </p:blipFill>
-          <p:spPr>
-            <a:xfrm>
-              <a:off x="6387083" y="2227553"/>
-              <a:ext cx="1179847" cy="1304427"/>
-            </a:xfrm>
-            <a:prstGeom prst="rect">
-              <a:avLst/>
-            </a:prstGeom>
-          </p:spPr>
-        </p:pic>
-        <p:sp>
-          <p:nvSpPr>
-            <p:cNvPr id="17" name="Seta: para Baixo 16">
-              <a:extLst>
-                <a:ext uri="{FF2B5EF4-FFF2-40B4-BE49-F238E27FC236}">
-                  <a16:creationId xmlns:a16="http://schemas.microsoft.com/office/drawing/2014/main" id="{450288BF-8695-440B-91D0-207D8AAFB31B}"/>
-                </a:ext>
-              </a:extLst>
-            </p:cNvPr>
-            <p:cNvSpPr/>
-            <p:nvPr/>
-          </p:nvSpPr>
-          <p:spPr>
-            <a:xfrm rot="16200000">
-              <a:off x="5720408" y="2327680"/>
-              <a:ext cx="186160" cy="1097662"/>
-            </a:xfrm>
-            <a:prstGeom prst="downArrow">
-              <a:avLst/>
-            </a:prstGeom>
-            <a:solidFill>
-              <a:schemeClr val="accent4">
-                <a:lumMod val="75000"/>
-              </a:schemeClr>
-            </a:solidFill>
-            <a:ln>
-              <a:solidFill>
-                <a:schemeClr val="tx1"/>
-              </a:solidFill>
-            </a:ln>
-          </p:spPr>
-          <p:style>
-            <a:lnRef idx="2">
-              <a:schemeClr val="accent1">
-                <a:shade val="50000"/>
-              </a:schemeClr>
-            </a:lnRef>
-            <a:fillRef idx="1">
-              <a:schemeClr val="accent1"/>
-            </a:fillRef>
-            <a:effectRef idx="0">
-              <a:schemeClr val="accent1"/>
-            </a:effectRef>
-            <a:fontRef idx="minor">
-              <a:schemeClr val="lt1"/>
-            </a:fontRef>
-          </p:style>
-          <p:txBody>
-            <a:bodyPr rtlCol="0" anchor="ctr"/>
-            <a:lstStyle/>
-            <a:p>
-              <a:pPr algn="ctr"/>
-              <a:endParaRPr lang="pt-BR"/>
-            </a:p>
-          </p:txBody>
-        </p:sp>
-        <p:sp>
-          <p:nvSpPr>
-            <p:cNvPr id="18" name="CaixaDeTexto 17">
-              <a:extLst>
-                <a:ext uri="{FF2B5EF4-FFF2-40B4-BE49-F238E27FC236}">
-                  <a16:creationId xmlns:a16="http://schemas.microsoft.com/office/drawing/2014/main" id="{D3CAE882-F15F-4B3A-95C2-935531F29422}"/>
-                </a:ext>
-              </a:extLst>
-            </p:cNvPr>
-            <p:cNvSpPr txBox="1"/>
-            <p:nvPr/>
-          </p:nvSpPr>
-          <p:spPr>
-            <a:xfrm>
-              <a:off x="637126" y="3556861"/>
-              <a:ext cx="1931712" cy="443082"/>
-            </a:xfrm>
-            <a:prstGeom prst="rect">
-              <a:avLst/>
-            </a:prstGeom>
-            <a:noFill/>
-          </p:spPr>
-          <p:txBody>
-            <a:bodyPr wrap="none" rtlCol="0">
-              <a:spAutoFit/>
-            </a:bodyPr>
-            <a:lstStyle/>
-            <a:p>
-              <a:pPr algn="ctr"/>
-              <a:r>
-                <a:rPr lang="pt-BR" sz="1200" b="1" dirty="0">
-                  <a:solidFill>
-                    <a:schemeClr val="accent2"/>
-                  </a:solidFill>
-                </a:rPr>
-                <a:t>(</a:t>
-              </a:r>
-              <a:r>
-                <a:rPr lang="pt-BR" sz="1200" b="1" dirty="0" err="1">
-                  <a:solidFill>
-                    <a:schemeClr val="accent2"/>
-                  </a:solidFill>
-                </a:rPr>
-                <a:t>pipeline.pynb</a:t>
-              </a:r>
-              <a:r>
-                <a:rPr lang="pt-BR" sz="1200" b="1" dirty="0">
-                  <a:solidFill>
-                    <a:schemeClr val="accent2"/>
-                  </a:solidFill>
-                </a:rPr>
-                <a:t>)</a:t>
-              </a:r>
-            </a:p>
-          </p:txBody>
-        </p:sp>
-        <p:sp>
-          <p:nvSpPr>
-            <p:cNvPr id="19" name="Seta: para Baixo 18">
-              <a:extLst>
-                <a:ext uri="{FF2B5EF4-FFF2-40B4-BE49-F238E27FC236}">
-                  <a16:creationId xmlns:a16="http://schemas.microsoft.com/office/drawing/2014/main" id="{96307013-993E-4CA5-B522-C02FCF2AD77B}"/>
-                </a:ext>
-              </a:extLst>
-            </p:cNvPr>
-            <p:cNvSpPr/>
-            <p:nvPr/>
-          </p:nvSpPr>
-          <p:spPr>
-            <a:xfrm>
-              <a:off x="1612126" y="1757855"/>
-              <a:ext cx="180000" cy="368462"/>
-            </a:xfrm>
-            <a:prstGeom prst="downArrow">
-              <a:avLst/>
-            </a:prstGeom>
-            <a:solidFill>
-              <a:srgbClr val="0070C0"/>
-            </a:solidFill>
-            <a:ln>
-              <a:noFill/>
-            </a:ln>
-          </p:spPr>
-          <p:style>
-            <a:lnRef idx="2">
-              <a:schemeClr val="accent1">
-                <a:shade val="50000"/>
-              </a:schemeClr>
-            </a:lnRef>
-            <a:fillRef idx="1">
-              <a:schemeClr val="accent1"/>
-            </a:fillRef>
-            <a:effectRef idx="0">
-              <a:schemeClr val="accent1"/>
-            </a:effectRef>
-            <a:fontRef idx="minor">
-              <a:schemeClr val="lt1"/>
-            </a:fontRef>
-          </p:style>
-          <p:txBody>
-            <a:bodyPr rtlCol="0" anchor="ctr"/>
-            <a:lstStyle/>
-            <a:p>
-              <a:pPr algn="ctr"/>
-              <a:endParaRPr lang="pt-BR"/>
-            </a:p>
-          </p:txBody>
-        </p:sp>
-        <p:sp>
-          <p:nvSpPr>
-            <p:cNvPr id="21" name="Retângulo 20">
-              <a:extLst>
-                <a:ext uri="{FF2B5EF4-FFF2-40B4-BE49-F238E27FC236}">
-                  <a16:creationId xmlns:a16="http://schemas.microsoft.com/office/drawing/2014/main" id="{99910651-8976-442A-BAFB-37D03608C0FF}"/>
-                </a:ext>
-              </a:extLst>
-            </p:cNvPr>
-            <p:cNvSpPr/>
-            <p:nvPr/>
-          </p:nvSpPr>
-          <p:spPr>
-            <a:xfrm>
-              <a:off x="1656476" y="1694037"/>
-              <a:ext cx="5238100" cy="72962"/>
-            </a:xfrm>
-            <a:prstGeom prst="rect">
-              <a:avLst/>
-            </a:prstGeom>
-            <a:solidFill>
-              <a:srgbClr val="0070C0"/>
-            </a:solidFill>
-            <a:ln>
-              <a:noFill/>
-            </a:ln>
-          </p:spPr>
-          <p:style>
-            <a:lnRef idx="2">
-              <a:schemeClr val="accent1">
-                <a:shade val="50000"/>
-              </a:schemeClr>
-            </a:lnRef>
-            <a:fillRef idx="1">
-              <a:schemeClr val="accent1"/>
-            </a:fillRef>
-            <a:effectRef idx="0">
-              <a:schemeClr val="accent1"/>
-            </a:effectRef>
-            <a:fontRef idx="minor">
-              <a:schemeClr val="lt1"/>
-            </a:fontRef>
-          </p:style>
-          <p:txBody>
-            <a:bodyPr rtlCol="0" anchor="ctr"/>
-            <a:lstStyle/>
-            <a:p>
-              <a:pPr algn="ctr"/>
-              <a:endParaRPr lang="pt-BR"/>
-            </a:p>
-          </p:txBody>
-        </p:sp>
-        <p:sp>
-          <p:nvSpPr>
-            <p:cNvPr id="22" name="Retângulo 21">
-              <a:extLst>
-                <a:ext uri="{FF2B5EF4-FFF2-40B4-BE49-F238E27FC236}">
-                  <a16:creationId xmlns:a16="http://schemas.microsoft.com/office/drawing/2014/main" id="{13534184-5B53-4C3D-BB45-E13A8D0A0AAB}"/>
-                </a:ext>
-              </a:extLst>
-            </p:cNvPr>
-            <p:cNvSpPr/>
-            <p:nvPr/>
-          </p:nvSpPr>
-          <p:spPr>
-            <a:xfrm>
-              <a:off x="6894575" y="1693846"/>
-              <a:ext cx="72000" cy="540000"/>
-            </a:xfrm>
-            <a:prstGeom prst="rect">
-              <a:avLst/>
-            </a:prstGeom>
-            <a:solidFill>
-              <a:srgbClr val="0070C0"/>
-            </a:solidFill>
-            <a:ln>
-              <a:noFill/>
-            </a:ln>
-          </p:spPr>
-          <p:style>
-            <a:lnRef idx="2">
-              <a:schemeClr val="accent1">
-                <a:shade val="50000"/>
-              </a:schemeClr>
-            </a:lnRef>
-            <a:fillRef idx="1">
-              <a:schemeClr val="accent1"/>
-            </a:fillRef>
-            <a:effectRef idx="0">
-              <a:schemeClr val="accent1"/>
-            </a:effectRef>
-            <a:fontRef idx="minor">
-              <a:schemeClr val="lt1"/>
-            </a:fontRef>
-          </p:style>
-          <p:txBody>
-            <a:bodyPr rtlCol="0" anchor="ctr"/>
-            <a:lstStyle/>
-            <a:p>
-              <a:pPr algn="ctr"/>
-              <a:endParaRPr lang="pt-BR"/>
-            </a:p>
-          </p:txBody>
-        </p:sp>
-        <p:sp>
-          <p:nvSpPr>
-            <p:cNvPr id="23" name="CaixaDeTexto 22">
-              <a:extLst>
-                <a:ext uri="{FF2B5EF4-FFF2-40B4-BE49-F238E27FC236}">
-                  <a16:creationId xmlns:a16="http://schemas.microsoft.com/office/drawing/2014/main" id="{01B3B5F8-CE7C-4D8D-9BCB-3600BC66B098}"/>
-                </a:ext>
-              </a:extLst>
-            </p:cNvPr>
-            <p:cNvSpPr txBox="1"/>
-            <p:nvPr/>
-          </p:nvSpPr>
-          <p:spPr>
-            <a:xfrm>
-              <a:off x="3486573" y="1786582"/>
-              <a:ext cx="1766310" cy="443082"/>
-            </a:xfrm>
-            <a:prstGeom prst="rect">
-              <a:avLst/>
-            </a:prstGeom>
-            <a:noFill/>
-          </p:spPr>
-          <p:txBody>
-            <a:bodyPr wrap="none" rtlCol="0">
-              <a:spAutoFit/>
-            </a:bodyPr>
-            <a:lstStyle/>
-            <a:p>
-              <a:r>
-                <a:rPr lang="pt-BR" sz="1200" b="1" dirty="0">
-                  <a:solidFill>
-                    <a:srgbClr val="0070C0"/>
-                  </a:solidFill>
-                </a:rPr>
-                <a:t>Resposta HTTP</a:t>
-              </a:r>
-            </a:p>
-          </p:txBody>
-        </p:sp>
-        <p:sp>
-          <p:nvSpPr>
-            <p:cNvPr id="24" name="Retângulo: Cantos Arredondados 23">
-              <a:extLst>
-                <a:ext uri="{FF2B5EF4-FFF2-40B4-BE49-F238E27FC236}">
-                  <a16:creationId xmlns:a16="http://schemas.microsoft.com/office/drawing/2014/main" id="{0ADCC5AE-6D31-44FC-9652-4C0720564010}"/>
-                </a:ext>
-              </a:extLst>
-            </p:cNvPr>
-            <p:cNvSpPr/>
-            <p:nvPr/>
-          </p:nvSpPr>
-          <p:spPr>
-            <a:xfrm>
-              <a:off x="3491496" y="1538589"/>
-              <a:ext cx="7115543" cy="3995928"/>
-            </a:xfrm>
-            <a:prstGeom prst="roundRect">
-              <a:avLst/>
-            </a:prstGeom>
-            <a:noFill/>
-            <a:ln w="28575">
-              <a:prstDash val="dashDot"/>
-            </a:ln>
-          </p:spPr>
-          <p:style>
-            <a:lnRef idx="2">
-              <a:schemeClr val="accent1">
-                <a:shade val="50000"/>
-              </a:schemeClr>
-            </a:lnRef>
-            <a:fillRef idx="1">
-              <a:schemeClr val="accent1"/>
-            </a:fillRef>
-            <a:effectRef idx="0">
-              <a:schemeClr val="accent1"/>
-            </a:effectRef>
-            <a:fontRef idx="minor">
-              <a:schemeClr val="lt1"/>
-            </a:fontRef>
-          </p:style>
-          <p:txBody>
-            <a:bodyPr rtlCol="0" anchor="ctr"/>
-            <a:lstStyle/>
-            <a:p>
-              <a:pPr algn="ctr"/>
-              <a:endParaRPr lang="pt-BR"/>
-            </a:p>
-          </p:txBody>
-        </p:sp>
-        <p:sp>
-          <p:nvSpPr>
-            <p:cNvPr id="25" name="CaixaDeTexto 24">
-              <a:extLst>
-                <a:ext uri="{FF2B5EF4-FFF2-40B4-BE49-F238E27FC236}">
-                  <a16:creationId xmlns:a16="http://schemas.microsoft.com/office/drawing/2014/main" id="{09FC64F4-B27F-4591-9BA4-39EF46636503}"/>
-                </a:ext>
-              </a:extLst>
-            </p:cNvPr>
-            <p:cNvSpPr txBox="1"/>
-            <p:nvPr/>
-          </p:nvSpPr>
-          <p:spPr>
-            <a:xfrm>
-              <a:off x="4102985" y="5383833"/>
-              <a:ext cx="1861824" cy="492314"/>
-            </a:xfrm>
-            <a:prstGeom prst="rect">
-              <a:avLst/>
-            </a:prstGeom>
-            <a:solidFill>
-              <a:schemeClr val="accent1">
-                <a:lumMod val="60000"/>
-                <a:lumOff val="40000"/>
-              </a:schemeClr>
-            </a:solidFill>
-          </p:spPr>
-          <p:txBody>
-            <a:bodyPr wrap="none" rtlCol="0">
-              <a:spAutoFit/>
-            </a:bodyPr>
-            <a:lstStyle/>
-            <a:p>
-              <a:r>
-                <a:rPr lang="pt-BR" sz="1400" dirty="0"/>
-                <a:t>D J A N G O </a:t>
-              </a:r>
-            </a:p>
-          </p:txBody>
-        </p:sp>
-        <p:pic>
-          <p:nvPicPr>
-            <p:cNvPr id="26" name="Imagem 25">
-              <a:extLst>
-                <a:ext uri="{FF2B5EF4-FFF2-40B4-BE49-F238E27FC236}">
-                  <a16:creationId xmlns:a16="http://schemas.microsoft.com/office/drawing/2014/main" id="{36D476F5-8581-4972-86BF-71C9364B1269}"/>
-                </a:ext>
-              </a:extLst>
-            </p:cNvPr>
-            <p:cNvPicPr>
-              <a:picLocks noChangeAspect="1"/>
-            </p:cNvPicPr>
-            <p:nvPr/>
-          </p:nvPicPr>
-          <p:blipFill>
-            <a:blip r:embed="rId5"/>
-            <a:stretch>
-              <a:fillRect/>
-            </a:stretch>
-          </p:blipFill>
-          <p:spPr>
-            <a:xfrm>
-              <a:off x="8530841" y="2191226"/>
-              <a:ext cx="1212191" cy="1370568"/>
-            </a:xfrm>
-            <a:prstGeom prst="rect">
-              <a:avLst/>
-            </a:prstGeom>
-            <a:ln w="19050">
-              <a:solidFill>
-                <a:schemeClr val="tx1">
-                  <a:lumMod val="85000"/>
-                  <a:lumOff val="15000"/>
-                </a:schemeClr>
-              </a:solidFill>
-            </a:ln>
-          </p:spPr>
-        </p:pic>
-        <p:sp>
-          <p:nvSpPr>
-            <p:cNvPr id="27" name="Seta: para Baixo 26">
-              <a:extLst>
-                <a:ext uri="{FF2B5EF4-FFF2-40B4-BE49-F238E27FC236}">
-                  <a16:creationId xmlns:a16="http://schemas.microsoft.com/office/drawing/2014/main" id="{0A159FEF-E645-4774-A465-624D7F2BA8C9}"/>
-                </a:ext>
-              </a:extLst>
-            </p:cNvPr>
-            <p:cNvSpPr/>
-            <p:nvPr/>
-          </p:nvSpPr>
-          <p:spPr>
-            <a:xfrm rot="16200000">
-              <a:off x="7979189" y="2383258"/>
-              <a:ext cx="180000" cy="576000"/>
-            </a:xfrm>
-            <a:prstGeom prst="downArrow">
-              <a:avLst/>
-            </a:prstGeom>
-            <a:solidFill>
-              <a:srgbClr val="0070C0"/>
-            </a:solidFill>
-          </p:spPr>
-          <p:style>
-            <a:lnRef idx="2">
-              <a:schemeClr val="accent1">
-                <a:shade val="50000"/>
-              </a:schemeClr>
-            </a:lnRef>
-            <a:fillRef idx="1">
-              <a:schemeClr val="accent1"/>
-            </a:fillRef>
-            <a:effectRef idx="0">
-              <a:schemeClr val="accent1"/>
-            </a:effectRef>
-            <a:fontRef idx="minor">
-              <a:schemeClr val="lt1"/>
-            </a:fontRef>
-          </p:style>
-          <p:txBody>
-            <a:bodyPr rtlCol="0" anchor="ctr"/>
-            <a:lstStyle/>
-            <a:p>
-              <a:pPr algn="ctr"/>
-              <a:endParaRPr lang="pt-BR"/>
-            </a:p>
-          </p:txBody>
-        </p:sp>
-        <p:sp>
-          <p:nvSpPr>
-            <p:cNvPr id="28" name="Seta: para Baixo 27">
-              <a:extLst>
-                <a:ext uri="{FF2B5EF4-FFF2-40B4-BE49-F238E27FC236}">
-                  <a16:creationId xmlns:a16="http://schemas.microsoft.com/office/drawing/2014/main" id="{687D92C8-E179-4CAC-9BC1-7CABDA90B3FC}"/>
-                </a:ext>
-              </a:extLst>
-            </p:cNvPr>
-            <p:cNvSpPr/>
-            <p:nvPr/>
-          </p:nvSpPr>
-          <p:spPr>
-            <a:xfrm rot="5400000">
-              <a:off x="7962965" y="2645386"/>
-              <a:ext cx="180000" cy="576000"/>
-            </a:xfrm>
-            <a:prstGeom prst="downArrow">
-              <a:avLst/>
-            </a:prstGeom>
-            <a:solidFill>
-              <a:srgbClr val="0070C0"/>
-            </a:solidFill>
-          </p:spPr>
-          <p:style>
-            <a:lnRef idx="2">
-              <a:schemeClr val="accent1">
-                <a:shade val="50000"/>
-              </a:schemeClr>
-            </a:lnRef>
-            <a:fillRef idx="1">
-              <a:schemeClr val="accent1"/>
-            </a:fillRef>
-            <a:effectRef idx="0">
-              <a:schemeClr val="accent1"/>
-            </a:effectRef>
-            <a:fontRef idx="minor">
-              <a:schemeClr val="lt1"/>
-            </a:fontRef>
-          </p:style>
-          <p:txBody>
-            <a:bodyPr rtlCol="0" anchor="ctr"/>
-            <a:lstStyle/>
-            <a:p>
-              <a:pPr algn="ctr"/>
-              <a:endParaRPr lang="pt-BR"/>
-            </a:p>
-          </p:txBody>
-        </p:sp>
-        <p:pic>
-          <p:nvPicPr>
-            <p:cNvPr id="29" name="Imagem 28">
-              <a:extLst>
-                <a:ext uri="{FF2B5EF4-FFF2-40B4-BE49-F238E27FC236}">
-                  <a16:creationId xmlns:a16="http://schemas.microsoft.com/office/drawing/2014/main" id="{089D66A2-BDB4-46D7-B6B2-7D5ECEE70056}"/>
-                </a:ext>
-              </a:extLst>
-            </p:cNvPr>
-            <p:cNvPicPr>
-              <a:picLocks noChangeAspect="1"/>
-            </p:cNvPicPr>
-            <p:nvPr/>
-          </p:nvPicPr>
-          <p:blipFill>
-            <a:blip r:embed="rId6"/>
-            <a:stretch>
-              <a:fillRect/>
-            </a:stretch>
-          </p:blipFill>
-          <p:spPr>
-            <a:xfrm>
-              <a:off x="6346797" y="4065687"/>
-              <a:ext cx="1248464" cy="1172338"/>
-            </a:xfrm>
-            <a:prstGeom prst="rect">
-              <a:avLst/>
-            </a:prstGeom>
-            <a:ln w="28575">
-              <a:solidFill>
-                <a:schemeClr val="tx1">
-                  <a:lumMod val="75000"/>
-                  <a:lumOff val="25000"/>
-                </a:schemeClr>
-              </a:solidFill>
-            </a:ln>
-          </p:spPr>
-        </p:pic>
-        <p:sp>
-          <p:nvSpPr>
-            <p:cNvPr id="30" name="Seta: para Baixo 29">
-              <a:extLst>
-                <a:ext uri="{FF2B5EF4-FFF2-40B4-BE49-F238E27FC236}">
-                  <a16:creationId xmlns:a16="http://schemas.microsoft.com/office/drawing/2014/main" id="{68E22555-37DB-4B62-A8F1-CB4D171F50E0}"/>
-                </a:ext>
-              </a:extLst>
-            </p:cNvPr>
-            <p:cNvSpPr/>
-            <p:nvPr/>
-          </p:nvSpPr>
-          <p:spPr>
-            <a:xfrm>
-              <a:off x="6704920" y="3577700"/>
-              <a:ext cx="180000" cy="432000"/>
-            </a:xfrm>
-            <a:prstGeom prst="downArrow">
-              <a:avLst/>
-            </a:prstGeom>
-            <a:solidFill>
-              <a:srgbClr val="FFC000"/>
-            </a:solidFill>
-            <a:ln>
-              <a:solidFill>
-                <a:schemeClr val="tx1"/>
-              </a:solidFill>
-            </a:ln>
-          </p:spPr>
-          <p:style>
-            <a:lnRef idx="2">
-              <a:schemeClr val="accent1">
-                <a:shade val="50000"/>
-              </a:schemeClr>
-            </a:lnRef>
-            <a:fillRef idx="1">
-              <a:schemeClr val="accent1"/>
-            </a:fillRef>
-            <a:effectRef idx="0">
-              <a:schemeClr val="accent1"/>
-            </a:effectRef>
-            <a:fontRef idx="minor">
-              <a:schemeClr val="lt1"/>
-            </a:fontRef>
-          </p:style>
-          <p:txBody>
-            <a:bodyPr rtlCol="0" anchor="ctr"/>
-            <a:lstStyle/>
-            <a:p>
-              <a:pPr algn="ctr"/>
-              <a:endParaRPr lang="pt-BR"/>
-            </a:p>
-          </p:txBody>
-        </p:sp>
-        <p:sp>
-          <p:nvSpPr>
-            <p:cNvPr id="31" name="Seta: para Baixo 30">
-              <a:extLst>
-                <a:ext uri="{FF2B5EF4-FFF2-40B4-BE49-F238E27FC236}">
-                  <a16:creationId xmlns:a16="http://schemas.microsoft.com/office/drawing/2014/main" id="{72997093-2EA7-4AB2-A986-8A8776CEA3BC}"/>
-                </a:ext>
-              </a:extLst>
-            </p:cNvPr>
-            <p:cNvSpPr/>
-            <p:nvPr/>
-          </p:nvSpPr>
-          <p:spPr>
-            <a:xfrm rot="10800000">
-              <a:off x="7102786" y="3556668"/>
-              <a:ext cx="180000" cy="432000"/>
-            </a:xfrm>
-            <a:prstGeom prst="downArrow">
-              <a:avLst/>
-            </a:prstGeom>
-            <a:solidFill>
-              <a:srgbClr val="0070C0"/>
-            </a:solidFill>
-          </p:spPr>
-          <p:style>
-            <a:lnRef idx="2">
-              <a:schemeClr val="accent1">
-                <a:shade val="50000"/>
-              </a:schemeClr>
-            </a:lnRef>
-            <a:fillRef idx="1">
-              <a:schemeClr val="accent1"/>
-            </a:fillRef>
-            <a:effectRef idx="0">
-              <a:schemeClr val="accent1"/>
-            </a:effectRef>
-            <a:fontRef idx="minor">
-              <a:schemeClr val="lt1"/>
-            </a:fontRef>
-          </p:style>
-          <p:txBody>
-            <a:bodyPr rtlCol="0" anchor="ctr"/>
-            <a:lstStyle/>
-            <a:p>
-              <a:pPr algn="ctr"/>
-              <a:endParaRPr lang="pt-BR"/>
-            </a:p>
-          </p:txBody>
-        </p:sp>
-        <p:sp>
-          <p:nvSpPr>
-            <p:cNvPr id="32" name="CaixaDeTexto 31">
-              <a:extLst>
-                <a:ext uri="{FF2B5EF4-FFF2-40B4-BE49-F238E27FC236}">
-                  <a16:creationId xmlns:a16="http://schemas.microsoft.com/office/drawing/2014/main" id="{D8C7B195-2E13-4A55-8EDF-D4EBE0DFE441}"/>
-                </a:ext>
-              </a:extLst>
-            </p:cNvPr>
-            <p:cNvSpPr txBox="1"/>
-            <p:nvPr/>
-          </p:nvSpPr>
-          <p:spPr>
-            <a:xfrm>
-              <a:off x="2398927" y="2455130"/>
-              <a:ext cx="1845516" cy="418466"/>
-            </a:xfrm>
-            <a:prstGeom prst="rect">
-              <a:avLst/>
-            </a:prstGeom>
-            <a:noFill/>
-          </p:spPr>
-          <p:txBody>
-            <a:bodyPr wrap="none" rtlCol="0">
-              <a:spAutoFit/>
-            </a:bodyPr>
-            <a:lstStyle/>
-            <a:p>
-              <a:r>
-                <a:rPr lang="pt-BR" sz="1100" b="1" dirty="0">
-                  <a:solidFill>
-                    <a:schemeClr val="accent4">
-                      <a:lumMod val="50000"/>
-                    </a:schemeClr>
-                  </a:solidFill>
-                </a:rPr>
-                <a:t>Requisição HTTP</a:t>
-              </a:r>
-            </a:p>
-          </p:txBody>
-        </p:sp>
-        <p:sp>
-          <p:nvSpPr>
-            <p:cNvPr id="33" name="Seta: para Baixo 32">
-              <a:extLst>
-                <a:ext uri="{FF2B5EF4-FFF2-40B4-BE49-F238E27FC236}">
-                  <a16:creationId xmlns:a16="http://schemas.microsoft.com/office/drawing/2014/main" id="{48AE0325-6D65-43A5-B254-A1C3DC301D29}"/>
-                </a:ext>
-              </a:extLst>
-            </p:cNvPr>
-            <p:cNvSpPr/>
-            <p:nvPr/>
-          </p:nvSpPr>
-          <p:spPr>
-            <a:xfrm rot="16200000">
-              <a:off x="3138141" y="2132581"/>
-              <a:ext cx="198517" cy="1459170"/>
-            </a:xfrm>
-            <a:prstGeom prst="downArrow">
-              <a:avLst/>
-            </a:prstGeom>
-            <a:solidFill>
-              <a:schemeClr val="accent4">
-                <a:lumMod val="75000"/>
-              </a:schemeClr>
-            </a:solidFill>
-            <a:ln>
-              <a:solidFill>
-                <a:schemeClr val="tx1"/>
-              </a:solidFill>
-            </a:ln>
-          </p:spPr>
-          <p:style>
-            <a:lnRef idx="2">
-              <a:schemeClr val="accent1">
-                <a:shade val="50000"/>
-              </a:schemeClr>
-            </a:lnRef>
-            <a:fillRef idx="1">
-              <a:schemeClr val="accent1"/>
-            </a:fillRef>
-            <a:effectRef idx="0">
-              <a:schemeClr val="accent1"/>
-            </a:effectRef>
-            <a:fontRef idx="minor">
-              <a:schemeClr val="lt1"/>
-            </a:fontRef>
-          </p:style>
-          <p:txBody>
-            <a:bodyPr rtlCol="0" anchor="ctr"/>
-            <a:lstStyle/>
-            <a:p>
-              <a:pPr algn="ctr"/>
-              <a:endParaRPr lang="pt-BR"/>
-            </a:p>
-          </p:txBody>
-        </p:sp>
-        <p:pic>
-          <p:nvPicPr>
-            <p:cNvPr id="34" name="Imagem 33">
-              <a:extLst>
-                <a:ext uri="{FF2B5EF4-FFF2-40B4-BE49-F238E27FC236}">
-                  <a16:creationId xmlns:a16="http://schemas.microsoft.com/office/drawing/2014/main" id="{39A08058-2870-4EA7-A34C-6CA8B0D84B56}"/>
-                </a:ext>
-              </a:extLst>
-            </p:cNvPr>
-            <p:cNvPicPr>
-              <a:picLocks noChangeAspect="1"/>
-            </p:cNvPicPr>
-            <p:nvPr/>
-          </p:nvPicPr>
-          <p:blipFill>
-            <a:blip r:embed="rId7"/>
-            <a:stretch>
-              <a:fillRect/>
-            </a:stretch>
-          </p:blipFill>
-          <p:spPr>
-            <a:xfrm>
-              <a:off x="8405726" y="4009700"/>
-              <a:ext cx="1607806" cy="1113700"/>
-            </a:xfrm>
-            <a:prstGeom prst="rect">
-              <a:avLst/>
-            </a:prstGeom>
-            <a:ln w="19050">
-              <a:solidFill>
-                <a:schemeClr val="tx1">
-                  <a:lumMod val="75000"/>
-                  <a:lumOff val="25000"/>
-                </a:schemeClr>
-              </a:solidFill>
-            </a:ln>
-          </p:spPr>
-        </p:pic>
-        <p:sp>
-          <p:nvSpPr>
-            <p:cNvPr id="35" name="Seta: para Baixo 34">
-              <a:extLst>
-                <a:ext uri="{FF2B5EF4-FFF2-40B4-BE49-F238E27FC236}">
-                  <a16:creationId xmlns:a16="http://schemas.microsoft.com/office/drawing/2014/main" id="{220A3CFF-595C-496C-8024-93E28B596AB4}"/>
-                </a:ext>
-              </a:extLst>
-            </p:cNvPr>
-            <p:cNvSpPr/>
-            <p:nvPr/>
-          </p:nvSpPr>
-          <p:spPr>
-            <a:xfrm rot="16200000">
-              <a:off x="7938219" y="4525856"/>
-              <a:ext cx="180000" cy="432000"/>
-            </a:xfrm>
-            <a:prstGeom prst="downArrow">
-              <a:avLst/>
-            </a:prstGeom>
-            <a:solidFill>
-              <a:srgbClr val="FFC000"/>
-            </a:solidFill>
-            <a:ln>
-              <a:solidFill>
-                <a:schemeClr val="tx1"/>
-              </a:solidFill>
-            </a:ln>
-          </p:spPr>
-          <p:style>
-            <a:lnRef idx="2">
-              <a:schemeClr val="accent1">
-                <a:shade val="50000"/>
-              </a:schemeClr>
-            </a:lnRef>
-            <a:fillRef idx="1">
-              <a:schemeClr val="accent1"/>
-            </a:fillRef>
-            <a:effectRef idx="0">
-              <a:schemeClr val="accent1"/>
-            </a:effectRef>
-            <a:fontRef idx="minor">
-              <a:schemeClr val="lt1"/>
-            </a:fontRef>
-          </p:style>
-          <p:txBody>
-            <a:bodyPr rtlCol="0" anchor="ctr"/>
-            <a:lstStyle/>
-            <a:p>
-              <a:pPr algn="ctr"/>
-              <a:endParaRPr lang="pt-BR"/>
-            </a:p>
-          </p:txBody>
-        </p:sp>
-        <p:sp>
-          <p:nvSpPr>
-            <p:cNvPr id="36" name="Seta: para Baixo 35">
-              <a:extLst>
-                <a:ext uri="{FF2B5EF4-FFF2-40B4-BE49-F238E27FC236}">
-                  <a16:creationId xmlns:a16="http://schemas.microsoft.com/office/drawing/2014/main" id="{399E169B-89CD-46B4-84B2-75FAA1877CEF}"/>
-                </a:ext>
-              </a:extLst>
-            </p:cNvPr>
-            <p:cNvSpPr/>
-            <p:nvPr/>
-          </p:nvSpPr>
-          <p:spPr>
-            <a:xfrm rot="5400000">
-              <a:off x="7893427" y="4206580"/>
-              <a:ext cx="180000" cy="432000"/>
-            </a:xfrm>
-            <a:prstGeom prst="downArrow">
-              <a:avLst/>
-            </a:prstGeom>
-            <a:solidFill>
-              <a:srgbClr val="0070C0"/>
-            </a:solidFill>
-          </p:spPr>
-          <p:style>
-            <a:lnRef idx="2">
-              <a:schemeClr val="accent1">
-                <a:shade val="50000"/>
-              </a:schemeClr>
-            </a:lnRef>
-            <a:fillRef idx="1">
-              <a:schemeClr val="accent1"/>
-            </a:fillRef>
-            <a:effectRef idx="0">
-              <a:schemeClr val="accent1"/>
-            </a:effectRef>
-            <a:fontRef idx="minor">
-              <a:schemeClr val="lt1"/>
-            </a:fontRef>
-          </p:style>
-          <p:txBody>
-            <a:bodyPr rtlCol="0" anchor="ctr"/>
-            <a:lstStyle/>
-            <a:p>
-              <a:pPr algn="ctr"/>
-              <a:endParaRPr lang="pt-BR"/>
-            </a:p>
-          </p:txBody>
-        </p:sp>
-      </p:grpSp>
-      <p:sp>
-        <p:nvSpPr>
-          <p:cNvPr id="12" name="Seta: Dobrada para Cima 11">
-            <a:extLst>
-              <a:ext uri="{FF2B5EF4-FFF2-40B4-BE49-F238E27FC236}">
-                <a16:creationId xmlns:a16="http://schemas.microsoft.com/office/drawing/2014/main" id="{562936E7-1A16-45BF-8B56-38557889B3A8}"/>
-              </a:ext>
-            </a:extLst>
-          </p:cNvPr>
-          <p:cNvSpPr/>
-          <p:nvPr/>
-        </p:nvSpPr>
-        <p:spPr>
-          <a:xfrm rot="5400000">
-            <a:off x="1351003" y="2620124"/>
-            <a:ext cx="2045056" cy="3464249"/>
-          </a:xfrm>
-          <a:prstGeom prst="bentUpArrow">
-            <a:avLst>
-              <a:gd name="adj1" fmla="val 12075"/>
-              <a:gd name="adj2" fmla="val 16814"/>
-              <a:gd name="adj3" fmla="val 37493"/>
-            </a:avLst>
-          </a:prstGeom>
-          <a:solidFill>
-            <a:schemeClr val="accent5">
-              <a:lumMod val="50000"/>
-            </a:schemeClr>
-          </a:solidFill>
-          <a:ln>
-            <a:solidFill>
-              <a:schemeClr val="accent6">
-                <a:lumMod val="75000"/>
-              </a:schemeClr>
-            </a:solidFill>
-          </a:ln>
-        </p:spPr>
-        <p:style>
-          <a:lnRef idx="2">
-            <a:schemeClr val="accent1">
-              <a:shade val="50000"/>
-            </a:schemeClr>
-          </a:lnRef>
-          <a:fillRef idx="1">
-            <a:schemeClr val="accent1"/>
-          </a:fillRef>
-          <a:effectRef idx="0">
-            <a:schemeClr val="accent1"/>
-          </a:effectRef>
-          <a:fontRef idx="minor">
-            <a:schemeClr val="lt1"/>
-          </a:fontRef>
-        </p:style>
-        <p:txBody>
-          <a:bodyPr rtlCol="0" anchor="ctr"/>
-          <a:lstStyle/>
-          <a:p>
-            <a:pPr algn="ctr"/>
-            <a:endParaRPr lang="pt-BR">
-              <a:solidFill>
-                <a:schemeClr val="bg1"/>
-              </a:solidFill>
-            </a:endParaRPr>
-          </a:p>
-        </p:txBody>
-      </p:sp>
-      <p:sp>
-        <p:nvSpPr>
-          <p:cNvPr id="37" name="CaixaDeTexto 36">
-            <a:extLst>
-              <a:ext uri="{FF2B5EF4-FFF2-40B4-BE49-F238E27FC236}">
-                <a16:creationId xmlns:a16="http://schemas.microsoft.com/office/drawing/2014/main" id="{4F4E0B0A-6980-4DDD-929B-7BD85996E93D}"/>
-              </a:ext>
-            </a:extLst>
-          </p:cNvPr>
-          <p:cNvSpPr txBox="1"/>
-          <p:nvPr/>
-        </p:nvSpPr>
-        <p:spPr>
-          <a:xfrm>
-            <a:off x="842720" y="4861377"/>
-            <a:ext cx="2427268" cy="307777"/>
+        </p:nvPicPr>
+        <p:blipFill>
+          <a:blip r:embed="rId2"/>
+          <a:stretch>
+            <a:fillRect/>
+          </a:stretch>
+        </p:blipFill>
+        <p:spPr>
+          <a:xfrm>
+            <a:off x="5020121" y="1522222"/>
+            <a:ext cx="2151759" cy="2131363"/>
           </a:xfrm>
           <a:prstGeom prst="rect">
             <a:avLst/>
           </a:prstGeom>
-          <a:noFill/>
-        </p:spPr>
-        <p:txBody>
-          <a:bodyPr wrap="none" rtlCol="0">
-            <a:spAutoFit/>
-          </a:bodyPr>
-          <a:lstStyle/>
-          <a:p>
-            <a:r>
-              <a:rPr lang="pt-BR" sz="1400" b="1" dirty="0">
-                <a:solidFill>
-                  <a:schemeClr val="bg1"/>
-                </a:solidFill>
-              </a:rPr>
-              <a:t>Arquitetura - Visão Macro</a:t>
-            </a:r>
-          </a:p>
-        </p:txBody>
-      </p:sp>
-      <p:sp>
-        <p:nvSpPr>
-          <p:cNvPr id="2" name="CaixaDeTexto 1">
-            <a:extLst>
-              <a:ext uri="{FF2B5EF4-FFF2-40B4-BE49-F238E27FC236}">
-                <a16:creationId xmlns:a16="http://schemas.microsoft.com/office/drawing/2014/main" id="{C55161F8-305F-4411-87F8-2315346A9BAC}"/>
-              </a:ext>
-            </a:extLst>
-          </p:cNvPr>
-          <p:cNvSpPr txBox="1"/>
-          <p:nvPr/>
-        </p:nvSpPr>
-        <p:spPr>
-          <a:xfrm>
-            <a:off x="8187921" y="6149581"/>
-            <a:ext cx="2074607" cy="276999"/>
-          </a:xfrm>
-          <a:prstGeom prst="rect">
-            <a:avLst/>
-          </a:prstGeom>
-          <a:noFill/>
-        </p:spPr>
-        <p:txBody>
-          <a:bodyPr wrap="none" rtlCol="0">
-            <a:spAutoFit/>
-          </a:bodyPr>
-          <a:lstStyle/>
-          <a:p>
-            <a:r>
-              <a:rPr lang="pt-BR" sz="1200" b="1" dirty="0"/>
-              <a:t>http://127.0.0.1:8000/</a:t>
-            </a:r>
-            <a:r>
-              <a:rPr lang="pt-BR" sz="1200" b="1" dirty="0" err="1"/>
-              <a:t>api</a:t>
-            </a:r>
-            <a:r>
-              <a:rPr lang="pt-BR" sz="1200" b="1" dirty="0"/>
-              <a:t>/</a:t>
-            </a:r>
-          </a:p>
-        </p:txBody>
-      </p:sp>
+        </p:spPr>
+      </p:pic>
     </p:spTree>
     <p:extLst>
       <p:ext uri="{BB962C8B-B14F-4D97-AF65-F5344CB8AC3E}">
-        <p14:creationId xmlns:p14="http://schemas.microsoft.com/office/powerpoint/2010/main" val="51654040"/>
+        <p14:creationId xmlns:p14="http://schemas.microsoft.com/office/powerpoint/2010/main" val="4027183170"/>
       </p:ext>
     </p:extLst>
   </p:cSld>
